--- a/Componentes-teoricos/Slide móvil sesión 7 semana 3 .pptx
+++ b/Componentes-teoricos/Slide móvil sesión 7 semana 3 .pptx
@@ -2,29 +2,29 @@
 <file path=ppt/presentation.xml><?xml version="1.0" encoding="utf-8"?>
 <p:presentation xmlns:a="http://schemas.openxmlformats.org/drawingml/2006/main" xmlns:r="http://schemas.openxmlformats.org/officeDocument/2006/relationships" xmlns:mc="http://schemas.openxmlformats.org/markup-compatibility/2006" xmlns:mv="urn:schemas-microsoft-com:mac:vml" xmlns:p="http://schemas.openxmlformats.org/presentationml/2006/main" xmlns:c="http://schemas.openxmlformats.org/drawingml/2006/chart" xmlns:dgm="http://schemas.openxmlformats.org/drawingml/2006/diagram" xmlns:o="urn:schemas-microsoft-com:office:office" xmlns:v="urn:schemas-microsoft-com:vml" xmlns:pvml="urn:schemas-microsoft-com:office:powerpoint" xmlns:com="http://schemas.openxmlformats.org/drawingml/2006/compatibility" xmlns:p14="http://schemas.microsoft.com/office/powerpoint/2010/main" xmlns:p15="http://schemas.microsoft.com/office/powerpoint/2012/main" xmlns:ahyp="http://schemas.microsoft.com/office/drawing/2018/hyperlinkcolor" autoCompressPictures="0" strictFirstAndLastChars="0" saveSubsetFonts="1">
   <p:sldMasterIdLst>
-    <p:sldMasterId id="2147483648" r:id="rId5"/>
+    <p:sldMasterId id="2147483648" r:id="rId4"/>
   </p:sldMasterIdLst>
   <p:notesMasterIdLst>
-    <p:notesMasterId r:id="rId6"/>
+    <p:notesMasterId r:id="rId5"/>
   </p:notesMasterIdLst>
   <p:sldIdLst>
-    <p:sldId id="256" r:id="rId7"/>
-    <p:sldId id="257" r:id="rId8"/>
-    <p:sldId id="258" r:id="rId9"/>
-    <p:sldId id="259" r:id="rId10"/>
-    <p:sldId id="260" r:id="rId11"/>
-    <p:sldId id="261" r:id="rId12"/>
-    <p:sldId id="262" r:id="rId13"/>
-    <p:sldId id="263" r:id="rId14"/>
-    <p:sldId id="264" r:id="rId15"/>
-    <p:sldId id="265" r:id="rId16"/>
-    <p:sldId id="266" r:id="rId17"/>
-    <p:sldId id="267" r:id="rId18"/>
-    <p:sldId id="268" r:id="rId19"/>
-    <p:sldId id="269" r:id="rId20"/>
-    <p:sldId id="270" r:id="rId21"/>
-    <p:sldId id="271" r:id="rId22"/>
-    <p:sldId id="272" r:id="rId23"/>
+    <p:sldId id="256" r:id="rId6"/>
+    <p:sldId id="257" r:id="rId7"/>
+    <p:sldId id="258" r:id="rId8"/>
+    <p:sldId id="259" r:id="rId9"/>
+    <p:sldId id="260" r:id="rId10"/>
+    <p:sldId id="261" r:id="rId11"/>
+    <p:sldId id="262" r:id="rId12"/>
+    <p:sldId id="263" r:id="rId13"/>
+    <p:sldId id="264" r:id="rId14"/>
+    <p:sldId id="265" r:id="rId15"/>
+    <p:sldId id="266" r:id="rId16"/>
+    <p:sldId id="267" r:id="rId17"/>
+    <p:sldId id="268" r:id="rId18"/>
+    <p:sldId id="269" r:id="rId19"/>
+    <p:sldId id="270" r:id="rId20"/>
+    <p:sldId id="271" r:id="rId21"/>
+    <p:sldId id="272" r:id="rId22"/>
   </p:sldIdLst>
   <p:sldSz cy="5143500" cx="9144000"/>
   <p:notesSz cx="6858000" cy="9144000"/>
@@ -273,33 +273,10 @@
       </p15:sldGuideLst>
     </p:ext>
     <p:ext uri="http://customooxmlschemas.google.com/">
-      <go:slidesCustomData xmlns:go="http://customooxmlschemas.google.com/" r:id="rId24" roundtripDataSignature="AMtx7miA4odoMQDpCHdgmfFPZ+bP+dV+kw=="/>
+      <go:slidesCustomData xmlns:go="http://customooxmlschemas.google.com/" r:id="rId23" roundtripDataSignature="AMtx7mgu7btiGN89Zm3wFo4c6z7Gb1M6VA=="/>
     </p:ext>
   </p:extLst>
 </p:presentation>
-</file>
-
-<file path=ppt/commentAuthors.xml><?xml version="1.0" encoding="utf-8"?>
-<p:cmAuthorLst xmlns:a="http://schemas.openxmlformats.org/drawingml/2006/main" xmlns:r="http://schemas.openxmlformats.org/officeDocument/2006/relationships" xmlns:mc="http://schemas.openxmlformats.org/markup-compatibility/2006" xmlns:mv="urn:schemas-microsoft-com:mac:vml" xmlns:p="http://schemas.openxmlformats.org/presentationml/2006/main" xmlns:c="http://schemas.openxmlformats.org/drawingml/2006/chart" xmlns:dgm="http://schemas.openxmlformats.org/drawingml/2006/diagram" xmlns:o="urn:schemas-microsoft-com:office:office" xmlns:v="urn:schemas-microsoft-com:vml" xmlns:pvml="urn:schemas-microsoft-com:office:powerpoint" xmlns:com="http://schemas.openxmlformats.org/drawingml/2006/compatibility" xmlns:p14="http://schemas.microsoft.com/office/powerpoint/2010/main" xmlns:p15="http://schemas.microsoft.com/office/powerpoint/2012/main" xmlns:ahyp="http://schemas.microsoft.com/office/drawing/2018/hyperlinkcolor">
-  <p:cmAuthor clrIdx="0" id="0" initials="" lastIdx="1" name="Augusto Salazar Silva"/>
-</p:cmAuthorLst>
-</file>
-
-<file path=ppt/comments/comment1.xml><?xml version="1.0" encoding="utf-8"?>
-<p:cmLst xmlns:a="http://schemas.openxmlformats.org/drawingml/2006/main" xmlns:r="http://schemas.openxmlformats.org/officeDocument/2006/relationships" xmlns:mc="http://schemas.openxmlformats.org/markup-compatibility/2006" xmlns:mv="urn:schemas-microsoft-com:mac:vml" xmlns:p="http://schemas.openxmlformats.org/presentationml/2006/main" xmlns:c="http://schemas.openxmlformats.org/drawingml/2006/chart" xmlns:dgm="http://schemas.openxmlformats.org/drawingml/2006/diagram" xmlns:o="urn:schemas-microsoft-com:office:office" xmlns:v="urn:schemas-microsoft-com:vml" xmlns:pvml="urn:schemas-microsoft-com:office:powerpoint" xmlns:com="http://schemas.openxmlformats.org/drawingml/2006/compatibility" xmlns:p14="http://schemas.microsoft.com/office/powerpoint/2010/main" xmlns:p15="http://schemas.microsoft.com/office/powerpoint/2012/main" xmlns:ahyp="http://schemas.microsoft.com/office/drawing/2018/hyperlinkcolor">
-  <p:cm authorId="0" idx="1" dt="2021-08-23T14:42:39.011">
-    <p:pos x="6000" y="0"/>
-    <p:text>Antes hablas de una metodología para implementar BLoC, hay que usarla</p:text>
-    <p:extLst>
-      <p:ext uri="{C676402C-5697-4E1C-873F-D02D1690AC5C}">
-        <p15:threadingInfo timeZoneBias="0"/>
-      </p:ext>
-      <p:ext uri="http://customooxmlschemas.google.com/">
-        <go:slidesCustomData xmlns:go="http://customooxmlschemas.google.com/" commentPostId="AAAAOP-Q9ws"/>
-      </p:ext>
-    </p:extLst>
-  </p:cm>
-</p:cmLst>
 </file>
 
 <file path=ppt/notesMasters/notesMaster1.xml><?xml version="1.0" encoding="utf-8"?>
@@ -1143,21 +1120,1176 @@
           <a:p>
             <a:pPr indent="0" lvl="0" marL="0" rtl="0" algn="l">
               <a:lnSpc>
-                <a:spcPct val="100000"/>
-              </a:lnSpc>
-              <a:spcBef>
-                <a:spcPts val="0"/>
-              </a:spcBef>
-              <a:spcAft>
-                <a:spcPts val="0"/>
-              </a:spcAft>
+                <a:spcPct val="135714"/>
+              </a:lnSpc>
+              <a:spcBef>
+                <a:spcPts val="0"/>
+              </a:spcBef>
+              <a:spcAft>
+                <a:spcPts val="0"/>
+              </a:spcAft>
+              <a:buClr>
+                <a:schemeClr val="dk1"/>
+              </a:buClr>
               <a:buSzPts val="1100"/>
+              <a:buFont typeface="Arial"/>
+              <a:buNone/>
+            </a:pPr>
+            <a:r>
+              <a:rPr lang="es" sz="1050">
+                <a:solidFill>
+                  <a:schemeClr val="dk1"/>
+                </a:solidFill>
+                <a:latin typeface="Courier New"/>
+                <a:ea typeface="Courier New"/>
+                <a:cs typeface="Courier New"/>
+                <a:sym typeface="Courier New"/>
+              </a:rPr>
+              <a:t>import 'package:calculadorabinariodecimalbloc/domain/bloc/bloc.dart';</a:t>
+            </a:r>
+            <a:endParaRPr sz="1050">
+              <a:solidFill>
+                <a:schemeClr val="dk1"/>
+              </a:solidFill>
+              <a:latin typeface="Courier New"/>
+              <a:ea typeface="Courier New"/>
+              <a:cs typeface="Courier New"/>
+              <a:sym typeface="Courier New"/>
+            </a:endParaRPr>
+          </a:p>
+          <a:p>
+            <a:pPr indent="0" lvl="0" marL="0" rtl="0" algn="l">
+              <a:lnSpc>
+                <a:spcPct val="135714"/>
+              </a:lnSpc>
+              <a:spcBef>
+                <a:spcPts val="0"/>
+              </a:spcBef>
+              <a:spcAft>
+                <a:spcPts val="0"/>
+              </a:spcAft>
+              <a:buClr>
+                <a:schemeClr val="dk1"/>
+              </a:buClr>
+              <a:buSzPts val="1100"/>
+              <a:buFont typeface="Arial"/>
+              <a:buNone/>
+            </a:pPr>
+            <a:r>
+              <a:rPr lang="es" sz="1050">
+                <a:solidFill>
+                  <a:schemeClr val="dk1"/>
+                </a:solidFill>
+                <a:latin typeface="Courier New"/>
+                <a:ea typeface="Courier New"/>
+                <a:cs typeface="Courier New"/>
+                <a:sym typeface="Courier New"/>
+              </a:rPr>
+              <a:t>import 'package:calculadorabinariodecimalbloc/presentation/widgets/converter.dart';</a:t>
+            </a:r>
+            <a:endParaRPr sz="1050">
+              <a:solidFill>
+                <a:schemeClr val="dk1"/>
+              </a:solidFill>
+              <a:latin typeface="Courier New"/>
+              <a:ea typeface="Courier New"/>
+              <a:cs typeface="Courier New"/>
+              <a:sym typeface="Courier New"/>
+            </a:endParaRPr>
+          </a:p>
+          <a:p>
+            <a:pPr indent="0" lvl="0" marL="0" rtl="0" algn="l">
+              <a:lnSpc>
+                <a:spcPct val="135714"/>
+              </a:lnSpc>
+              <a:spcBef>
+                <a:spcPts val="0"/>
+              </a:spcBef>
+              <a:spcAft>
+                <a:spcPts val="0"/>
+              </a:spcAft>
+              <a:buClr>
+                <a:schemeClr val="dk1"/>
+              </a:buClr>
+              <a:buSzPts val="1100"/>
+              <a:buFont typeface="Arial"/>
+              <a:buNone/>
+            </a:pPr>
+            <a:r>
+              <a:rPr lang="es" sz="1050">
+                <a:solidFill>
+                  <a:schemeClr val="dk1"/>
+                </a:solidFill>
+                <a:latin typeface="Courier New"/>
+                <a:ea typeface="Courier New"/>
+                <a:cs typeface="Courier New"/>
+                <a:sym typeface="Courier New"/>
+              </a:rPr>
+              <a:t>import 'package:flutter/material.dart';</a:t>
+            </a:r>
+            <a:endParaRPr sz="1050">
+              <a:solidFill>
+                <a:schemeClr val="dk1"/>
+              </a:solidFill>
+              <a:latin typeface="Courier New"/>
+              <a:ea typeface="Courier New"/>
+              <a:cs typeface="Courier New"/>
+              <a:sym typeface="Courier New"/>
+            </a:endParaRPr>
+          </a:p>
+          <a:p>
+            <a:pPr indent="0" lvl="0" marL="0" rtl="0" algn="l">
+              <a:lnSpc>
+                <a:spcPct val="135714"/>
+              </a:lnSpc>
+              <a:spcBef>
+                <a:spcPts val="0"/>
+              </a:spcBef>
+              <a:spcAft>
+                <a:spcPts val="0"/>
+              </a:spcAft>
+              <a:buClr>
+                <a:schemeClr val="dk1"/>
+              </a:buClr>
+              <a:buSzPts val="1100"/>
+              <a:buFont typeface="Arial"/>
+              <a:buNone/>
+            </a:pPr>
+            <a:r>
+              <a:rPr lang="es" sz="1050">
+                <a:solidFill>
+                  <a:schemeClr val="dk1"/>
+                </a:solidFill>
+                <a:latin typeface="Courier New"/>
+                <a:ea typeface="Courier New"/>
+                <a:cs typeface="Courier New"/>
+                <a:sym typeface="Courier New"/>
+              </a:rPr>
+              <a:t>import 'package:flutter_bloc/flutter_bloc.dart';</a:t>
+            </a:r>
+            <a:endParaRPr sz="1050">
+              <a:solidFill>
+                <a:schemeClr val="dk1"/>
+              </a:solidFill>
+              <a:latin typeface="Courier New"/>
+              <a:ea typeface="Courier New"/>
+              <a:cs typeface="Courier New"/>
+              <a:sym typeface="Courier New"/>
+            </a:endParaRPr>
+          </a:p>
+          <a:p>
+            <a:pPr indent="0" lvl="0" marL="0" rtl="0" algn="l">
+              <a:lnSpc>
+                <a:spcPct val="135714"/>
+              </a:lnSpc>
+              <a:spcBef>
+                <a:spcPts val="0"/>
+              </a:spcBef>
+              <a:spcAft>
+                <a:spcPts val="0"/>
+              </a:spcAft>
+              <a:buClr>
+                <a:schemeClr val="dk1"/>
+              </a:buClr>
+              <a:buSzPts val="1100"/>
+              <a:buFont typeface="Arial"/>
               <a:buNone/>
             </a:pPr>
             <a:r>
               <a:t/>
             </a:r>
-            <a:endParaRPr/>
+            <a:endParaRPr sz="1050">
+              <a:solidFill>
+                <a:schemeClr val="dk1"/>
+              </a:solidFill>
+              <a:latin typeface="Courier New"/>
+              <a:ea typeface="Courier New"/>
+              <a:cs typeface="Courier New"/>
+              <a:sym typeface="Courier New"/>
+            </a:endParaRPr>
+          </a:p>
+          <a:p>
+            <a:pPr indent="0" lvl="0" marL="0" rtl="0" algn="l">
+              <a:lnSpc>
+                <a:spcPct val="135714"/>
+              </a:lnSpc>
+              <a:spcBef>
+                <a:spcPts val="0"/>
+              </a:spcBef>
+              <a:spcAft>
+                <a:spcPts val="0"/>
+              </a:spcAft>
+              <a:buClr>
+                <a:schemeClr val="dk1"/>
+              </a:buClr>
+              <a:buSzPts val="1100"/>
+              <a:buFont typeface="Arial"/>
+              <a:buNone/>
+            </a:pPr>
+            <a:r>
+              <a:rPr lang="es" sz="1050">
+                <a:solidFill>
+                  <a:schemeClr val="dk1"/>
+                </a:solidFill>
+                <a:latin typeface="Courier New"/>
+                <a:ea typeface="Courier New"/>
+                <a:cs typeface="Courier New"/>
+                <a:sym typeface="Courier New"/>
+              </a:rPr>
+              <a:t>class App extends StatelessWidget {</a:t>
+            </a:r>
+            <a:endParaRPr sz="1050">
+              <a:solidFill>
+                <a:schemeClr val="dk1"/>
+              </a:solidFill>
+              <a:latin typeface="Courier New"/>
+              <a:ea typeface="Courier New"/>
+              <a:cs typeface="Courier New"/>
+              <a:sym typeface="Courier New"/>
+            </a:endParaRPr>
+          </a:p>
+          <a:p>
+            <a:pPr indent="0" lvl="0" marL="0" rtl="0" algn="l">
+              <a:lnSpc>
+                <a:spcPct val="135714"/>
+              </a:lnSpc>
+              <a:spcBef>
+                <a:spcPts val="0"/>
+              </a:spcBef>
+              <a:spcAft>
+                <a:spcPts val="0"/>
+              </a:spcAft>
+              <a:buClr>
+                <a:schemeClr val="dk1"/>
+              </a:buClr>
+              <a:buSzPts val="1100"/>
+              <a:buFont typeface="Arial"/>
+              <a:buNone/>
+            </a:pPr>
+            <a:r>
+              <a:rPr lang="es" sz="1050">
+                <a:solidFill>
+                  <a:schemeClr val="dk1"/>
+                </a:solidFill>
+                <a:latin typeface="Courier New"/>
+                <a:ea typeface="Courier New"/>
+                <a:cs typeface="Courier New"/>
+                <a:sym typeface="Courier New"/>
+              </a:rPr>
+              <a:t> @override</a:t>
+            </a:r>
+            <a:endParaRPr sz="1050">
+              <a:solidFill>
+                <a:schemeClr val="dk1"/>
+              </a:solidFill>
+              <a:latin typeface="Courier New"/>
+              <a:ea typeface="Courier New"/>
+              <a:cs typeface="Courier New"/>
+              <a:sym typeface="Courier New"/>
+            </a:endParaRPr>
+          </a:p>
+          <a:p>
+            <a:pPr indent="0" lvl="0" marL="0" rtl="0" algn="l">
+              <a:lnSpc>
+                <a:spcPct val="135714"/>
+              </a:lnSpc>
+              <a:spcBef>
+                <a:spcPts val="0"/>
+              </a:spcBef>
+              <a:spcAft>
+                <a:spcPts val="0"/>
+              </a:spcAft>
+              <a:buClr>
+                <a:schemeClr val="dk1"/>
+              </a:buClr>
+              <a:buSzPts val="1100"/>
+              <a:buFont typeface="Arial"/>
+              <a:buNone/>
+            </a:pPr>
+            <a:r>
+              <a:rPr lang="es" sz="1050">
+                <a:solidFill>
+                  <a:schemeClr val="dk1"/>
+                </a:solidFill>
+                <a:latin typeface="Courier New"/>
+                <a:ea typeface="Courier New"/>
+                <a:cs typeface="Courier New"/>
+                <a:sym typeface="Courier New"/>
+              </a:rPr>
+              <a:t> Widget build(BuildContext context) {</a:t>
+            </a:r>
+            <a:endParaRPr sz="1050">
+              <a:solidFill>
+                <a:schemeClr val="dk1"/>
+              </a:solidFill>
+              <a:latin typeface="Courier New"/>
+              <a:ea typeface="Courier New"/>
+              <a:cs typeface="Courier New"/>
+              <a:sym typeface="Courier New"/>
+            </a:endParaRPr>
+          </a:p>
+          <a:p>
+            <a:pPr indent="0" lvl="0" marL="0" rtl="0" algn="l">
+              <a:lnSpc>
+                <a:spcPct val="135714"/>
+              </a:lnSpc>
+              <a:spcBef>
+                <a:spcPts val="0"/>
+              </a:spcBef>
+              <a:spcAft>
+                <a:spcPts val="0"/>
+              </a:spcAft>
+              <a:buClr>
+                <a:schemeClr val="dk1"/>
+              </a:buClr>
+              <a:buSzPts val="1100"/>
+              <a:buFont typeface="Arial"/>
+              <a:buNone/>
+            </a:pPr>
+            <a:r>
+              <a:rPr lang="es" sz="1050">
+                <a:solidFill>
+                  <a:schemeClr val="dk1"/>
+                </a:solidFill>
+                <a:latin typeface="Courier New"/>
+                <a:ea typeface="Courier New"/>
+                <a:cs typeface="Courier New"/>
+                <a:sym typeface="Courier New"/>
+              </a:rPr>
+              <a:t>   return MaterialApp(</a:t>
+            </a:r>
+            <a:endParaRPr sz="1050">
+              <a:solidFill>
+                <a:schemeClr val="dk1"/>
+              </a:solidFill>
+              <a:latin typeface="Courier New"/>
+              <a:ea typeface="Courier New"/>
+              <a:cs typeface="Courier New"/>
+              <a:sym typeface="Courier New"/>
+            </a:endParaRPr>
+          </a:p>
+          <a:p>
+            <a:pPr indent="0" lvl="0" marL="0" rtl="0" algn="l">
+              <a:lnSpc>
+                <a:spcPct val="135714"/>
+              </a:lnSpc>
+              <a:spcBef>
+                <a:spcPts val="0"/>
+              </a:spcBef>
+              <a:spcAft>
+                <a:spcPts val="0"/>
+              </a:spcAft>
+              <a:buClr>
+                <a:schemeClr val="dk1"/>
+              </a:buClr>
+              <a:buSzPts val="1100"/>
+              <a:buFont typeface="Arial"/>
+              <a:buNone/>
+            </a:pPr>
+            <a:r>
+              <a:rPr lang="es" sz="1050">
+                <a:solidFill>
+                  <a:schemeClr val="dk1"/>
+                </a:solidFill>
+                <a:latin typeface="Courier New"/>
+                <a:ea typeface="Courier New"/>
+                <a:cs typeface="Courier New"/>
+                <a:sym typeface="Courier New"/>
+              </a:rPr>
+              <a:t>     debugShowCheckedModeBanner: false,</a:t>
+            </a:r>
+            <a:endParaRPr sz="1050">
+              <a:solidFill>
+                <a:schemeClr val="dk1"/>
+              </a:solidFill>
+              <a:latin typeface="Courier New"/>
+              <a:ea typeface="Courier New"/>
+              <a:cs typeface="Courier New"/>
+              <a:sym typeface="Courier New"/>
+            </a:endParaRPr>
+          </a:p>
+          <a:p>
+            <a:pPr indent="0" lvl="0" marL="0" rtl="0" algn="l">
+              <a:lnSpc>
+                <a:spcPct val="135714"/>
+              </a:lnSpc>
+              <a:spcBef>
+                <a:spcPts val="0"/>
+              </a:spcBef>
+              <a:spcAft>
+                <a:spcPts val="0"/>
+              </a:spcAft>
+              <a:buClr>
+                <a:schemeClr val="dk1"/>
+              </a:buClr>
+              <a:buSzPts val="1100"/>
+              <a:buFont typeface="Arial"/>
+              <a:buNone/>
+            </a:pPr>
+            <a:r>
+              <a:rPr lang="es" sz="1050">
+                <a:solidFill>
+                  <a:schemeClr val="dk1"/>
+                </a:solidFill>
+                <a:latin typeface="Courier New"/>
+                <a:ea typeface="Courier New"/>
+                <a:cs typeface="Courier New"/>
+                <a:sym typeface="Courier New"/>
+              </a:rPr>
+              <a:t>     title: 'MisiónTIC 2022 Bloc',</a:t>
+            </a:r>
+            <a:endParaRPr sz="1050">
+              <a:solidFill>
+                <a:schemeClr val="dk1"/>
+              </a:solidFill>
+              <a:latin typeface="Courier New"/>
+              <a:ea typeface="Courier New"/>
+              <a:cs typeface="Courier New"/>
+              <a:sym typeface="Courier New"/>
+            </a:endParaRPr>
+          </a:p>
+          <a:p>
+            <a:pPr indent="0" lvl="0" marL="0" rtl="0" algn="l">
+              <a:lnSpc>
+                <a:spcPct val="135714"/>
+              </a:lnSpc>
+              <a:spcBef>
+                <a:spcPts val="0"/>
+              </a:spcBef>
+              <a:spcAft>
+                <a:spcPts val="0"/>
+              </a:spcAft>
+              <a:buClr>
+                <a:schemeClr val="dk1"/>
+              </a:buClr>
+              <a:buSzPts val="1100"/>
+              <a:buFont typeface="Arial"/>
+              <a:buNone/>
+            </a:pPr>
+            <a:r>
+              <a:rPr lang="es" sz="1050">
+                <a:solidFill>
+                  <a:schemeClr val="dk1"/>
+                </a:solidFill>
+                <a:latin typeface="Courier New"/>
+                <a:ea typeface="Courier New"/>
+                <a:cs typeface="Courier New"/>
+                <a:sym typeface="Courier New"/>
+              </a:rPr>
+              <a:t>     theme: ThemeData(</a:t>
+            </a:r>
+            <a:endParaRPr sz="1050">
+              <a:solidFill>
+                <a:schemeClr val="dk1"/>
+              </a:solidFill>
+              <a:latin typeface="Courier New"/>
+              <a:ea typeface="Courier New"/>
+              <a:cs typeface="Courier New"/>
+              <a:sym typeface="Courier New"/>
+            </a:endParaRPr>
+          </a:p>
+          <a:p>
+            <a:pPr indent="0" lvl="0" marL="0" rtl="0" algn="l">
+              <a:lnSpc>
+                <a:spcPct val="135714"/>
+              </a:lnSpc>
+              <a:spcBef>
+                <a:spcPts val="0"/>
+              </a:spcBef>
+              <a:spcAft>
+                <a:spcPts val="0"/>
+              </a:spcAft>
+              <a:buClr>
+                <a:schemeClr val="dk1"/>
+              </a:buClr>
+              <a:buSzPts val="1100"/>
+              <a:buFont typeface="Arial"/>
+              <a:buNone/>
+            </a:pPr>
+            <a:r>
+              <a:rPr lang="es" sz="1050">
+                <a:solidFill>
+                  <a:schemeClr val="dk1"/>
+                </a:solidFill>
+                <a:latin typeface="Courier New"/>
+                <a:ea typeface="Courier New"/>
+                <a:cs typeface="Courier New"/>
+                <a:sym typeface="Courier New"/>
+              </a:rPr>
+              <a:t>       primaryColor: Color(0xff4264b4),</a:t>
+            </a:r>
+            <a:endParaRPr sz="1050">
+              <a:solidFill>
+                <a:schemeClr val="dk1"/>
+              </a:solidFill>
+              <a:latin typeface="Courier New"/>
+              <a:ea typeface="Courier New"/>
+              <a:cs typeface="Courier New"/>
+              <a:sym typeface="Courier New"/>
+            </a:endParaRPr>
+          </a:p>
+          <a:p>
+            <a:pPr indent="0" lvl="0" marL="0" rtl="0" algn="l">
+              <a:lnSpc>
+                <a:spcPct val="135714"/>
+              </a:lnSpc>
+              <a:spcBef>
+                <a:spcPts val="0"/>
+              </a:spcBef>
+              <a:spcAft>
+                <a:spcPts val="0"/>
+              </a:spcAft>
+              <a:buClr>
+                <a:schemeClr val="dk1"/>
+              </a:buClr>
+              <a:buSzPts val="1100"/>
+              <a:buFont typeface="Arial"/>
+              <a:buNone/>
+            </a:pPr>
+            <a:r>
+              <a:rPr lang="es" sz="1050">
+                <a:solidFill>
+                  <a:schemeClr val="dk1"/>
+                </a:solidFill>
+                <a:latin typeface="Courier New"/>
+                <a:ea typeface="Courier New"/>
+                <a:cs typeface="Courier New"/>
+                <a:sym typeface="Courier New"/>
+              </a:rPr>
+              <a:t>       accentColor: Color(0xff1d2448),</a:t>
+            </a:r>
+            <a:endParaRPr sz="1050">
+              <a:solidFill>
+                <a:schemeClr val="dk1"/>
+              </a:solidFill>
+              <a:latin typeface="Courier New"/>
+              <a:ea typeface="Courier New"/>
+              <a:cs typeface="Courier New"/>
+              <a:sym typeface="Courier New"/>
+            </a:endParaRPr>
+          </a:p>
+          <a:p>
+            <a:pPr indent="0" lvl="0" marL="0" rtl="0" algn="l">
+              <a:lnSpc>
+                <a:spcPct val="135714"/>
+              </a:lnSpc>
+              <a:spcBef>
+                <a:spcPts val="0"/>
+              </a:spcBef>
+              <a:spcAft>
+                <a:spcPts val="0"/>
+              </a:spcAft>
+              <a:buClr>
+                <a:schemeClr val="dk1"/>
+              </a:buClr>
+              <a:buSzPts val="1100"/>
+              <a:buFont typeface="Arial"/>
+              <a:buNone/>
+            </a:pPr>
+            <a:r>
+              <a:rPr lang="es" sz="1050">
+                <a:solidFill>
+                  <a:schemeClr val="dk1"/>
+                </a:solidFill>
+                <a:latin typeface="Courier New"/>
+                <a:ea typeface="Courier New"/>
+                <a:cs typeface="Courier New"/>
+                <a:sym typeface="Courier New"/>
+              </a:rPr>
+              <a:t>     ),</a:t>
+            </a:r>
+            <a:endParaRPr sz="1050">
+              <a:solidFill>
+                <a:schemeClr val="dk1"/>
+              </a:solidFill>
+              <a:latin typeface="Courier New"/>
+              <a:ea typeface="Courier New"/>
+              <a:cs typeface="Courier New"/>
+              <a:sym typeface="Courier New"/>
+            </a:endParaRPr>
+          </a:p>
+          <a:p>
+            <a:pPr indent="0" lvl="0" marL="0" rtl="0" algn="l">
+              <a:lnSpc>
+                <a:spcPct val="135714"/>
+              </a:lnSpc>
+              <a:spcBef>
+                <a:spcPts val="0"/>
+              </a:spcBef>
+              <a:spcAft>
+                <a:spcPts val="0"/>
+              </a:spcAft>
+              <a:buClr>
+                <a:schemeClr val="dk1"/>
+              </a:buClr>
+              <a:buSzPts val="1100"/>
+              <a:buFont typeface="Arial"/>
+              <a:buNone/>
+            </a:pPr>
+            <a:r>
+              <a:rPr lang="es" sz="1050">
+                <a:solidFill>
+                  <a:schemeClr val="dk1"/>
+                </a:solidFill>
+                <a:latin typeface="Courier New"/>
+                <a:ea typeface="Courier New"/>
+                <a:cs typeface="Courier New"/>
+                <a:sym typeface="Courier New"/>
+              </a:rPr>
+              <a:t>     home: BlocProvider(</a:t>
+            </a:r>
+            <a:endParaRPr sz="1050">
+              <a:solidFill>
+                <a:schemeClr val="dk1"/>
+              </a:solidFill>
+              <a:latin typeface="Courier New"/>
+              <a:ea typeface="Courier New"/>
+              <a:cs typeface="Courier New"/>
+              <a:sym typeface="Courier New"/>
+            </a:endParaRPr>
+          </a:p>
+          <a:p>
+            <a:pPr indent="0" lvl="0" marL="0" rtl="0" algn="l">
+              <a:lnSpc>
+                <a:spcPct val="135714"/>
+              </a:lnSpc>
+              <a:spcBef>
+                <a:spcPts val="0"/>
+              </a:spcBef>
+              <a:spcAft>
+                <a:spcPts val="0"/>
+              </a:spcAft>
+              <a:buClr>
+                <a:schemeClr val="dk1"/>
+              </a:buClr>
+              <a:buSzPts val="1100"/>
+              <a:buFont typeface="Arial"/>
+              <a:buNone/>
+            </a:pPr>
+            <a:r>
+              <a:rPr lang="es" sz="1050">
+                <a:solidFill>
+                  <a:schemeClr val="dk1"/>
+                </a:solidFill>
+                <a:latin typeface="Courier New"/>
+                <a:ea typeface="Courier New"/>
+                <a:cs typeface="Courier New"/>
+                <a:sym typeface="Courier New"/>
+              </a:rPr>
+              <a:t>       create: (context) =&gt; ConvertionBloc(),</a:t>
+            </a:r>
+            <a:endParaRPr sz="1050">
+              <a:solidFill>
+                <a:schemeClr val="dk1"/>
+              </a:solidFill>
+              <a:latin typeface="Courier New"/>
+              <a:ea typeface="Courier New"/>
+              <a:cs typeface="Courier New"/>
+              <a:sym typeface="Courier New"/>
+            </a:endParaRPr>
+          </a:p>
+          <a:p>
+            <a:pPr indent="0" lvl="0" marL="0" rtl="0" algn="l">
+              <a:lnSpc>
+                <a:spcPct val="135714"/>
+              </a:lnSpc>
+              <a:spcBef>
+                <a:spcPts val="0"/>
+              </a:spcBef>
+              <a:spcAft>
+                <a:spcPts val="0"/>
+              </a:spcAft>
+              <a:buClr>
+                <a:schemeClr val="dk1"/>
+              </a:buClr>
+              <a:buSzPts val="1100"/>
+              <a:buFont typeface="Arial"/>
+              <a:buNone/>
+            </a:pPr>
+            <a:r>
+              <a:rPr lang="es" sz="1050">
+                <a:solidFill>
+                  <a:schemeClr val="dk1"/>
+                </a:solidFill>
+                <a:latin typeface="Courier New"/>
+                <a:ea typeface="Courier New"/>
+                <a:cs typeface="Courier New"/>
+                <a:sym typeface="Courier New"/>
+              </a:rPr>
+              <a:t>       child: Scaffold(</a:t>
+            </a:r>
+            <a:endParaRPr sz="1050">
+              <a:solidFill>
+                <a:schemeClr val="dk1"/>
+              </a:solidFill>
+              <a:latin typeface="Courier New"/>
+              <a:ea typeface="Courier New"/>
+              <a:cs typeface="Courier New"/>
+              <a:sym typeface="Courier New"/>
+            </a:endParaRPr>
+          </a:p>
+          <a:p>
+            <a:pPr indent="0" lvl="0" marL="0" rtl="0" algn="l">
+              <a:lnSpc>
+                <a:spcPct val="135714"/>
+              </a:lnSpc>
+              <a:spcBef>
+                <a:spcPts val="0"/>
+              </a:spcBef>
+              <a:spcAft>
+                <a:spcPts val="0"/>
+              </a:spcAft>
+              <a:buClr>
+                <a:schemeClr val="dk1"/>
+              </a:buClr>
+              <a:buSzPts val="1100"/>
+              <a:buFont typeface="Arial"/>
+              <a:buNone/>
+            </a:pPr>
+            <a:r>
+              <a:rPr lang="es" sz="1050">
+                <a:solidFill>
+                  <a:schemeClr val="dk1"/>
+                </a:solidFill>
+                <a:latin typeface="Courier New"/>
+                <a:ea typeface="Courier New"/>
+                <a:cs typeface="Courier New"/>
+                <a:sym typeface="Courier New"/>
+              </a:rPr>
+              <a:t>         appBar: AppBar(</a:t>
+            </a:r>
+            <a:endParaRPr sz="1050">
+              <a:solidFill>
+                <a:schemeClr val="dk1"/>
+              </a:solidFill>
+              <a:latin typeface="Courier New"/>
+              <a:ea typeface="Courier New"/>
+              <a:cs typeface="Courier New"/>
+              <a:sym typeface="Courier New"/>
+            </a:endParaRPr>
+          </a:p>
+          <a:p>
+            <a:pPr indent="0" lvl="0" marL="0" rtl="0" algn="l">
+              <a:lnSpc>
+                <a:spcPct val="135714"/>
+              </a:lnSpc>
+              <a:spcBef>
+                <a:spcPts val="0"/>
+              </a:spcBef>
+              <a:spcAft>
+                <a:spcPts val="0"/>
+              </a:spcAft>
+              <a:buClr>
+                <a:schemeClr val="dk1"/>
+              </a:buClr>
+              <a:buSzPts val="1100"/>
+              <a:buFont typeface="Arial"/>
+              <a:buNone/>
+            </a:pPr>
+            <a:r>
+              <a:rPr lang="es" sz="1050">
+                <a:solidFill>
+                  <a:schemeClr val="dk1"/>
+                </a:solidFill>
+                <a:latin typeface="Courier New"/>
+                <a:ea typeface="Courier New"/>
+                <a:cs typeface="Courier New"/>
+                <a:sym typeface="Courier New"/>
+              </a:rPr>
+              <a:t>           title: Text("MisiónTIC 2022 - Flutter Bloc"),</a:t>
+            </a:r>
+            <a:endParaRPr sz="1050">
+              <a:solidFill>
+                <a:schemeClr val="dk1"/>
+              </a:solidFill>
+              <a:latin typeface="Courier New"/>
+              <a:ea typeface="Courier New"/>
+              <a:cs typeface="Courier New"/>
+              <a:sym typeface="Courier New"/>
+            </a:endParaRPr>
+          </a:p>
+          <a:p>
+            <a:pPr indent="0" lvl="0" marL="0" rtl="0" algn="l">
+              <a:lnSpc>
+                <a:spcPct val="135714"/>
+              </a:lnSpc>
+              <a:spcBef>
+                <a:spcPts val="0"/>
+              </a:spcBef>
+              <a:spcAft>
+                <a:spcPts val="0"/>
+              </a:spcAft>
+              <a:buClr>
+                <a:schemeClr val="dk1"/>
+              </a:buClr>
+              <a:buSzPts val="1100"/>
+              <a:buFont typeface="Arial"/>
+              <a:buNone/>
+            </a:pPr>
+            <a:r>
+              <a:rPr lang="es" sz="1050">
+                <a:solidFill>
+                  <a:schemeClr val="dk1"/>
+                </a:solidFill>
+                <a:latin typeface="Courier New"/>
+                <a:ea typeface="Courier New"/>
+                <a:cs typeface="Courier New"/>
+                <a:sym typeface="Courier New"/>
+              </a:rPr>
+              <a:t>         ),</a:t>
+            </a:r>
+            <a:endParaRPr sz="1050">
+              <a:solidFill>
+                <a:schemeClr val="dk1"/>
+              </a:solidFill>
+              <a:latin typeface="Courier New"/>
+              <a:ea typeface="Courier New"/>
+              <a:cs typeface="Courier New"/>
+              <a:sym typeface="Courier New"/>
+            </a:endParaRPr>
+          </a:p>
+          <a:p>
+            <a:pPr indent="0" lvl="0" marL="0" rtl="0" algn="l">
+              <a:lnSpc>
+                <a:spcPct val="135714"/>
+              </a:lnSpc>
+              <a:spcBef>
+                <a:spcPts val="0"/>
+              </a:spcBef>
+              <a:spcAft>
+                <a:spcPts val="0"/>
+              </a:spcAft>
+              <a:buClr>
+                <a:schemeClr val="dk1"/>
+              </a:buClr>
+              <a:buSzPts val="1100"/>
+              <a:buFont typeface="Arial"/>
+              <a:buNone/>
+            </a:pPr>
+            <a:r>
+              <a:rPr lang="es" sz="1050">
+                <a:solidFill>
+                  <a:schemeClr val="dk1"/>
+                </a:solidFill>
+                <a:latin typeface="Courier New"/>
+                <a:ea typeface="Courier New"/>
+                <a:cs typeface="Courier New"/>
+                <a:sym typeface="Courier New"/>
+              </a:rPr>
+              <a:t>         body: Center(</a:t>
+            </a:r>
+            <a:endParaRPr sz="1050">
+              <a:solidFill>
+                <a:schemeClr val="dk1"/>
+              </a:solidFill>
+              <a:latin typeface="Courier New"/>
+              <a:ea typeface="Courier New"/>
+              <a:cs typeface="Courier New"/>
+              <a:sym typeface="Courier New"/>
+            </a:endParaRPr>
+          </a:p>
+          <a:p>
+            <a:pPr indent="0" lvl="0" marL="0" rtl="0" algn="l">
+              <a:lnSpc>
+                <a:spcPct val="135714"/>
+              </a:lnSpc>
+              <a:spcBef>
+                <a:spcPts val="0"/>
+              </a:spcBef>
+              <a:spcAft>
+                <a:spcPts val="0"/>
+              </a:spcAft>
+              <a:buClr>
+                <a:schemeClr val="dk1"/>
+              </a:buClr>
+              <a:buSzPts val="1100"/>
+              <a:buFont typeface="Arial"/>
+              <a:buNone/>
+            </a:pPr>
+            <a:r>
+              <a:rPr lang="es" sz="1050">
+                <a:solidFill>
+                  <a:schemeClr val="dk1"/>
+                </a:solidFill>
+                <a:latin typeface="Courier New"/>
+                <a:ea typeface="Courier New"/>
+                <a:cs typeface="Courier New"/>
+                <a:sym typeface="Courier New"/>
+              </a:rPr>
+              <a:t>           child: Converter(),</a:t>
+            </a:r>
+            <a:endParaRPr sz="1050">
+              <a:solidFill>
+                <a:schemeClr val="dk1"/>
+              </a:solidFill>
+              <a:latin typeface="Courier New"/>
+              <a:ea typeface="Courier New"/>
+              <a:cs typeface="Courier New"/>
+              <a:sym typeface="Courier New"/>
+            </a:endParaRPr>
+          </a:p>
+          <a:p>
+            <a:pPr indent="0" lvl="0" marL="0" rtl="0" algn="l">
+              <a:lnSpc>
+                <a:spcPct val="135714"/>
+              </a:lnSpc>
+              <a:spcBef>
+                <a:spcPts val="0"/>
+              </a:spcBef>
+              <a:spcAft>
+                <a:spcPts val="0"/>
+              </a:spcAft>
+              <a:buClr>
+                <a:schemeClr val="dk1"/>
+              </a:buClr>
+              <a:buSzPts val="1100"/>
+              <a:buFont typeface="Arial"/>
+              <a:buNone/>
+            </a:pPr>
+            <a:r>
+              <a:rPr lang="es" sz="1050">
+                <a:solidFill>
+                  <a:schemeClr val="dk1"/>
+                </a:solidFill>
+                <a:latin typeface="Courier New"/>
+                <a:ea typeface="Courier New"/>
+                <a:cs typeface="Courier New"/>
+                <a:sym typeface="Courier New"/>
+              </a:rPr>
+              <a:t>         ),</a:t>
+            </a:r>
+            <a:endParaRPr sz="1050">
+              <a:solidFill>
+                <a:schemeClr val="dk1"/>
+              </a:solidFill>
+              <a:latin typeface="Courier New"/>
+              <a:ea typeface="Courier New"/>
+              <a:cs typeface="Courier New"/>
+              <a:sym typeface="Courier New"/>
+            </a:endParaRPr>
+          </a:p>
+          <a:p>
+            <a:pPr indent="0" lvl="0" marL="0" rtl="0" algn="l">
+              <a:lnSpc>
+                <a:spcPct val="135714"/>
+              </a:lnSpc>
+              <a:spcBef>
+                <a:spcPts val="0"/>
+              </a:spcBef>
+              <a:spcAft>
+                <a:spcPts val="0"/>
+              </a:spcAft>
+              <a:buClr>
+                <a:schemeClr val="dk1"/>
+              </a:buClr>
+              <a:buSzPts val="1100"/>
+              <a:buFont typeface="Arial"/>
+              <a:buNone/>
+            </a:pPr>
+            <a:r>
+              <a:rPr lang="es" sz="1050">
+                <a:solidFill>
+                  <a:schemeClr val="dk1"/>
+                </a:solidFill>
+                <a:latin typeface="Courier New"/>
+                <a:ea typeface="Courier New"/>
+                <a:cs typeface="Courier New"/>
+                <a:sym typeface="Courier New"/>
+              </a:rPr>
+              <a:t>       )</a:t>
+            </a:r>
+            <a:endParaRPr sz="1050">
+              <a:solidFill>
+                <a:schemeClr val="dk1"/>
+              </a:solidFill>
+              <a:latin typeface="Courier New"/>
+              <a:ea typeface="Courier New"/>
+              <a:cs typeface="Courier New"/>
+              <a:sym typeface="Courier New"/>
+            </a:endParaRPr>
+          </a:p>
+          <a:p>
+            <a:pPr indent="0" lvl="0" marL="0" rtl="0" algn="l">
+              <a:lnSpc>
+                <a:spcPct val="135714"/>
+              </a:lnSpc>
+              <a:spcBef>
+                <a:spcPts val="0"/>
+              </a:spcBef>
+              <a:spcAft>
+                <a:spcPts val="0"/>
+              </a:spcAft>
+              <a:buClr>
+                <a:schemeClr val="dk1"/>
+              </a:buClr>
+              <a:buSzPts val="1100"/>
+              <a:buFont typeface="Arial"/>
+              <a:buNone/>
+            </a:pPr>
+            <a:r>
+              <a:rPr lang="es" sz="1050">
+                <a:solidFill>
+                  <a:schemeClr val="dk1"/>
+                </a:solidFill>
+                <a:latin typeface="Courier New"/>
+                <a:ea typeface="Courier New"/>
+                <a:cs typeface="Courier New"/>
+                <a:sym typeface="Courier New"/>
+              </a:rPr>
+              <a:t>     )</a:t>
+            </a:r>
+            <a:endParaRPr sz="1050">
+              <a:solidFill>
+                <a:schemeClr val="dk1"/>
+              </a:solidFill>
+              <a:latin typeface="Courier New"/>
+              <a:ea typeface="Courier New"/>
+              <a:cs typeface="Courier New"/>
+              <a:sym typeface="Courier New"/>
+            </a:endParaRPr>
+          </a:p>
+          <a:p>
+            <a:pPr indent="0" lvl="0" marL="0" rtl="0" algn="l">
+              <a:lnSpc>
+                <a:spcPct val="135714"/>
+              </a:lnSpc>
+              <a:spcBef>
+                <a:spcPts val="0"/>
+              </a:spcBef>
+              <a:spcAft>
+                <a:spcPts val="0"/>
+              </a:spcAft>
+              <a:buClr>
+                <a:schemeClr val="dk1"/>
+              </a:buClr>
+              <a:buSzPts val="1100"/>
+              <a:buFont typeface="Arial"/>
+              <a:buNone/>
+            </a:pPr>
+            <a:r>
+              <a:rPr lang="es" sz="1050">
+                <a:solidFill>
+                  <a:schemeClr val="dk1"/>
+                </a:solidFill>
+                <a:latin typeface="Courier New"/>
+                <a:ea typeface="Courier New"/>
+                <a:cs typeface="Courier New"/>
+                <a:sym typeface="Courier New"/>
+              </a:rPr>
+              <a:t>   );</a:t>
+            </a:r>
+            <a:endParaRPr sz="1050">
+              <a:solidFill>
+                <a:schemeClr val="dk1"/>
+              </a:solidFill>
+              <a:latin typeface="Courier New"/>
+              <a:ea typeface="Courier New"/>
+              <a:cs typeface="Courier New"/>
+              <a:sym typeface="Courier New"/>
+            </a:endParaRPr>
+          </a:p>
+          <a:p>
+            <a:pPr indent="0" lvl="0" marL="0" rtl="0" algn="l">
+              <a:lnSpc>
+                <a:spcPct val="135714"/>
+              </a:lnSpc>
+              <a:spcBef>
+                <a:spcPts val="0"/>
+              </a:spcBef>
+              <a:spcAft>
+                <a:spcPts val="0"/>
+              </a:spcAft>
+              <a:buClr>
+                <a:schemeClr val="dk1"/>
+              </a:buClr>
+              <a:buSzPts val="1100"/>
+              <a:buFont typeface="Arial"/>
+              <a:buNone/>
+            </a:pPr>
+            <a:r>
+              <a:rPr lang="es" sz="1050">
+                <a:solidFill>
+                  <a:schemeClr val="dk1"/>
+                </a:solidFill>
+                <a:latin typeface="Courier New"/>
+                <a:ea typeface="Courier New"/>
+                <a:cs typeface="Courier New"/>
+                <a:sym typeface="Courier New"/>
+              </a:rPr>
+              <a:t> }</a:t>
+            </a:r>
+            <a:endParaRPr sz="1050">
+              <a:solidFill>
+                <a:schemeClr val="dk1"/>
+              </a:solidFill>
+              <a:latin typeface="Courier New"/>
+              <a:ea typeface="Courier New"/>
+              <a:cs typeface="Courier New"/>
+              <a:sym typeface="Courier New"/>
+            </a:endParaRPr>
+          </a:p>
+          <a:p>
+            <a:pPr indent="0" lvl="0" marL="0" rtl="0" algn="l">
+              <a:lnSpc>
+                <a:spcPct val="135714"/>
+              </a:lnSpc>
+              <a:spcBef>
+                <a:spcPts val="0"/>
+              </a:spcBef>
+              <a:spcAft>
+                <a:spcPts val="0"/>
+              </a:spcAft>
+              <a:buClr>
+                <a:schemeClr val="dk1"/>
+              </a:buClr>
+              <a:buSzPts val="1100"/>
+              <a:buFont typeface="Arial"/>
+              <a:buNone/>
+            </a:pPr>
+            <a:r>
+              <a:rPr lang="es" sz="1050">
+                <a:solidFill>
+                  <a:schemeClr val="dk1"/>
+                </a:solidFill>
+                <a:latin typeface="Courier New"/>
+                <a:ea typeface="Courier New"/>
+                <a:cs typeface="Courier New"/>
+                <a:sym typeface="Courier New"/>
+              </a:rPr>
+              <a:t>}</a:t>
+            </a:r>
+            <a:endParaRPr sz="1050">
+              <a:solidFill>
+                <a:schemeClr val="dk1"/>
+              </a:solidFill>
+              <a:latin typeface="Courier New"/>
+              <a:ea typeface="Courier New"/>
+              <a:cs typeface="Courier New"/>
+              <a:sym typeface="Courier New"/>
+            </a:endParaRPr>
+          </a:p>
+          <a:p>
+            <a:pPr indent="0" lvl="0" marL="0" rtl="0" algn="l">
+              <a:lnSpc>
+                <a:spcPct val="100000"/>
+              </a:lnSpc>
+              <a:spcBef>
+                <a:spcPts val="0"/>
+              </a:spcBef>
+              <a:spcAft>
+                <a:spcPts val="0"/>
+              </a:spcAft>
+              <a:buSzPts val="1100"/>
+              <a:buNone/>
+            </a:pPr>
+            <a:r>
+              <a:t/>
+            </a:r>
+            <a:endParaRPr>
+              <a:solidFill>
+                <a:schemeClr val="dk1"/>
+              </a:solidFill>
+            </a:endParaRPr>
           </a:p>
         </p:txBody>
       </p:sp>
@@ -1260,21 +2392,1719 @@
           <a:p>
             <a:pPr indent="0" lvl="0" marL="0" rtl="0" algn="l">
               <a:lnSpc>
-                <a:spcPct val="100000"/>
-              </a:lnSpc>
-              <a:spcBef>
-                <a:spcPts val="0"/>
-              </a:spcBef>
-              <a:spcAft>
-                <a:spcPts val="0"/>
-              </a:spcAft>
+                <a:spcPct val="135714"/>
+              </a:lnSpc>
+              <a:spcBef>
+                <a:spcPts val="0"/>
+              </a:spcBef>
+              <a:spcAft>
+                <a:spcPts val="0"/>
+              </a:spcAft>
+              <a:buClr>
+                <a:schemeClr val="dk1"/>
+              </a:buClr>
               <a:buSzPts val="1100"/>
+              <a:buFont typeface="Arial"/>
+              <a:buNone/>
+            </a:pPr>
+            <a:r>
+              <a:rPr lang="es" sz="1050">
+                <a:solidFill>
+                  <a:schemeClr val="dk1"/>
+                </a:solidFill>
+                <a:latin typeface="Courier New"/>
+                <a:ea typeface="Courier New"/>
+                <a:cs typeface="Courier New"/>
+                <a:sym typeface="Courier New"/>
+              </a:rPr>
+              <a:t>import 'package:calculadorabinariodecimalbloc/domain/use_case/converter.dart';</a:t>
+            </a:r>
+            <a:endParaRPr sz="1050">
+              <a:solidFill>
+                <a:schemeClr val="dk1"/>
+              </a:solidFill>
+              <a:latin typeface="Courier New"/>
+              <a:ea typeface="Courier New"/>
+              <a:cs typeface="Courier New"/>
+              <a:sym typeface="Courier New"/>
+            </a:endParaRPr>
+          </a:p>
+          <a:p>
+            <a:pPr indent="0" lvl="0" marL="0" rtl="0" algn="l">
+              <a:lnSpc>
+                <a:spcPct val="135714"/>
+              </a:lnSpc>
+              <a:spcBef>
+                <a:spcPts val="0"/>
+              </a:spcBef>
+              <a:spcAft>
+                <a:spcPts val="0"/>
+              </a:spcAft>
+              <a:buClr>
+                <a:schemeClr val="dk1"/>
+              </a:buClr>
+              <a:buSzPts val="1100"/>
+              <a:buFont typeface="Arial"/>
+              <a:buNone/>
+            </a:pPr>
+            <a:r>
+              <a:rPr lang="es" sz="1050">
+                <a:solidFill>
+                  <a:schemeClr val="dk1"/>
+                </a:solidFill>
+                <a:latin typeface="Courier New"/>
+                <a:ea typeface="Courier New"/>
+                <a:cs typeface="Courier New"/>
+                <a:sym typeface="Courier New"/>
+              </a:rPr>
+              <a:t>import 'package:flutter_block/flutter_bloc.dart';</a:t>
+            </a:r>
+            <a:endParaRPr sz="1050">
+              <a:solidFill>
+                <a:schemeClr val="dk1"/>
+              </a:solidFill>
+              <a:latin typeface="Courier New"/>
+              <a:ea typeface="Courier New"/>
+              <a:cs typeface="Courier New"/>
+              <a:sym typeface="Courier New"/>
+            </a:endParaRPr>
+          </a:p>
+          <a:p>
+            <a:pPr indent="0" lvl="0" marL="0" rtl="0" algn="l">
+              <a:lnSpc>
+                <a:spcPct val="135714"/>
+              </a:lnSpc>
+              <a:spcBef>
+                <a:spcPts val="0"/>
+              </a:spcBef>
+              <a:spcAft>
+                <a:spcPts val="0"/>
+              </a:spcAft>
+              <a:buClr>
+                <a:schemeClr val="dk1"/>
+              </a:buClr>
+              <a:buSzPts val="1100"/>
+              <a:buFont typeface="Arial"/>
+              <a:buNone/>
+            </a:pPr>
+            <a:r>
+              <a:rPr lang="es" sz="1050">
+                <a:solidFill>
+                  <a:schemeClr val="dk1"/>
+                </a:solidFill>
+                <a:latin typeface="Courier New"/>
+                <a:ea typeface="Courier New"/>
+                <a:cs typeface="Courier New"/>
+                <a:sym typeface="Courier New"/>
+              </a:rPr>
+              <a:t>import 'bloc_events.dart';</a:t>
+            </a:r>
+            <a:endParaRPr sz="1050">
+              <a:solidFill>
+                <a:schemeClr val="dk1"/>
+              </a:solidFill>
+              <a:latin typeface="Courier New"/>
+              <a:ea typeface="Courier New"/>
+              <a:cs typeface="Courier New"/>
+              <a:sym typeface="Courier New"/>
+            </a:endParaRPr>
+          </a:p>
+          <a:p>
+            <a:pPr indent="0" lvl="0" marL="0" rtl="0" algn="l">
+              <a:lnSpc>
+                <a:spcPct val="135714"/>
+              </a:lnSpc>
+              <a:spcBef>
+                <a:spcPts val="0"/>
+              </a:spcBef>
+              <a:spcAft>
+                <a:spcPts val="0"/>
+              </a:spcAft>
+              <a:buClr>
+                <a:schemeClr val="dk1"/>
+              </a:buClr>
+              <a:buSzPts val="1100"/>
+              <a:buFont typeface="Arial"/>
+              <a:buNone/>
+            </a:pPr>
+            <a:r>
+              <a:rPr lang="es" sz="1050">
+                <a:solidFill>
+                  <a:schemeClr val="dk1"/>
+                </a:solidFill>
+                <a:latin typeface="Courier New"/>
+                <a:ea typeface="Courier New"/>
+                <a:cs typeface="Courier New"/>
+                <a:sym typeface="Courier New"/>
+              </a:rPr>
+              <a:t>import 'bloc_state.dart';</a:t>
+            </a:r>
+            <a:endParaRPr sz="1050">
+              <a:solidFill>
+                <a:schemeClr val="dk1"/>
+              </a:solidFill>
+              <a:latin typeface="Courier New"/>
+              <a:ea typeface="Courier New"/>
+              <a:cs typeface="Courier New"/>
+              <a:sym typeface="Courier New"/>
+            </a:endParaRPr>
+          </a:p>
+          <a:p>
+            <a:pPr indent="0" lvl="0" marL="0" rtl="0" algn="l">
+              <a:lnSpc>
+                <a:spcPct val="135714"/>
+              </a:lnSpc>
+              <a:spcBef>
+                <a:spcPts val="0"/>
+              </a:spcBef>
+              <a:spcAft>
+                <a:spcPts val="0"/>
+              </a:spcAft>
+              <a:buClr>
+                <a:schemeClr val="dk1"/>
+              </a:buClr>
+              <a:buSzPts val="1100"/>
+              <a:buFont typeface="Arial"/>
               <a:buNone/>
             </a:pPr>
             <a:r>
               <a:t/>
             </a:r>
-            <a:endParaRPr/>
+            <a:endParaRPr sz="1050">
+              <a:solidFill>
+                <a:schemeClr val="dk1"/>
+              </a:solidFill>
+              <a:latin typeface="Courier New"/>
+              <a:ea typeface="Courier New"/>
+              <a:cs typeface="Courier New"/>
+              <a:sym typeface="Courier New"/>
+            </a:endParaRPr>
+          </a:p>
+          <a:p>
+            <a:pPr indent="0" lvl="0" marL="0" rtl="0" algn="l">
+              <a:lnSpc>
+                <a:spcPct val="135714"/>
+              </a:lnSpc>
+              <a:spcBef>
+                <a:spcPts val="0"/>
+              </a:spcBef>
+              <a:spcAft>
+                <a:spcPts val="0"/>
+              </a:spcAft>
+              <a:buClr>
+                <a:schemeClr val="dk1"/>
+              </a:buClr>
+              <a:buSzPts val="1100"/>
+              <a:buFont typeface="Arial"/>
+              <a:buNone/>
+            </a:pPr>
+            <a:r>
+              <a:rPr lang="es" sz="1050">
+                <a:solidFill>
+                  <a:schemeClr val="dk1"/>
+                </a:solidFill>
+                <a:latin typeface="Courier New"/>
+                <a:ea typeface="Courier New"/>
+                <a:cs typeface="Courier New"/>
+                <a:sym typeface="Courier New"/>
+              </a:rPr>
+              <a:t>class ConvertionBloc extends Bloc&lt;ConvertionEvent, AbstractConverterState&gt; {</a:t>
+            </a:r>
+            <a:endParaRPr sz="1050">
+              <a:solidFill>
+                <a:schemeClr val="dk1"/>
+              </a:solidFill>
+              <a:latin typeface="Courier New"/>
+              <a:ea typeface="Courier New"/>
+              <a:cs typeface="Courier New"/>
+              <a:sym typeface="Courier New"/>
+            </a:endParaRPr>
+          </a:p>
+          <a:p>
+            <a:pPr indent="0" lvl="0" marL="0" rtl="0" algn="l">
+              <a:lnSpc>
+                <a:spcPct val="135714"/>
+              </a:lnSpc>
+              <a:spcBef>
+                <a:spcPts val="0"/>
+              </a:spcBef>
+              <a:spcAft>
+                <a:spcPts val="0"/>
+              </a:spcAft>
+              <a:buClr>
+                <a:schemeClr val="dk1"/>
+              </a:buClr>
+              <a:buSzPts val="1100"/>
+              <a:buFont typeface="Arial"/>
+              <a:buNone/>
+            </a:pPr>
+            <a:r>
+              <a:rPr lang="es" sz="1050">
+                <a:solidFill>
+                  <a:schemeClr val="dk1"/>
+                </a:solidFill>
+                <a:latin typeface="Courier New"/>
+                <a:ea typeface="Courier New"/>
+                <a:cs typeface="Courier New"/>
+                <a:sym typeface="Courier New"/>
+              </a:rPr>
+              <a:t> String _decimal = "0", _binary = "0";</a:t>
+            </a:r>
+            <a:endParaRPr sz="1050">
+              <a:solidFill>
+                <a:schemeClr val="dk1"/>
+              </a:solidFill>
+              <a:latin typeface="Courier New"/>
+              <a:ea typeface="Courier New"/>
+              <a:cs typeface="Courier New"/>
+              <a:sym typeface="Courier New"/>
+            </a:endParaRPr>
+          </a:p>
+          <a:p>
+            <a:pPr indent="0" lvl="0" marL="0" rtl="0" algn="l">
+              <a:lnSpc>
+                <a:spcPct val="135714"/>
+              </a:lnSpc>
+              <a:spcBef>
+                <a:spcPts val="0"/>
+              </a:spcBef>
+              <a:spcAft>
+                <a:spcPts val="0"/>
+              </a:spcAft>
+              <a:buClr>
+                <a:schemeClr val="dk1"/>
+              </a:buClr>
+              <a:buSzPts val="1100"/>
+              <a:buFont typeface="Arial"/>
+              <a:buNone/>
+            </a:pPr>
+            <a:r>
+              <a:t/>
+            </a:r>
+            <a:endParaRPr sz="1050">
+              <a:solidFill>
+                <a:schemeClr val="dk1"/>
+              </a:solidFill>
+              <a:latin typeface="Courier New"/>
+              <a:ea typeface="Courier New"/>
+              <a:cs typeface="Courier New"/>
+              <a:sym typeface="Courier New"/>
+            </a:endParaRPr>
+          </a:p>
+          <a:p>
+            <a:pPr indent="0" lvl="0" marL="0" rtl="0" algn="l">
+              <a:lnSpc>
+                <a:spcPct val="135714"/>
+              </a:lnSpc>
+              <a:spcBef>
+                <a:spcPts val="0"/>
+              </a:spcBef>
+              <a:spcAft>
+                <a:spcPts val="0"/>
+              </a:spcAft>
+              <a:buClr>
+                <a:schemeClr val="dk1"/>
+              </a:buClr>
+              <a:buSzPts val="1100"/>
+              <a:buFont typeface="Arial"/>
+              <a:buNone/>
+            </a:pPr>
+            <a:r>
+              <a:rPr lang="es" sz="1050">
+                <a:solidFill>
+                  <a:schemeClr val="dk1"/>
+                </a:solidFill>
+                <a:latin typeface="Courier New"/>
+                <a:ea typeface="Courier New"/>
+                <a:cs typeface="Courier New"/>
+                <a:sym typeface="Courier New"/>
+              </a:rPr>
+              <a:t> ConvertionBloc() : super(ConvertionState("0", "0"));</a:t>
+            </a:r>
+            <a:endParaRPr sz="1050">
+              <a:solidFill>
+                <a:schemeClr val="dk1"/>
+              </a:solidFill>
+              <a:latin typeface="Courier New"/>
+              <a:ea typeface="Courier New"/>
+              <a:cs typeface="Courier New"/>
+              <a:sym typeface="Courier New"/>
+            </a:endParaRPr>
+          </a:p>
+          <a:p>
+            <a:pPr indent="0" lvl="0" marL="0" rtl="0" algn="l">
+              <a:lnSpc>
+                <a:spcPct val="135714"/>
+              </a:lnSpc>
+              <a:spcBef>
+                <a:spcPts val="0"/>
+              </a:spcBef>
+              <a:spcAft>
+                <a:spcPts val="0"/>
+              </a:spcAft>
+              <a:buClr>
+                <a:schemeClr val="dk1"/>
+              </a:buClr>
+              <a:buSzPts val="1100"/>
+              <a:buFont typeface="Arial"/>
+              <a:buNone/>
+            </a:pPr>
+            <a:r>
+              <a:t/>
+            </a:r>
+            <a:endParaRPr sz="1050">
+              <a:solidFill>
+                <a:schemeClr val="dk1"/>
+              </a:solidFill>
+              <a:latin typeface="Courier New"/>
+              <a:ea typeface="Courier New"/>
+              <a:cs typeface="Courier New"/>
+              <a:sym typeface="Courier New"/>
+            </a:endParaRPr>
+          </a:p>
+          <a:p>
+            <a:pPr indent="0" lvl="0" marL="0" rtl="0" algn="l">
+              <a:lnSpc>
+                <a:spcPct val="135714"/>
+              </a:lnSpc>
+              <a:spcBef>
+                <a:spcPts val="0"/>
+              </a:spcBef>
+              <a:spcAft>
+                <a:spcPts val="0"/>
+              </a:spcAft>
+              <a:buClr>
+                <a:schemeClr val="dk1"/>
+              </a:buClr>
+              <a:buSzPts val="1100"/>
+              <a:buFont typeface="Arial"/>
+              <a:buNone/>
+            </a:pPr>
+            <a:r>
+              <a:rPr lang="es" sz="1050">
+                <a:solidFill>
+                  <a:schemeClr val="dk1"/>
+                </a:solidFill>
+                <a:latin typeface="Courier New"/>
+                <a:ea typeface="Courier New"/>
+                <a:cs typeface="Courier New"/>
+                <a:sym typeface="Courier New"/>
+              </a:rPr>
+              <a:t> String get decimal =&gt; _decimal;</a:t>
+            </a:r>
+            <a:endParaRPr sz="1050">
+              <a:solidFill>
+                <a:schemeClr val="dk1"/>
+              </a:solidFill>
+              <a:latin typeface="Courier New"/>
+              <a:ea typeface="Courier New"/>
+              <a:cs typeface="Courier New"/>
+              <a:sym typeface="Courier New"/>
+            </a:endParaRPr>
+          </a:p>
+          <a:p>
+            <a:pPr indent="0" lvl="0" marL="0" rtl="0" algn="l">
+              <a:lnSpc>
+                <a:spcPct val="135714"/>
+              </a:lnSpc>
+              <a:spcBef>
+                <a:spcPts val="0"/>
+              </a:spcBef>
+              <a:spcAft>
+                <a:spcPts val="0"/>
+              </a:spcAft>
+              <a:buClr>
+                <a:schemeClr val="dk1"/>
+              </a:buClr>
+              <a:buSzPts val="1100"/>
+              <a:buFont typeface="Arial"/>
+              <a:buNone/>
+            </a:pPr>
+            <a:r>
+              <a:rPr lang="es" sz="1050">
+                <a:solidFill>
+                  <a:schemeClr val="dk1"/>
+                </a:solidFill>
+                <a:latin typeface="Courier New"/>
+                <a:ea typeface="Courier New"/>
+                <a:cs typeface="Courier New"/>
+                <a:sym typeface="Courier New"/>
+              </a:rPr>
+              <a:t> String get binary =&gt; _binary;</a:t>
+            </a:r>
+            <a:endParaRPr sz="1050">
+              <a:solidFill>
+                <a:schemeClr val="dk1"/>
+              </a:solidFill>
+              <a:latin typeface="Courier New"/>
+              <a:ea typeface="Courier New"/>
+              <a:cs typeface="Courier New"/>
+              <a:sym typeface="Courier New"/>
+            </a:endParaRPr>
+          </a:p>
+          <a:p>
+            <a:pPr indent="0" lvl="0" marL="0" rtl="0" algn="l">
+              <a:lnSpc>
+                <a:spcPct val="135714"/>
+              </a:lnSpc>
+              <a:spcBef>
+                <a:spcPts val="0"/>
+              </a:spcBef>
+              <a:spcAft>
+                <a:spcPts val="0"/>
+              </a:spcAft>
+              <a:buClr>
+                <a:schemeClr val="dk1"/>
+              </a:buClr>
+              <a:buSzPts val="1100"/>
+              <a:buFont typeface="Arial"/>
+              <a:buNone/>
+            </a:pPr>
+            <a:r>
+              <a:t/>
+            </a:r>
+            <a:endParaRPr sz="1050">
+              <a:solidFill>
+                <a:schemeClr val="dk1"/>
+              </a:solidFill>
+              <a:latin typeface="Courier New"/>
+              <a:ea typeface="Courier New"/>
+              <a:cs typeface="Courier New"/>
+              <a:sym typeface="Courier New"/>
+            </a:endParaRPr>
+          </a:p>
+          <a:p>
+            <a:pPr indent="0" lvl="0" marL="0" rtl="0" algn="l">
+              <a:lnSpc>
+                <a:spcPct val="135714"/>
+              </a:lnSpc>
+              <a:spcBef>
+                <a:spcPts val="0"/>
+              </a:spcBef>
+              <a:spcAft>
+                <a:spcPts val="0"/>
+              </a:spcAft>
+              <a:buClr>
+                <a:schemeClr val="dk1"/>
+              </a:buClr>
+              <a:buSzPts val="1100"/>
+              <a:buFont typeface="Arial"/>
+              <a:buNone/>
+            </a:pPr>
+            <a:r>
+              <a:rPr lang="es" sz="1050">
+                <a:solidFill>
+                  <a:schemeClr val="dk1"/>
+                </a:solidFill>
+                <a:latin typeface="Courier New"/>
+                <a:ea typeface="Courier New"/>
+                <a:cs typeface="Courier New"/>
+                <a:sym typeface="Courier New"/>
+              </a:rPr>
+              <a:t> @override</a:t>
+            </a:r>
+            <a:endParaRPr sz="1050">
+              <a:solidFill>
+                <a:schemeClr val="dk1"/>
+              </a:solidFill>
+              <a:latin typeface="Courier New"/>
+              <a:ea typeface="Courier New"/>
+              <a:cs typeface="Courier New"/>
+              <a:sym typeface="Courier New"/>
+            </a:endParaRPr>
+          </a:p>
+          <a:p>
+            <a:pPr indent="0" lvl="0" marL="0" rtl="0" algn="l">
+              <a:lnSpc>
+                <a:spcPct val="135714"/>
+              </a:lnSpc>
+              <a:spcBef>
+                <a:spcPts val="0"/>
+              </a:spcBef>
+              <a:spcAft>
+                <a:spcPts val="0"/>
+              </a:spcAft>
+              <a:buClr>
+                <a:schemeClr val="dk1"/>
+              </a:buClr>
+              <a:buSzPts val="1100"/>
+              <a:buFont typeface="Arial"/>
+              <a:buNone/>
+            </a:pPr>
+            <a:r>
+              <a:rPr lang="es" sz="1050">
+                <a:solidFill>
+                  <a:schemeClr val="dk1"/>
+                </a:solidFill>
+                <a:latin typeface="Courier New"/>
+                <a:ea typeface="Courier New"/>
+                <a:cs typeface="Courier New"/>
+                <a:sym typeface="Courier New"/>
+              </a:rPr>
+              <a:t> Stream&lt;AbstractConverterState&gt; mapEventToState(ConvertionEvent event) async* {</a:t>
+            </a:r>
+            <a:endParaRPr sz="1050">
+              <a:solidFill>
+                <a:schemeClr val="dk1"/>
+              </a:solidFill>
+              <a:latin typeface="Courier New"/>
+              <a:ea typeface="Courier New"/>
+              <a:cs typeface="Courier New"/>
+              <a:sym typeface="Courier New"/>
+            </a:endParaRPr>
+          </a:p>
+          <a:p>
+            <a:pPr indent="0" lvl="0" marL="0" rtl="0" algn="l">
+              <a:lnSpc>
+                <a:spcPct val="135714"/>
+              </a:lnSpc>
+              <a:spcBef>
+                <a:spcPts val="0"/>
+              </a:spcBef>
+              <a:spcAft>
+                <a:spcPts val="0"/>
+              </a:spcAft>
+              <a:buClr>
+                <a:schemeClr val="dk1"/>
+              </a:buClr>
+              <a:buSzPts val="1100"/>
+              <a:buFont typeface="Arial"/>
+              <a:buNone/>
+            </a:pPr>
+            <a:r>
+              <a:rPr lang="es" sz="1050">
+                <a:solidFill>
+                  <a:schemeClr val="dk1"/>
+                </a:solidFill>
+                <a:latin typeface="Courier New"/>
+                <a:ea typeface="Courier New"/>
+                <a:cs typeface="Courier New"/>
+                <a:sym typeface="Courier New"/>
+              </a:rPr>
+              <a:t>   if (event is UpdateDecimalEvent) {</a:t>
+            </a:r>
+            <a:endParaRPr sz="1050">
+              <a:solidFill>
+                <a:schemeClr val="dk1"/>
+              </a:solidFill>
+              <a:latin typeface="Courier New"/>
+              <a:ea typeface="Courier New"/>
+              <a:cs typeface="Courier New"/>
+              <a:sym typeface="Courier New"/>
+            </a:endParaRPr>
+          </a:p>
+          <a:p>
+            <a:pPr indent="0" lvl="0" marL="0" rtl="0" algn="l">
+              <a:lnSpc>
+                <a:spcPct val="135714"/>
+              </a:lnSpc>
+              <a:spcBef>
+                <a:spcPts val="0"/>
+              </a:spcBef>
+              <a:spcAft>
+                <a:spcPts val="0"/>
+              </a:spcAft>
+              <a:buClr>
+                <a:schemeClr val="dk1"/>
+              </a:buClr>
+              <a:buSzPts val="1100"/>
+              <a:buFont typeface="Arial"/>
+              <a:buNone/>
+            </a:pPr>
+            <a:r>
+              <a:rPr lang="es" sz="1050">
+                <a:solidFill>
+                  <a:schemeClr val="dk1"/>
+                </a:solidFill>
+                <a:latin typeface="Courier New"/>
+                <a:ea typeface="Courier New"/>
+                <a:cs typeface="Courier New"/>
+                <a:sym typeface="Courier New"/>
+              </a:rPr>
+              <a:t>     _decimal = Converter.adjustValue(_decimal, event.digit);</a:t>
+            </a:r>
+            <a:endParaRPr sz="1050">
+              <a:solidFill>
+                <a:schemeClr val="dk1"/>
+              </a:solidFill>
+              <a:latin typeface="Courier New"/>
+              <a:ea typeface="Courier New"/>
+              <a:cs typeface="Courier New"/>
+              <a:sym typeface="Courier New"/>
+            </a:endParaRPr>
+          </a:p>
+          <a:p>
+            <a:pPr indent="0" lvl="0" marL="0" rtl="0" algn="l">
+              <a:lnSpc>
+                <a:spcPct val="135714"/>
+              </a:lnSpc>
+              <a:spcBef>
+                <a:spcPts val="0"/>
+              </a:spcBef>
+              <a:spcAft>
+                <a:spcPts val="0"/>
+              </a:spcAft>
+              <a:buClr>
+                <a:schemeClr val="dk1"/>
+              </a:buClr>
+              <a:buSzPts val="1100"/>
+              <a:buFont typeface="Arial"/>
+              <a:buNone/>
+            </a:pPr>
+            <a:r>
+              <a:rPr lang="es" sz="1050">
+                <a:solidFill>
+                  <a:schemeClr val="dk1"/>
+                </a:solidFill>
+                <a:latin typeface="Courier New"/>
+                <a:ea typeface="Courier New"/>
+                <a:cs typeface="Courier New"/>
+                <a:sym typeface="Courier New"/>
+              </a:rPr>
+              <a:t>     _binary = Converter.dec2bin(_decimal);</a:t>
+            </a:r>
+            <a:endParaRPr sz="1050">
+              <a:solidFill>
+                <a:schemeClr val="dk1"/>
+              </a:solidFill>
+              <a:latin typeface="Courier New"/>
+              <a:ea typeface="Courier New"/>
+              <a:cs typeface="Courier New"/>
+              <a:sym typeface="Courier New"/>
+            </a:endParaRPr>
+          </a:p>
+          <a:p>
+            <a:pPr indent="0" lvl="0" marL="0" rtl="0" algn="l">
+              <a:lnSpc>
+                <a:spcPct val="135714"/>
+              </a:lnSpc>
+              <a:spcBef>
+                <a:spcPts val="0"/>
+              </a:spcBef>
+              <a:spcAft>
+                <a:spcPts val="0"/>
+              </a:spcAft>
+              <a:buClr>
+                <a:schemeClr val="dk1"/>
+              </a:buClr>
+              <a:buSzPts val="1100"/>
+              <a:buFont typeface="Arial"/>
+              <a:buNone/>
+            </a:pPr>
+            <a:r>
+              <a:t/>
+            </a:r>
+            <a:endParaRPr sz="1050">
+              <a:solidFill>
+                <a:schemeClr val="dk1"/>
+              </a:solidFill>
+              <a:latin typeface="Courier New"/>
+              <a:ea typeface="Courier New"/>
+              <a:cs typeface="Courier New"/>
+              <a:sym typeface="Courier New"/>
+            </a:endParaRPr>
+          </a:p>
+          <a:p>
+            <a:pPr indent="0" lvl="0" marL="0" rtl="0" algn="l">
+              <a:lnSpc>
+                <a:spcPct val="135714"/>
+              </a:lnSpc>
+              <a:spcBef>
+                <a:spcPts val="0"/>
+              </a:spcBef>
+              <a:spcAft>
+                <a:spcPts val="0"/>
+              </a:spcAft>
+              <a:buClr>
+                <a:schemeClr val="dk1"/>
+              </a:buClr>
+              <a:buSzPts val="1100"/>
+              <a:buFont typeface="Arial"/>
+              <a:buNone/>
+            </a:pPr>
+            <a:r>
+              <a:rPr lang="es" sz="1050">
+                <a:solidFill>
+                  <a:schemeClr val="dk1"/>
+                </a:solidFill>
+                <a:latin typeface="Courier New"/>
+                <a:ea typeface="Courier New"/>
+                <a:cs typeface="Courier New"/>
+                <a:sym typeface="Courier New"/>
+              </a:rPr>
+              <a:t>     yield ConverterState(</a:t>
+            </a:r>
+            <a:endParaRPr sz="1050">
+              <a:solidFill>
+                <a:schemeClr val="dk1"/>
+              </a:solidFill>
+              <a:latin typeface="Courier New"/>
+              <a:ea typeface="Courier New"/>
+              <a:cs typeface="Courier New"/>
+              <a:sym typeface="Courier New"/>
+            </a:endParaRPr>
+          </a:p>
+          <a:p>
+            <a:pPr indent="0" lvl="0" marL="0" rtl="0" algn="l">
+              <a:lnSpc>
+                <a:spcPct val="135714"/>
+              </a:lnSpc>
+              <a:spcBef>
+                <a:spcPts val="0"/>
+              </a:spcBef>
+              <a:spcAft>
+                <a:spcPts val="0"/>
+              </a:spcAft>
+              <a:buClr>
+                <a:schemeClr val="dk1"/>
+              </a:buClr>
+              <a:buSzPts val="1100"/>
+              <a:buFont typeface="Arial"/>
+              <a:buNone/>
+            </a:pPr>
+            <a:r>
+              <a:rPr lang="es" sz="1050">
+                <a:solidFill>
+                  <a:schemeClr val="dk1"/>
+                </a:solidFill>
+                <a:latin typeface="Courier New"/>
+                <a:ea typeface="Courier New"/>
+                <a:cs typeface="Courier New"/>
+                <a:sym typeface="Courier New"/>
+              </a:rPr>
+              <a:t>       _decimal,</a:t>
+            </a:r>
+            <a:endParaRPr sz="1050">
+              <a:solidFill>
+                <a:schemeClr val="dk1"/>
+              </a:solidFill>
+              <a:latin typeface="Courier New"/>
+              <a:ea typeface="Courier New"/>
+              <a:cs typeface="Courier New"/>
+              <a:sym typeface="Courier New"/>
+            </a:endParaRPr>
+          </a:p>
+          <a:p>
+            <a:pPr indent="0" lvl="0" marL="0" rtl="0" algn="l">
+              <a:lnSpc>
+                <a:spcPct val="135714"/>
+              </a:lnSpc>
+              <a:spcBef>
+                <a:spcPts val="0"/>
+              </a:spcBef>
+              <a:spcAft>
+                <a:spcPts val="0"/>
+              </a:spcAft>
+              <a:buClr>
+                <a:schemeClr val="dk1"/>
+              </a:buClr>
+              <a:buSzPts val="1100"/>
+              <a:buFont typeface="Arial"/>
+              <a:buNone/>
+            </a:pPr>
+            <a:r>
+              <a:rPr lang="es" sz="1050">
+                <a:solidFill>
+                  <a:schemeClr val="dk1"/>
+                </a:solidFill>
+                <a:latin typeface="Courier New"/>
+                <a:ea typeface="Courier New"/>
+                <a:cs typeface="Courier New"/>
+                <a:sym typeface="Courier New"/>
+              </a:rPr>
+              <a:t>       _binary,</a:t>
+            </a:r>
+            <a:endParaRPr sz="1050">
+              <a:solidFill>
+                <a:schemeClr val="dk1"/>
+              </a:solidFill>
+              <a:latin typeface="Courier New"/>
+              <a:ea typeface="Courier New"/>
+              <a:cs typeface="Courier New"/>
+              <a:sym typeface="Courier New"/>
+            </a:endParaRPr>
+          </a:p>
+          <a:p>
+            <a:pPr indent="0" lvl="0" marL="0" rtl="0" algn="l">
+              <a:lnSpc>
+                <a:spcPct val="135714"/>
+              </a:lnSpc>
+              <a:spcBef>
+                <a:spcPts val="0"/>
+              </a:spcBef>
+              <a:spcAft>
+                <a:spcPts val="0"/>
+              </a:spcAft>
+              <a:buClr>
+                <a:schemeClr val="dk1"/>
+              </a:buClr>
+              <a:buSzPts val="1100"/>
+              <a:buFont typeface="Arial"/>
+              <a:buNone/>
+            </a:pPr>
+            <a:r>
+              <a:rPr lang="es" sz="1050">
+                <a:solidFill>
+                  <a:schemeClr val="dk1"/>
+                </a:solidFill>
+                <a:latin typeface="Courier New"/>
+                <a:ea typeface="Courier New"/>
+                <a:cs typeface="Courier New"/>
+                <a:sym typeface="Courier New"/>
+              </a:rPr>
+              <a:t>     );</a:t>
+            </a:r>
+            <a:endParaRPr sz="1050">
+              <a:solidFill>
+                <a:schemeClr val="dk1"/>
+              </a:solidFill>
+              <a:latin typeface="Courier New"/>
+              <a:ea typeface="Courier New"/>
+              <a:cs typeface="Courier New"/>
+              <a:sym typeface="Courier New"/>
+            </a:endParaRPr>
+          </a:p>
+          <a:p>
+            <a:pPr indent="0" lvl="0" marL="0" rtl="0" algn="l">
+              <a:lnSpc>
+                <a:spcPct val="135714"/>
+              </a:lnSpc>
+              <a:spcBef>
+                <a:spcPts val="0"/>
+              </a:spcBef>
+              <a:spcAft>
+                <a:spcPts val="0"/>
+              </a:spcAft>
+              <a:buClr>
+                <a:schemeClr val="dk1"/>
+              </a:buClr>
+              <a:buSzPts val="1100"/>
+              <a:buFont typeface="Arial"/>
+              <a:buNone/>
+            </a:pPr>
+            <a:r>
+              <a:rPr lang="es" sz="1050">
+                <a:solidFill>
+                  <a:schemeClr val="dk1"/>
+                </a:solidFill>
+                <a:latin typeface="Courier New"/>
+                <a:ea typeface="Courier New"/>
+                <a:cs typeface="Courier New"/>
+                <a:sym typeface="Courier New"/>
+              </a:rPr>
+              <a:t>   }</a:t>
+            </a:r>
+            <a:endParaRPr sz="1050">
+              <a:solidFill>
+                <a:schemeClr val="dk1"/>
+              </a:solidFill>
+              <a:latin typeface="Courier New"/>
+              <a:ea typeface="Courier New"/>
+              <a:cs typeface="Courier New"/>
+              <a:sym typeface="Courier New"/>
+            </a:endParaRPr>
+          </a:p>
+          <a:p>
+            <a:pPr indent="0" lvl="0" marL="0" rtl="0" algn="l">
+              <a:lnSpc>
+                <a:spcPct val="100000"/>
+              </a:lnSpc>
+              <a:spcBef>
+                <a:spcPts val="0"/>
+              </a:spcBef>
+              <a:spcAft>
+                <a:spcPts val="0"/>
+              </a:spcAft>
+              <a:buSzPts val="1100"/>
+              <a:buNone/>
+            </a:pPr>
+            <a:r>
+              <a:t/>
+            </a:r>
+            <a:endParaRPr>
+              <a:solidFill>
+                <a:schemeClr val="dk1"/>
+              </a:solidFill>
+            </a:endParaRPr>
+          </a:p>
+          <a:p>
+            <a:pPr indent="0" lvl="0" marL="0" rtl="0" algn="l">
+              <a:lnSpc>
+                <a:spcPct val="100000"/>
+              </a:lnSpc>
+              <a:spcBef>
+                <a:spcPts val="0"/>
+              </a:spcBef>
+              <a:spcAft>
+                <a:spcPts val="0"/>
+              </a:spcAft>
+              <a:buSzPts val="1100"/>
+              <a:buNone/>
+            </a:pPr>
+            <a:r>
+              <a:t/>
+            </a:r>
+            <a:endParaRPr>
+              <a:solidFill>
+                <a:schemeClr val="dk1"/>
+              </a:solidFill>
+            </a:endParaRPr>
+          </a:p>
+          <a:p>
+            <a:pPr indent="0" lvl="0" marL="0" rtl="0" algn="l">
+              <a:lnSpc>
+                <a:spcPct val="135714"/>
+              </a:lnSpc>
+              <a:spcBef>
+                <a:spcPts val="0"/>
+              </a:spcBef>
+              <a:spcAft>
+                <a:spcPts val="0"/>
+              </a:spcAft>
+              <a:buClr>
+                <a:schemeClr val="dk1"/>
+              </a:buClr>
+              <a:buSzPts val="1100"/>
+              <a:buFont typeface="Arial"/>
+              <a:buNone/>
+            </a:pPr>
+            <a:r>
+              <a:rPr lang="es" sz="1050">
+                <a:solidFill>
+                  <a:schemeClr val="dk1"/>
+                </a:solidFill>
+                <a:latin typeface="Courier New"/>
+                <a:ea typeface="Courier New"/>
+                <a:cs typeface="Courier New"/>
+                <a:sym typeface="Courier New"/>
+              </a:rPr>
+              <a:t>if (event is UpdateBinaryEvent) {</a:t>
+            </a:r>
+            <a:endParaRPr sz="1050">
+              <a:solidFill>
+                <a:schemeClr val="dk1"/>
+              </a:solidFill>
+              <a:latin typeface="Courier New"/>
+              <a:ea typeface="Courier New"/>
+              <a:cs typeface="Courier New"/>
+              <a:sym typeface="Courier New"/>
+            </a:endParaRPr>
+          </a:p>
+          <a:p>
+            <a:pPr indent="0" lvl="0" marL="0" rtl="0" algn="l">
+              <a:lnSpc>
+                <a:spcPct val="135714"/>
+              </a:lnSpc>
+              <a:spcBef>
+                <a:spcPts val="0"/>
+              </a:spcBef>
+              <a:spcAft>
+                <a:spcPts val="0"/>
+              </a:spcAft>
+              <a:buClr>
+                <a:schemeClr val="dk1"/>
+              </a:buClr>
+              <a:buSzPts val="1100"/>
+              <a:buFont typeface="Arial"/>
+              <a:buNone/>
+            </a:pPr>
+            <a:r>
+              <a:rPr lang="es" sz="1050">
+                <a:solidFill>
+                  <a:schemeClr val="dk1"/>
+                </a:solidFill>
+                <a:latin typeface="Courier New"/>
+                <a:ea typeface="Courier New"/>
+                <a:cs typeface="Courier New"/>
+                <a:sym typeface="Courier New"/>
+              </a:rPr>
+              <a:t> _binary = Converter.adjustValue(_binary, event.digit);</a:t>
+            </a:r>
+            <a:endParaRPr sz="1050">
+              <a:solidFill>
+                <a:schemeClr val="dk1"/>
+              </a:solidFill>
+              <a:latin typeface="Courier New"/>
+              <a:ea typeface="Courier New"/>
+              <a:cs typeface="Courier New"/>
+              <a:sym typeface="Courier New"/>
+            </a:endParaRPr>
+          </a:p>
+          <a:p>
+            <a:pPr indent="0" lvl="0" marL="0" rtl="0" algn="l">
+              <a:lnSpc>
+                <a:spcPct val="135714"/>
+              </a:lnSpc>
+              <a:spcBef>
+                <a:spcPts val="0"/>
+              </a:spcBef>
+              <a:spcAft>
+                <a:spcPts val="0"/>
+              </a:spcAft>
+              <a:buClr>
+                <a:schemeClr val="dk1"/>
+              </a:buClr>
+              <a:buSzPts val="1100"/>
+              <a:buFont typeface="Arial"/>
+              <a:buNone/>
+            </a:pPr>
+            <a:r>
+              <a:rPr lang="es" sz="1050">
+                <a:solidFill>
+                  <a:schemeClr val="dk1"/>
+                </a:solidFill>
+                <a:latin typeface="Courier New"/>
+                <a:ea typeface="Courier New"/>
+                <a:cs typeface="Courier New"/>
+                <a:sym typeface="Courier New"/>
+              </a:rPr>
+              <a:t> _decimal = Converter.bin2dec(_binary);</a:t>
+            </a:r>
+            <a:endParaRPr sz="1050">
+              <a:solidFill>
+                <a:schemeClr val="dk1"/>
+              </a:solidFill>
+              <a:latin typeface="Courier New"/>
+              <a:ea typeface="Courier New"/>
+              <a:cs typeface="Courier New"/>
+              <a:sym typeface="Courier New"/>
+            </a:endParaRPr>
+          </a:p>
+          <a:p>
+            <a:pPr indent="0" lvl="0" marL="0" rtl="0" algn="l">
+              <a:lnSpc>
+                <a:spcPct val="135714"/>
+              </a:lnSpc>
+              <a:spcBef>
+                <a:spcPts val="0"/>
+              </a:spcBef>
+              <a:spcAft>
+                <a:spcPts val="0"/>
+              </a:spcAft>
+              <a:buClr>
+                <a:schemeClr val="dk1"/>
+              </a:buClr>
+              <a:buSzPts val="1100"/>
+              <a:buFont typeface="Arial"/>
+              <a:buNone/>
+            </a:pPr>
+            <a:r>
+              <a:t/>
+            </a:r>
+            <a:endParaRPr sz="1050">
+              <a:solidFill>
+                <a:schemeClr val="dk1"/>
+              </a:solidFill>
+              <a:latin typeface="Courier New"/>
+              <a:ea typeface="Courier New"/>
+              <a:cs typeface="Courier New"/>
+              <a:sym typeface="Courier New"/>
+            </a:endParaRPr>
+          </a:p>
+          <a:p>
+            <a:pPr indent="0" lvl="0" marL="0" rtl="0" algn="l">
+              <a:lnSpc>
+                <a:spcPct val="135714"/>
+              </a:lnSpc>
+              <a:spcBef>
+                <a:spcPts val="0"/>
+              </a:spcBef>
+              <a:spcAft>
+                <a:spcPts val="0"/>
+              </a:spcAft>
+              <a:buClr>
+                <a:schemeClr val="dk1"/>
+              </a:buClr>
+              <a:buSzPts val="1100"/>
+              <a:buFont typeface="Arial"/>
+              <a:buNone/>
+            </a:pPr>
+            <a:r>
+              <a:rPr lang="es" sz="1050">
+                <a:solidFill>
+                  <a:schemeClr val="dk1"/>
+                </a:solidFill>
+                <a:latin typeface="Courier New"/>
+                <a:ea typeface="Courier New"/>
+                <a:cs typeface="Courier New"/>
+                <a:sym typeface="Courier New"/>
+              </a:rPr>
+              <a:t> yield ConverterState(</a:t>
+            </a:r>
+            <a:endParaRPr sz="1050">
+              <a:solidFill>
+                <a:schemeClr val="dk1"/>
+              </a:solidFill>
+              <a:latin typeface="Courier New"/>
+              <a:ea typeface="Courier New"/>
+              <a:cs typeface="Courier New"/>
+              <a:sym typeface="Courier New"/>
+            </a:endParaRPr>
+          </a:p>
+          <a:p>
+            <a:pPr indent="0" lvl="0" marL="0" rtl="0" algn="l">
+              <a:lnSpc>
+                <a:spcPct val="135714"/>
+              </a:lnSpc>
+              <a:spcBef>
+                <a:spcPts val="0"/>
+              </a:spcBef>
+              <a:spcAft>
+                <a:spcPts val="0"/>
+              </a:spcAft>
+              <a:buClr>
+                <a:schemeClr val="dk1"/>
+              </a:buClr>
+              <a:buSzPts val="1100"/>
+              <a:buFont typeface="Arial"/>
+              <a:buNone/>
+            </a:pPr>
+            <a:r>
+              <a:rPr lang="es" sz="1050">
+                <a:solidFill>
+                  <a:schemeClr val="dk1"/>
+                </a:solidFill>
+                <a:latin typeface="Courier New"/>
+                <a:ea typeface="Courier New"/>
+                <a:cs typeface="Courier New"/>
+                <a:sym typeface="Courier New"/>
+              </a:rPr>
+              <a:t>   _decimal,</a:t>
+            </a:r>
+            <a:endParaRPr sz="1050">
+              <a:solidFill>
+                <a:schemeClr val="dk1"/>
+              </a:solidFill>
+              <a:latin typeface="Courier New"/>
+              <a:ea typeface="Courier New"/>
+              <a:cs typeface="Courier New"/>
+              <a:sym typeface="Courier New"/>
+            </a:endParaRPr>
+          </a:p>
+          <a:p>
+            <a:pPr indent="0" lvl="0" marL="0" rtl="0" algn="l">
+              <a:lnSpc>
+                <a:spcPct val="135714"/>
+              </a:lnSpc>
+              <a:spcBef>
+                <a:spcPts val="0"/>
+              </a:spcBef>
+              <a:spcAft>
+                <a:spcPts val="0"/>
+              </a:spcAft>
+              <a:buClr>
+                <a:schemeClr val="dk1"/>
+              </a:buClr>
+              <a:buSzPts val="1100"/>
+              <a:buFont typeface="Arial"/>
+              <a:buNone/>
+            </a:pPr>
+            <a:r>
+              <a:rPr lang="es" sz="1050">
+                <a:solidFill>
+                  <a:schemeClr val="dk1"/>
+                </a:solidFill>
+                <a:latin typeface="Courier New"/>
+                <a:ea typeface="Courier New"/>
+                <a:cs typeface="Courier New"/>
+                <a:sym typeface="Courier New"/>
+              </a:rPr>
+              <a:t>   _binary,</a:t>
+            </a:r>
+            <a:endParaRPr sz="1050">
+              <a:solidFill>
+                <a:schemeClr val="dk1"/>
+              </a:solidFill>
+              <a:latin typeface="Courier New"/>
+              <a:ea typeface="Courier New"/>
+              <a:cs typeface="Courier New"/>
+              <a:sym typeface="Courier New"/>
+            </a:endParaRPr>
+          </a:p>
+          <a:p>
+            <a:pPr indent="0" lvl="0" marL="0" rtl="0" algn="l">
+              <a:lnSpc>
+                <a:spcPct val="135714"/>
+              </a:lnSpc>
+              <a:spcBef>
+                <a:spcPts val="0"/>
+              </a:spcBef>
+              <a:spcAft>
+                <a:spcPts val="0"/>
+              </a:spcAft>
+              <a:buClr>
+                <a:schemeClr val="dk1"/>
+              </a:buClr>
+              <a:buSzPts val="1100"/>
+              <a:buFont typeface="Arial"/>
+              <a:buNone/>
+            </a:pPr>
+            <a:r>
+              <a:rPr lang="es" sz="1050">
+                <a:solidFill>
+                  <a:schemeClr val="dk1"/>
+                </a:solidFill>
+                <a:latin typeface="Courier New"/>
+                <a:ea typeface="Courier New"/>
+                <a:cs typeface="Courier New"/>
+                <a:sym typeface="Courier New"/>
+              </a:rPr>
+              <a:t> );</a:t>
+            </a:r>
+            <a:endParaRPr sz="1050">
+              <a:solidFill>
+                <a:schemeClr val="dk1"/>
+              </a:solidFill>
+              <a:latin typeface="Courier New"/>
+              <a:ea typeface="Courier New"/>
+              <a:cs typeface="Courier New"/>
+              <a:sym typeface="Courier New"/>
+            </a:endParaRPr>
+          </a:p>
+          <a:p>
+            <a:pPr indent="0" lvl="0" marL="0" rtl="0" algn="l">
+              <a:lnSpc>
+                <a:spcPct val="135714"/>
+              </a:lnSpc>
+              <a:spcBef>
+                <a:spcPts val="0"/>
+              </a:spcBef>
+              <a:spcAft>
+                <a:spcPts val="0"/>
+              </a:spcAft>
+              <a:buClr>
+                <a:schemeClr val="dk1"/>
+              </a:buClr>
+              <a:buSzPts val="1100"/>
+              <a:buFont typeface="Arial"/>
+              <a:buNone/>
+            </a:pPr>
+            <a:r>
+              <a:rPr lang="es" sz="1050">
+                <a:solidFill>
+                  <a:schemeClr val="dk1"/>
+                </a:solidFill>
+                <a:latin typeface="Courier New"/>
+                <a:ea typeface="Courier New"/>
+                <a:cs typeface="Courier New"/>
+                <a:sym typeface="Courier New"/>
+              </a:rPr>
+              <a:t>}</a:t>
+            </a:r>
+            <a:endParaRPr sz="1050">
+              <a:solidFill>
+                <a:schemeClr val="dk1"/>
+              </a:solidFill>
+              <a:latin typeface="Courier New"/>
+              <a:ea typeface="Courier New"/>
+              <a:cs typeface="Courier New"/>
+              <a:sym typeface="Courier New"/>
+            </a:endParaRPr>
+          </a:p>
+          <a:p>
+            <a:pPr indent="0" lvl="0" marL="0" rtl="0" algn="l">
+              <a:lnSpc>
+                <a:spcPct val="135714"/>
+              </a:lnSpc>
+              <a:spcBef>
+                <a:spcPts val="0"/>
+              </a:spcBef>
+              <a:spcAft>
+                <a:spcPts val="0"/>
+              </a:spcAft>
+              <a:buClr>
+                <a:schemeClr val="dk1"/>
+              </a:buClr>
+              <a:buSzPts val="1100"/>
+              <a:buFont typeface="Arial"/>
+              <a:buNone/>
+            </a:pPr>
+            <a:r>
+              <a:t/>
+            </a:r>
+            <a:endParaRPr sz="1050">
+              <a:solidFill>
+                <a:schemeClr val="dk1"/>
+              </a:solidFill>
+              <a:latin typeface="Courier New"/>
+              <a:ea typeface="Courier New"/>
+              <a:cs typeface="Courier New"/>
+              <a:sym typeface="Courier New"/>
+            </a:endParaRPr>
+          </a:p>
+          <a:p>
+            <a:pPr indent="0" lvl="0" marL="0" rtl="0" algn="l">
+              <a:lnSpc>
+                <a:spcPct val="135714"/>
+              </a:lnSpc>
+              <a:spcBef>
+                <a:spcPts val="0"/>
+              </a:spcBef>
+              <a:spcAft>
+                <a:spcPts val="0"/>
+              </a:spcAft>
+              <a:buClr>
+                <a:schemeClr val="dk1"/>
+              </a:buClr>
+              <a:buSzPts val="1100"/>
+              <a:buFont typeface="Arial"/>
+              <a:buNone/>
+            </a:pPr>
+            <a:r>
+              <a:rPr lang="es" sz="1050">
+                <a:solidFill>
+                  <a:schemeClr val="dk1"/>
+                </a:solidFill>
+                <a:latin typeface="Courier New"/>
+                <a:ea typeface="Courier New"/>
+                <a:cs typeface="Courier New"/>
+                <a:sym typeface="Courier New"/>
+              </a:rPr>
+              <a:t>if (event is ResetEvent) {</a:t>
+            </a:r>
+            <a:endParaRPr sz="1050">
+              <a:solidFill>
+                <a:schemeClr val="dk1"/>
+              </a:solidFill>
+              <a:latin typeface="Courier New"/>
+              <a:ea typeface="Courier New"/>
+              <a:cs typeface="Courier New"/>
+              <a:sym typeface="Courier New"/>
+            </a:endParaRPr>
+          </a:p>
+          <a:p>
+            <a:pPr indent="0" lvl="0" marL="0" rtl="0" algn="l">
+              <a:lnSpc>
+                <a:spcPct val="135714"/>
+              </a:lnSpc>
+              <a:spcBef>
+                <a:spcPts val="0"/>
+              </a:spcBef>
+              <a:spcAft>
+                <a:spcPts val="0"/>
+              </a:spcAft>
+              <a:buClr>
+                <a:schemeClr val="dk1"/>
+              </a:buClr>
+              <a:buSzPts val="1100"/>
+              <a:buFont typeface="Arial"/>
+              <a:buNone/>
+            </a:pPr>
+            <a:r>
+              <a:rPr lang="es" sz="1050">
+                <a:solidFill>
+                  <a:schemeClr val="dk1"/>
+                </a:solidFill>
+                <a:latin typeface="Courier New"/>
+                <a:ea typeface="Courier New"/>
+                <a:cs typeface="Courier New"/>
+                <a:sym typeface="Courier New"/>
+              </a:rPr>
+              <a:t> _binary = "0";</a:t>
+            </a:r>
+            <a:endParaRPr sz="1050">
+              <a:solidFill>
+                <a:schemeClr val="dk1"/>
+              </a:solidFill>
+              <a:latin typeface="Courier New"/>
+              <a:ea typeface="Courier New"/>
+              <a:cs typeface="Courier New"/>
+              <a:sym typeface="Courier New"/>
+            </a:endParaRPr>
+          </a:p>
+          <a:p>
+            <a:pPr indent="0" lvl="0" marL="0" rtl="0" algn="l">
+              <a:lnSpc>
+                <a:spcPct val="135714"/>
+              </a:lnSpc>
+              <a:spcBef>
+                <a:spcPts val="0"/>
+              </a:spcBef>
+              <a:spcAft>
+                <a:spcPts val="0"/>
+              </a:spcAft>
+              <a:buClr>
+                <a:schemeClr val="dk1"/>
+              </a:buClr>
+              <a:buSzPts val="1100"/>
+              <a:buFont typeface="Arial"/>
+              <a:buNone/>
+            </a:pPr>
+            <a:r>
+              <a:rPr lang="es" sz="1050">
+                <a:solidFill>
+                  <a:schemeClr val="dk1"/>
+                </a:solidFill>
+                <a:latin typeface="Courier New"/>
+                <a:ea typeface="Courier New"/>
+                <a:cs typeface="Courier New"/>
+                <a:sym typeface="Courier New"/>
+              </a:rPr>
+              <a:t> _decimal = "0";</a:t>
+            </a:r>
+            <a:endParaRPr sz="1050">
+              <a:solidFill>
+                <a:schemeClr val="dk1"/>
+              </a:solidFill>
+              <a:latin typeface="Courier New"/>
+              <a:ea typeface="Courier New"/>
+              <a:cs typeface="Courier New"/>
+              <a:sym typeface="Courier New"/>
+            </a:endParaRPr>
+          </a:p>
+          <a:p>
+            <a:pPr indent="0" lvl="0" marL="0" rtl="0" algn="l">
+              <a:lnSpc>
+                <a:spcPct val="135714"/>
+              </a:lnSpc>
+              <a:spcBef>
+                <a:spcPts val="0"/>
+              </a:spcBef>
+              <a:spcAft>
+                <a:spcPts val="0"/>
+              </a:spcAft>
+              <a:buClr>
+                <a:schemeClr val="dk1"/>
+              </a:buClr>
+              <a:buSzPts val="1100"/>
+              <a:buFont typeface="Arial"/>
+              <a:buNone/>
+            </a:pPr>
+            <a:r>
+              <a:t/>
+            </a:r>
+            <a:endParaRPr sz="1050">
+              <a:solidFill>
+                <a:schemeClr val="dk1"/>
+              </a:solidFill>
+              <a:latin typeface="Courier New"/>
+              <a:ea typeface="Courier New"/>
+              <a:cs typeface="Courier New"/>
+              <a:sym typeface="Courier New"/>
+            </a:endParaRPr>
+          </a:p>
+          <a:p>
+            <a:pPr indent="0" lvl="0" marL="0" rtl="0" algn="l">
+              <a:lnSpc>
+                <a:spcPct val="135714"/>
+              </a:lnSpc>
+              <a:spcBef>
+                <a:spcPts val="0"/>
+              </a:spcBef>
+              <a:spcAft>
+                <a:spcPts val="0"/>
+              </a:spcAft>
+              <a:buClr>
+                <a:schemeClr val="dk1"/>
+              </a:buClr>
+              <a:buSzPts val="1100"/>
+              <a:buFont typeface="Arial"/>
+              <a:buNone/>
+            </a:pPr>
+            <a:r>
+              <a:rPr lang="es" sz="1050">
+                <a:solidFill>
+                  <a:schemeClr val="dk1"/>
+                </a:solidFill>
+                <a:latin typeface="Courier New"/>
+                <a:ea typeface="Courier New"/>
+                <a:cs typeface="Courier New"/>
+                <a:sym typeface="Courier New"/>
+              </a:rPr>
+              <a:t> yield ConverterState(</a:t>
+            </a:r>
+            <a:endParaRPr sz="1050">
+              <a:solidFill>
+                <a:schemeClr val="dk1"/>
+              </a:solidFill>
+              <a:latin typeface="Courier New"/>
+              <a:ea typeface="Courier New"/>
+              <a:cs typeface="Courier New"/>
+              <a:sym typeface="Courier New"/>
+            </a:endParaRPr>
+          </a:p>
+          <a:p>
+            <a:pPr indent="0" lvl="0" marL="0" rtl="0" algn="l">
+              <a:lnSpc>
+                <a:spcPct val="135714"/>
+              </a:lnSpc>
+              <a:spcBef>
+                <a:spcPts val="0"/>
+              </a:spcBef>
+              <a:spcAft>
+                <a:spcPts val="0"/>
+              </a:spcAft>
+              <a:buClr>
+                <a:schemeClr val="dk1"/>
+              </a:buClr>
+              <a:buSzPts val="1100"/>
+              <a:buFont typeface="Arial"/>
+              <a:buNone/>
+            </a:pPr>
+            <a:r>
+              <a:rPr lang="es" sz="1050">
+                <a:solidFill>
+                  <a:schemeClr val="dk1"/>
+                </a:solidFill>
+                <a:latin typeface="Courier New"/>
+                <a:ea typeface="Courier New"/>
+                <a:cs typeface="Courier New"/>
+                <a:sym typeface="Courier New"/>
+              </a:rPr>
+              <a:t>   _decimal,</a:t>
+            </a:r>
+            <a:endParaRPr sz="1050">
+              <a:solidFill>
+                <a:schemeClr val="dk1"/>
+              </a:solidFill>
+              <a:latin typeface="Courier New"/>
+              <a:ea typeface="Courier New"/>
+              <a:cs typeface="Courier New"/>
+              <a:sym typeface="Courier New"/>
+            </a:endParaRPr>
+          </a:p>
+          <a:p>
+            <a:pPr indent="0" lvl="0" marL="0" rtl="0" algn="l">
+              <a:lnSpc>
+                <a:spcPct val="135714"/>
+              </a:lnSpc>
+              <a:spcBef>
+                <a:spcPts val="0"/>
+              </a:spcBef>
+              <a:spcAft>
+                <a:spcPts val="0"/>
+              </a:spcAft>
+              <a:buClr>
+                <a:schemeClr val="dk1"/>
+              </a:buClr>
+              <a:buSzPts val="1100"/>
+              <a:buFont typeface="Arial"/>
+              <a:buNone/>
+            </a:pPr>
+            <a:r>
+              <a:rPr lang="es" sz="1050">
+                <a:solidFill>
+                  <a:schemeClr val="dk1"/>
+                </a:solidFill>
+                <a:latin typeface="Courier New"/>
+                <a:ea typeface="Courier New"/>
+                <a:cs typeface="Courier New"/>
+                <a:sym typeface="Courier New"/>
+              </a:rPr>
+              <a:t>   _binary,</a:t>
+            </a:r>
+            <a:endParaRPr sz="1050">
+              <a:solidFill>
+                <a:schemeClr val="dk1"/>
+              </a:solidFill>
+              <a:latin typeface="Courier New"/>
+              <a:ea typeface="Courier New"/>
+              <a:cs typeface="Courier New"/>
+              <a:sym typeface="Courier New"/>
+            </a:endParaRPr>
+          </a:p>
+          <a:p>
+            <a:pPr indent="0" lvl="0" marL="0" rtl="0" algn="l">
+              <a:lnSpc>
+                <a:spcPct val="135714"/>
+              </a:lnSpc>
+              <a:spcBef>
+                <a:spcPts val="0"/>
+              </a:spcBef>
+              <a:spcAft>
+                <a:spcPts val="0"/>
+              </a:spcAft>
+              <a:buClr>
+                <a:schemeClr val="dk1"/>
+              </a:buClr>
+              <a:buSzPts val="1100"/>
+              <a:buFont typeface="Arial"/>
+              <a:buNone/>
+            </a:pPr>
+            <a:r>
+              <a:rPr lang="es" sz="1050">
+                <a:solidFill>
+                  <a:schemeClr val="dk1"/>
+                </a:solidFill>
+                <a:latin typeface="Courier New"/>
+                <a:ea typeface="Courier New"/>
+                <a:cs typeface="Courier New"/>
+                <a:sym typeface="Courier New"/>
+              </a:rPr>
+              <a:t> );</a:t>
+            </a:r>
+            <a:endParaRPr sz="1050">
+              <a:solidFill>
+                <a:schemeClr val="dk1"/>
+              </a:solidFill>
+              <a:latin typeface="Courier New"/>
+              <a:ea typeface="Courier New"/>
+              <a:cs typeface="Courier New"/>
+              <a:sym typeface="Courier New"/>
+            </a:endParaRPr>
+          </a:p>
+          <a:p>
+            <a:pPr indent="0" lvl="0" marL="0" rtl="0" algn="l">
+              <a:lnSpc>
+                <a:spcPct val="135714"/>
+              </a:lnSpc>
+              <a:spcBef>
+                <a:spcPts val="0"/>
+              </a:spcBef>
+              <a:spcAft>
+                <a:spcPts val="0"/>
+              </a:spcAft>
+              <a:buClr>
+                <a:schemeClr val="dk1"/>
+              </a:buClr>
+              <a:buSzPts val="1100"/>
+              <a:buFont typeface="Arial"/>
+              <a:buNone/>
+            </a:pPr>
+            <a:r>
+              <a:rPr lang="es" sz="1050">
+                <a:solidFill>
+                  <a:schemeClr val="dk1"/>
+                </a:solidFill>
+                <a:latin typeface="Courier New"/>
+                <a:ea typeface="Courier New"/>
+                <a:cs typeface="Courier New"/>
+                <a:sym typeface="Courier New"/>
+              </a:rPr>
+              <a:t>}</a:t>
+            </a:r>
+            <a:endParaRPr sz="1050">
+              <a:solidFill>
+                <a:schemeClr val="dk1"/>
+              </a:solidFill>
+              <a:latin typeface="Courier New"/>
+              <a:ea typeface="Courier New"/>
+              <a:cs typeface="Courier New"/>
+              <a:sym typeface="Courier New"/>
+            </a:endParaRPr>
+          </a:p>
+          <a:p>
+            <a:pPr indent="0" lvl="0" marL="0" rtl="0" algn="l">
+              <a:lnSpc>
+                <a:spcPct val="100000"/>
+              </a:lnSpc>
+              <a:spcBef>
+                <a:spcPts val="0"/>
+              </a:spcBef>
+              <a:spcAft>
+                <a:spcPts val="0"/>
+              </a:spcAft>
+              <a:buSzPts val="1100"/>
+              <a:buNone/>
+            </a:pPr>
+            <a:r>
+              <a:t/>
+            </a:r>
+            <a:endParaRPr>
+              <a:solidFill>
+                <a:schemeClr val="dk1"/>
+              </a:solidFill>
+            </a:endParaRPr>
           </a:p>
         </p:txBody>
       </p:sp>
@@ -1377,21 +4207,1260 @@
           <a:p>
             <a:pPr indent="0" lvl="0" marL="0" rtl="0" algn="l">
               <a:lnSpc>
-                <a:spcPct val="100000"/>
-              </a:lnSpc>
-              <a:spcBef>
-                <a:spcPts val="0"/>
-              </a:spcBef>
-              <a:spcAft>
-                <a:spcPts val="0"/>
-              </a:spcAft>
+                <a:spcPct val="135714"/>
+              </a:lnSpc>
+              <a:spcBef>
+                <a:spcPts val="0"/>
+              </a:spcBef>
+              <a:spcAft>
+                <a:spcPts val="0"/>
+              </a:spcAft>
+              <a:buClr>
+                <a:schemeClr val="dk1"/>
+              </a:buClr>
               <a:buSzPts val="1100"/>
+              <a:buFont typeface="Arial"/>
+              <a:buNone/>
+            </a:pPr>
+            <a:r>
+              <a:rPr lang="es" sz="1050">
+                <a:solidFill>
+                  <a:schemeClr val="dk1"/>
+                </a:solidFill>
+                <a:latin typeface="Courier New"/>
+                <a:ea typeface="Courier New"/>
+                <a:cs typeface="Courier New"/>
+                <a:sym typeface="Courier New"/>
+              </a:rPr>
+              <a:t>@override</a:t>
+            </a:r>
+            <a:endParaRPr sz="1050">
+              <a:solidFill>
+                <a:schemeClr val="dk1"/>
+              </a:solidFill>
+              <a:latin typeface="Courier New"/>
+              <a:ea typeface="Courier New"/>
+              <a:cs typeface="Courier New"/>
+              <a:sym typeface="Courier New"/>
+            </a:endParaRPr>
+          </a:p>
+          <a:p>
+            <a:pPr indent="0" lvl="0" marL="0" rtl="0" algn="l">
+              <a:lnSpc>
+                <a:spcPct val="135714"/>
+              </a:lnSpc>
+              <a:spcBef>
+                <a:spcPts val="0"/>
+              </a:spcBef>
+              <a:spcAft>
+                <a:spcPts val="0"/>
+              </a:spcAft>
+              <a:buClr>
+                <a:schemeClr val="dk1"/>
+              </a:buClr>
+              <a:buSzPts val="1100"/>
+              <a:buFont typeface="Arial"/>
+              <a:buNone/>
+            </a:pPr>
+            <a:r>
+              <a:rPr lang="es" sz="1050">
+                <a:solidFill>
+                  <a:schemeClr val="dk1"/>
+                </a:solidFill>
+                <a:latin typeface="Courier New"/>
+                <a:ea typeface="Courier New"/>
+                <a:cs typeface="Courier New"/>
+                <a:sym typeface="Courier New"/>
+              </a:rPr>
+              <a:t>Stream&lt;AbstractConverterState&gt; mapEventToState(ConvertionEvent event) async* {</a:t>
+            </a:r>
+            <a:endParaRPr sz="1050">
+              <a:solidFill>
+                <a:schemeClr val="dk1"/>
+              </a:solidFill>
+              <a:latin typeface="Courier New"/>
+              <a:ea typeface="Courier New"/>
+              <a:cs typeface="Courier New"/>
+              <a:sym typeface="Courier New"/>
+            </a:endParaRPr>
+          </a:p>
+          <a:p>
+            <a:pPr indent="0" lvl="0" marL="0" rtl="0" algn="l">
+              <a:lnSpc>
+                <a:spcPct val="135714"/>
+              </a:lnSpc>
+              <a:spcBef>
+                <a:spcPts val="0"/>
+              </a:spcBef>
+              <a:spcAft>
+                <a:spcPts val="0"/>
+              </a:spcAft>
+              <a:buClr>
+                <a:schemeClr val="dk1"/>
+              </a:buClr>
+              <a:buSzPts val="1100"/>
+              <a:buFont typeface="Arial"/>
+              <a:buNone/>
+            </a:pPr>
+            <a:r>
+              <a:rPr lang="es" sz="1050">
+                <a:solidFill>
+                  <a:schemeClr val="dk1"/>
+                </a:solidFill>
+                <a:latin typeface="Courier New"/>
+                <a:ea typeface="Courier New"/>
+                <a:cs typeface="Courier New"/>
+                <a:sym typeface="Courier New"/>
+              </a:rPr>
+              <a:t> if (event is UpdateDecimalEvent) {</a:t>
+            </a:r>
+            <a:endParaRPr sz="1050">
+              <a:solidFill>
+                <a:schemeClr val="dk1"/>
+              </a:solidFill>
+              <a:latin typeface="Courier New"/>
+              <a:ea typeface="Courier New"/>
+              <a:cs typeface="Courier New"/>
+              <a:sym typeface="Courier New"/>
+            </a:endParaRPr>
+          </a:p>
+          <a:p>
+            <a:pPr indent="0" lvl="0" marL="0" rtl="0" algn="l">
+              <a:lnSpc>
+                <a:spcPct val="135714"/>
+              </a:lnSpc>
+              <a:spcBef>
+                <a:spcPts val="0"/>
+              </a:spcBef>
+              <a:spcAft>
+                <a:spcPts val="0"/>
+              </a:spcAft>
+              <a:buClr>
+                <a:schemeClr val="dk1"/>
+              </a:buClr>
+              <a:buSzPts val="1100"/>
+              <a:buFont typeface="Arial"/>
+              <a:buNone/>
+            </a:pPr>
+            <a:r>
+              <a:rPr lang="es" sz="1050">
+                <a:solidFill>
+                  <a:schemeClr val="dk1"/>
+                </a:solidFill>
+                <a:latin typeface="Courier New"/>
+                <a:ea typeface="Courier New"/>
+                <a:cs typeface="Courier New"/>
+                <a:sym typeface="Courier New"/>
+              </a:rPr>
+              <a:t>   _decimal = Converter.adjustValue(_decimal, event.digit);</a:t>
+            </a:r>
+            <a:endParaRPr sz="1050">
+              <a:solidFill>
+                <a:schemeClr val="dk1"/>
+              </a:solidFill>
+              <a:latin typeface="Courier New"/>
+              <a:ea typeface="Courier New"/>
+              <a:cs typeface="Courier New"/>
+              <a:sym typeface="Courier New"/>
+            </a:endParaRPr>
+          </a:p>
+          <a:p>
+            <a:pPr indent="0" lvl="0" marL="0" rtl="0" algn="l">
+              <a:lnSpc>
+                <a:spcPct val="135714"/>
+              </a:lnSpc>
+              <a:spcBef>
+                <a:spcPts val="0"/>
+              </a:spcBef>
+              <a:spcAft>
+                <a:spcPts val="0"/>
+              </a:spcAft>
+              <a:buClr>
+                <a:schemeClr val="dk1"/>
+              </a:buClr>
+              <a:buSzPts val="1100"/>
+              <a:buFont typeface="Arial"/>
+              <a:buNone/>
+            </a:pPr>
+            <a:r>
+              <a:rPr lang="es" sz="1050">
+                <a:solidFill>
+                  <a:schemeClr val="dk1"/>
+                </a:solidFill>
+                <a:latin typeface="Courier New"/>
+                <a:ea typeface="Courier New"/>
+                <a:cs typeface="Courier New"/>
+                <a:sym typeface="Courier New"/>
+              </a:rPr>
+              <a:t>   _binary = Converter.dec2bin(_decimal);</a:t>
+            </a:r>
+            <a:endParaRPr sz="1050">
+              <a:solidFill>
+                <a:schemeClr val="dk1"/>
+              </a:solidFill>
+              <a:latin typeface="Courier New"/>
+              <a:ea typeface="Courier New"/>
+              <a:cs typeface="Courier New"/>
+              <a:sym typeface="Courier New"/>
+            </a:endParaRPr>
+          </a:p>
+          <a:p>
+            <a:pPr indent="0" lvl="0" marL="0" rtl="0" algn="l">
+              <a:lnSpc>
+                <a:spcPct val="135714"/>
+              </a:lnSpc>
+              <a:spcBef>
+                <a:spcPts val="0"/>
+              </a:spcBef>
+              <a:spcAft>
+                <a:spcPts val="0"/>
+              </a:spcAft>
+              <a:buClr>
+                <a:schemeClr val="dk1"/>
+              </a:buClr>
+              <a:buSzPts val="1100"/>
+              <a:buFont typeface="Arial"/>
               <a:buNone/>
             </a:pPr>
             <a:r>
               <a:t/>
             </a:r>
-            <a:endParaRPr/>
+            <a:endParaRPr sz="1050">
+              <a:solidFill>
+                <a:schemeClr val="dk1"/>
+              </a:solidFill>
+              <a:latin typeface="Courier New"/>
+              <a:ea typeface="Courier New"/>
+              <a:cs typeface="Courier New"/>
+              <a:sym typeface="Courier New"/>
+            </a:endParaRPr>
+          </a:p>
+          <a:p>
+            <a:pPr indent="0" lvl="0" marL="0" rtl="0" algn="l">
+              <a:lnSpc>
+                <a:spcPct val="135714"/>
+              </a:lnSpc>
+              <a:spcBef>
+                <a:spcPts val="0"/>
+              </a:spcBef>
+              <a:spcAft>
+                <a:spcPts val="0"/>
+              </a:spcAft>
+              <a:buClr>
+                <a:schemeClr val="dk1"/>
+              </a:buClr>
+              <a:buSzPts val="1100"/>
+              <a:buFont typeface="Arial"/>
+              <a:buNone/>
+            </a:pPr>
+            <a:r>
+              <a:rPr lang="es" sz="1050">
+                <a:solidFill>
+                  <a:schemeClr val="dk1"/>
+                </a:solidFill>
+                <a:latin typeface="Courier New"/>
+                <a:ea typeface="Courier New"/>
+                <a:cs typeface="Courier New"/>
+                <a:sym typeface="Courier New"/>
+              </a:rPr>
+              <a:t>   yield ConverterState(</a:t>
+            </a:r>
+            <a:endParaRPr sz="1050">
+              <a:solidFill>
+                <a:schemeClr val="dk1"/>
+              </a:solidFill>
+              <a:latin typeface="Courier New"/>
+              <a:ea typeface="Courier New"/>
+              <a:cs typeface="Courier New"/>
+              <a:sym typeface="Courier New"/>
+            </a:endParaRPr>
+          </a:p>
+          <a:p>
+            <a:pPr indent="0" lvl="0" marL="0" rtl="0" algn="l">
+              <a:lnSpc>
+                <a:spcPct val="135714"/>
+              </a:lnSpc>
+              <a:spcBef>
+                <a:spcPts val="0"/>
+              </a:spcBef>
+              <a:spcAft>
+                <a:spcPts val="0"/>
+              </a:spcAft>
+              <a:buClr>
+                <a:schemeClr val="dk1"/>
+              </a:buClr>
+              <a:buSzPts val="1100"/>
+              <a:buFont typeface="Arial"/>
+              <a:buNone/>
+            </a:pPr>
+            <a:r>
+              <a:rPr lang="es" sz="1050">
+                <a:solidFill>
+                  <a:schemeClr val="dk1"/>
+                </a:solidFill>
+                <a:latin typeface="Courier New"/>
+                <a:ea typeface="Courier New"/>
+                <a:cs typeface="Courier New"/>
+                <a:sym typeface="Courier New"/>
+              </a:rPr>
+              <a:t>     _decimal,</a:t>
+            </a:r>
+            <a:endParaRPr sz="1050">
+              <a:solidFill>
+                <a:schemeClr val="dk1"/>
+              </a:solidFill>
+              <a:latin typeface="Courier New"/>
+              <a:ea typeface="Courier New"/>
+              <a:cs typeface="Courier New"/>
+              <a:sym typeface="Courier New"/>
+            </a:endParaRPr>
+          </a:p>
+          <a:p>
+            <a:pPr indent="0" lvl="0" marL="0" rtl="0" algn="l">
+              <a:lnSpc>
+                <a:spcPct val="135714"/>
+              </a:lnSpc>
+              <a:spcBef>
+                <a:spcPts val="0"/>
+              </a:spcBef>
+              <a:spcAft>
+                <a:spcPts val="0"/>
+              </a:spcAft>
+              <a:buClr>
+                <a:schemeClr val="dk1"/>
+              </a:buClr>
+              <a:buSzPts val="1100"/>
+              <a:buFont typeface="Arial"/>
+              <a:buNone/>
+            </a:pPr>
+            <a:r>
+              <a:rPr lang="es" sz="1050">
+                <a:solidFill>
+                  <a:schemeClr val="dk1"/>
+                </a:solidFill>
+                <a:latin typeface="Courier New"/>
+                <a:ea typeface="Courier New"/>
+                <a:cs typeface="Courier New"/>
+                <a:sym typeface="Courier New"/>
+              </a:rPr>
+              <a:t>     _binary,</a:t>
+            </a:r>
+            <a:endParaRPr sz="1050">
+              <a:solidFill>
+                <a:schemeClr val="dk1"/>
+              </a:solidFill>
+              <a:latin typeface="Courier New"/>
+              <a:ea typeface="Courier New"/>
+              <a:cs typeface="Courier New"/>
+              <a:sym typeface="Courier New"/>
+            </a:endParaRPr>
+          </a:p>
+          <a:p>
+            <a:pPr indent="0" lvl="0" marL="0" rtl="0" algn="l">
+              <a:lnSpc>
+                <a:spcPct val="135714"/>
+              </a:lnSpc>
+              <a:spcBef>
+                <a:spcPts val="0"/>
+              </a:spcBef>
+              <a:spcAft>
+                <a:spcPts val="0"/>
+              </a:spcAft>
+              <a:buClr>
+                <a:schemeClr val="dk1"/>
+              </a:buClr>
+              <a:buSzPts val="1100"/>
+              <a:buFont typeface="Arial"/>
+              <a:buNone/>
+            </a:pPr>
+            <a:r>
+              <a:rPr lang="es" sz="1050">
+                <a:solidFill>
+                  <a:schemeClr val="dk1"/>
+                </a:solidFill>
+                <a:latin typeface="Courier New"/>
+                <a:ea typeface="Courier New"/>
+                <a:cs typeface="Courier New"/>
+                <a:sym typeface="Courier New"/>
+              </a:rPr>
+              <a:t>   );</a:t>
+            </a:r>
+            <a:endParaRPr sz="1050">
+              <a:solidFill>
+                <a:schemeClr val="dk1"/>
+              </a:solidFill>
+              <a:latin typeface="Courier New"/>
+              <a:ea typeface="Courier New"/>
+              <a:cs typeface="Courier New"/>
+              <a:sym typeface="Courier New"/>
+            </a:endParaRPr>
+          </a:p>
+          <a:p>
+            <a:pPr indent="0" lvl="0" marL="0" rtl="0" algn="l">
+              <a:lnSpc>
+                <a:spcPct val="135714"/>
+              </a:lnSpc>
+              <a:spcBef>
+                <a:spcPts val="0"/>
+              </a:spcBef>
+              <a:spcAft>
+                <a:spcPts val="0"/>
+              </a:spcAft>
+              <a:buClr>
+                <a:schemeClr val="dk1"/>
+              </a:buClr>
+              <a:buSzPts val="1100"/>
+              <a:buFont typeface="Arial"/>
+              <a:buNone/>
+            </a:pPr>
+            <a:r>
+              <a:rPr lang="es" sz="1050">
+                <a:solidFill>
+                  <a:schemeClr val="dk1"/>
+                </a:solidFill>
+                <a:latin typeface="Courier New"/>
+                <a:ea typeface="Courier New"/>
+                <a:cs typeface="Courier New"/>
+                <a:sym typeface="Courier New"/>
+              </a:rPr>
+              <a:t> }</a:t>
+            </a:r>
+            <a:endParaRPr sz="1050">
+              <a:solidFill>
+                <a:schemeClr val="dk1"/>
+              </a:solidFill>
+              <a:latin typeface="Courier New"/>
+              <a:ea typeface="Courier New"/>
+              <a:cs typeface="Courier New"/>
+              <a:sym typeface="Courier New"/>
+            </a:endParaRPr>
+          </a:p>
+          <a:p>
+            <a:pPr indent="0" lvl="0" marL="0" rtl="0" algn="l">
+              <a:lnSpc>
+                <a:spcPct val="135714"/>
+              </a:lnSpc>
+              <a:spcBef>
+                <a:spcPts val="0"/>
+              </a:spcBef>
+              <a:spcAft>
+                <a:spcPts val="0"/>
+              </a:spcAft>
+              <a:buClr>
+                <a:schemeClr val="dk1"/>
+              </a:buClr>
+              <a:buSzPts val="1100"/>
+              <a:buFont typeface="Arial"/>
+              <a:buNone/>
+            </a:pPr>
+            <a:r>
+              <a:t/>
+            </a:r>
+            <a:endParaRPr sz="1050">
+              <a:solidFill>
+                <a:schemeClr val="dk1"/>
+              </a:solidFill>
+              <a:latin typeface="Courier New"/>
+              <a:ea typeface="Courier New"/>
+              <a:cs typeface="Courier New"/>
+              <a:sym typeface="Courier New"/>
+            </a:endParaRPr>
+          </a:p>
+          <a:p>
+            <a:pPr indent="0" lvl="0" marL="0" rtl="0" algn="l">
+              <a:lnSpc>
+                <a:spcPct val="135714"/>
+              </a:lnSpc>
+              <a:spcBef>
+                <a:spcPts val="0"/>
+              </a:spcBef>
+              <a:spcAft>
+                <a:spcPts val="0"/>
+              </a:spcAft>
+              <a:buClr>
+                <a:schemeClr val="dk1"/>
+              </a:buClr>
+              <a:buSzPts val="1100"/>
+              <a:buFont typeface="Arial"/>
+              <a:buNone/>
+            </a:pPr>
+            <a:r>
+              <a:rPr lang="es" sz="1050">
+                <a:solidFill>
+                  <a:schemeClr val="dk1"/>
+                </a:solidFill>
+                <a:latin typeface="Courier New"/>
+                <a:ea typeface="Courier New"/>
+                <a:cs typeface="Courier New"/>
+                <a:sym typeface="Courier New"/>
+              </a:rPr>
+              <a:t> if (event is UpdateBinaryEvent) {</a:t>
+            </a:r>
+            <a:endParaRPr sz="1050">
+              <a:solidFill>
+                <a:schemeClr val="dk1"/>
+              </a:solidFill>
+              <a:latin typeface="Courier New"/>
+              <a:ea typeface="Courier New"/>
+              <a:cs typeface="Courier New"/>
+              <a:sym typeface="Courier New"/>
+            </a:endParaRPr>
+          </a:p>
+          <a:p>
+            <a:pPr indent="0" lvl="0" marL="0" rtl="0" algn="l">
+              <a:lnSpc>
+                <a:spcPct val="135714"/>
+              </a:lnSpc>
+              <a:spcBef>
+                <a:spcPts val="0"/>
+              </a:spcBef>
+              <a:spcAft>
+                <a:spcPts val="0"/>
+              </a:spcAft>
+              <a:buClr>
+                <a:schemeClr val="dk1"/>
+              </a:buClr>
+              <a:buSzPts val="1100"/>
+              <a:buFont typeface="Arial"/>
+              <a:buNone/>
+            </a:pPr>
+            <a:r>
+              <a:rPr lang="es" sz="1050">
+                <a:solidFill>
+                  <a:schemeClr val="dk1"/>
+                </a:solidFill>
+                <a:latin typeface="Courier New"/>
+                <a:ea typeface="Courier New"/>
+                <a:cs typeface="Courier New"/>
+                <a:sym typeface="Courier New"/>
+              </a:rPr>
+              <a:t>   _binary = Converter.adjustValue(_binary, event.digit);</a:t>
+            </a:r>
+            <a:endParaRPr sz="1050">
+              <a:solidFill>
+                <a:schemeClr val="dk1"/>
+              </a:solidFill>
+              <a:latin typeface="Courier New"/>
+              <a:ea typeface="Courier New"/>
+              <a:cs typeface="Courier New"/>
+              <a:sym typeface="Courier New"/>
+            </a:endParaRPr>
+          </a:p>
+          <a:p>
+            <a:pPr indent="0" lvl="0" marL="0" rtl="0" algn="l">
+              <a:lnSpc>
+                <a:spcPct val="135714"/>
+              </a:lnSpc>
+              <a:spcBef>
+                <a:spcPts val="0"/>
+              </a:spcBef>
+              <a:spcAft>
+                <a:spcPts val="0"/>
+              </a:spcAft>
+              <a:buClr>
+                <a:schemeClr val="dk1"/>
+              </a:buClr>
+              <a:buSzPts val="1100"/>
+              <a:buFont typeface="Arial"/>
+              <a:buNone/>
+            </a:pPr>
+            <a:r>
+              <a:rPr lang="es" sz="1050">
+                <a:solidFill>
+                  <a:schemeClr val="dk1"/>
+                </a:solidFill>
+                <a:latin typeface="Courier New"/>
+                <a:ea typeface="Courier New"/>
+                <a:cs typeface="Courier New"/>
+                <a:sym typeface="Courier New"/>
+              </a:rPr>
+              <a:t>   _decimal = Converter.bin2dec(_binary);</a:t>
+            </a:r>
+            <a:endParaRPr sz="1050">
+              <a:solidFill>
+                <a:schemeClr val="dk1"/>
+              </a:solidFill>
+              <a:latin typeface="Courier New"/>
+              <a:ea typeface="Courier New"/>
+              <a:cs typeface="Courier New"/>
+              <a:sym typeface="Courier New"/>
+            </a:endParaRPr>
+          </a:p>
+          <a:p>
+            <a:pPr indent="0" lvl="0" marL="0" rtl="0" algn="l">
+              <a:lnSpc>
+                <a:spcPct val="135714"/>
+              </a:lnSpc>
+              <a:spcBef>
+                <a:spcPts val="0"/>
+              </a:spcBef>
+              <a:spcAft>
+                <a:spcPts val="0"/>
+              </a:spcAft>
+              <a:buClr>
+                <a:schemeClr val="dk1"/>
+              </a:buClr>
+              <a:buSzPts val="1100"/>
+              <a:buFont typeface="Arial"/>
+              <a:buNone/>
+            </a:pPr>
+            <a:r>
+              <a:t/>
+            </a:r>
+            <a:endParaRPr sz="1050">
+              <a:solidFill>
+                <a:schemeClr val="dk1"/>
+              </a:solidFill>
+              <a:latin typeface="Courier New"/>
+              <a:ea typeface="Courier New"/>
+              <a:cs typeface="Courier New"/>
+              <a:sym typeface="Courier New"/>
+            </a:endParaRPr>
+          </a:p>
+          <a:p>
+            <a:pPr indent="0" lvl="0" marL="0" rtl="0" algn="l">
+              <a:lnSpc>
+                <a:spcPct val="135714"/>
+              </a:lnSpc>
+              <a:spcBef>
+                <a:spcPts val="0"/>
+              </a:spcBef>
+              <a:spcAft>
+                <a:spcPts val="0"/>
+              </a:spcAft>
+              <a:buClr>
+                <a:schemeClr val="dk1"/>
+              </a:buClr>
+              <a:buSzPts val="1100"/>
+              <a:buFont typeface="Arial"/>
+              <a:buNone/>
+            </a:pPr>
+            <a:r>
+              <a:rPr lang="es" sz="1050">
+                <a:solidFill>
+                  <a:schemeClr val="dk1"/>
+                </a:solidFill>
+                <a:latin typeface="Courier New"/>
+                <a:ea typeface="Courier New"/>
+                <a:cs typeface="Courier New"/>
+                <a:sym typeface="Courier New"/>
+              </a:rPr>
+              <a:t>   yield ConverterState(</a:t>
+            </a:r>
+            <a:endParaRPr sz="1050">
+              <a:solidFill>
+                <a:schemeClr val="dk1"/>
+              </a:solidFill>
+              <a:latin typeface="Courier New"/>
+              <a:ea typeface="Courier New"/>
+              <a:cs typeface="Courier New"/>
+              <a:sym typeface="Courier New"/>
+            </a:endParaRPr>
+          </a:p>
+          <a:p>
+            <a:pPr indent="0" lvl="0" marL="0" rtl="0" algn="l">
+              <a:lnSpc>
+                <a:spcPct val="135714"/>
+              </a:lnSpc>
+              <a:spcBef>
+                <a:spcPts val="0"/>
+              </a:spcBef>
+              <a:spcAft>
+                <a:spcPts val="0"/>
+              </a:spcAft>
+              <a:buClr>
+                <a:schemeClr val="dk1"/>
+              </a:buClr>
+              <a:buSzPts val="1100"/>
+              <a:buFont typeface="Arial"/>
+              <a:buNone/>
+            </a:pPr>
+            <a:r>
+              <a:rPr lang="es" sz="1050">
+                <a:solidFill>
+                  <a:schemeClr val="dk1"/>
+                </a:solidFill>
+                <a:latin typeface="Courier New"/>
+                <a:ea typeface="Courier New"/>
+                <a:cs typeface="Courier New"/>
+                <a:sym typeface="Courier New"/>
+              </a:rPr>
+              <a:t>     _decimal,</a:t>
+            </a:r>
+            <a:endParaRPr sz="1050">
+              <a:solidFill>
+                <a:schemeClr val="dk1"/>
+              </a:solidFill>
+              <a:latin typeface="Courier New"/>
+              <a:ea typeface="Courier New"/>
+              <a:cs typeface="Courier New"/>
+              <a:sym typeface="Courier New"/>
+            </a:endParaRPr>
+          </a:p>
+          <a:p>
+            <a:pPr indent="0" lvl="0" marL="0" rtl="0" algn="l">
+              <a:lnSpc>
+                <a:spcPct val="135714"/>
+              </a:lnSpc>
+              <a:spcBef>
+                <a:spcPts val="0"/>
+              </a:spcBef>
+              <a:spcAft>
+                <a:spcPts val="0"/>
+              </a:spcAft>
+              <a:buClr>
+                <a:schemeClr val="dk1"/>
+              </a:buClr>
+              <a:buSzPts val="1100"/>
+              <a:buFont typeface="Arial"/>
+              <a:buNone/>
+            </a:pPr>
+            <a:r>
+              <a:rPr lang="es" sz="1050">
+                <a:solidFill>
+                  <a:schemeClr val="dk1"/>
+                </a:solidFill>
+                <a:latin typeface="Courier New"/>
+                <a:ea typeface="Courier New"/>
+                <a:cs typeface="Courier New"/>
+                <a:sym typeface="Courier New"/>
+              </a:rPr>
+              <a:t>     _binary,</a:t>
+            </a:r>
+            <a:endParaRPr sz="1050">
+              <a:solidFill>
+                <a:schemeClr val="dk1"/>
+              </a:solidFill>
+              <a:latin typeface="Courier New"/>
+              <a:ea typeface="Courier New"/>
+              <a:cs typeface="Courier New"/>
+              <a:sym typeface="Courier New"/>
+            </a:endParaRPr>
+          </a:p>
+          <a:p>
+            <a:pPr indent="0" lvl="0" marL="0" rtl="0" algn="l">
+              <a:lnSpc>
+                <a:spcPct val="135714"/>
+              </a:lnSpc>
+              <a:spcBef>
+                <a:spcPts val="0"/>
+              </a:spcBef>
+              <a:spcAft>
+                <a:spcPts val="0"/>
+              </a:spcAft>
+              <a:buClr>
+                <a:schemeClr val="dk1"/>
+              </a:buClr>
+              <a:buSzPts val="1100"/>
+              <a:buFont typeface="Arial"/>
+              <a:buNone/>
+            </a:pPr>
+            <a:r>
+              <a:rPr lang="es" sz="1050">
+                <a:solidFill>
+                  <a:schemeClr val="dk1"/>
+                </a:solidFill>
+                <a:latin typeface="Courier New"/>
+                <a:ea typeface="Courier New"/>
+                <a:cs typeface="Courier New"/>
+                <a:sym typeface="Courier New"/>
+              </a:rPr>
+              <a:t>   );</a:t>
+            </a:r>
+            <a:endParaRPr sz="1050">
+              <a:solidFill>
+                <a:schemeClr val="dk1"/>
+              </a:solidFill>
+              <a:latin typeface="Courier New"/>
+              <a:ea typeface="Courier New"/>
+              <a:cs typeface="Courier New"/>
+              <a:sym typeface="Courier New"/>
+            </a:endParaRPr>
+          </a:p>
+          <a:p>
+            <a:pPr indent="0" lvl="0" marL="0" rtl="0" algn="l">
+              <a:lnSpc>
+                <a:spcPct val="135714"/>
+              </a:lnSpc>
+              <a:spcBef>
+                <a:spcPts val="0"/>
+              </a:spcBef>
+              <a:spcAft>
+                <a:spcPts val="0"/>
+              </a:spcAft>
+              <a:buClr>
+                <a:schemeClr val="dk1"/>
+              </a:buClr>
+              <a:buSzPts val="1100"/>
+              <a:buFont typeface="Arial"/>
+              <a:buNone/>
+            </a:pPr>
+            <a:r>
+              <a:rPr lang="es" sz="1050">
+                <a:solidFill>
+                  <a:schemeClr val="dk1"/>
+                </a:solidFill>
+                <a:latin typeface="Courier New"/>
+                <a:ea typeface="Courier New"/>
+                <a:cs typeface="Courier New"/>
+                <a:sym typeface="Courier New"/>
+              </a:rPr>
+              <a:t> }</a:t>
+            </a:r>
+            <a:endParaRPr sz="1050">
+              <a:solidFill>
+                <a:schemeClr val="dk1"/>
+              </a:solidFill>
+              <a:latin typeface="Courier New"/>
+              <a:ea typeface="Courier New"/>
+              <a:cs typeface="Courier New"/>
+              <a:sym typeface="Courier New"/>
+            </a:endParaRPr>
+          </a:p>
+          <a:p>
+            <a:pPr indent="0" lvl="0" marL="0" rtl="0" algn="l">
+              <a:lnSpc>
+                <a:spcPct val="135714"/>
+              </a:lnSpc>
+              <a:spcBef>
+                <a:spcPts val="0"/>
+              </a:spcBef>
+              <a:spcAft>
+                <a:spcPts val="0"/>
+              </a:spcAft>
+              <a:buClr>
+                <a:schemeClr val="dk1"/>
+              </a:buClr>
+              <a:buSzPts val="1100"/>
+              <a:buFont typeface="Arial"/>
+              <a:buNone/>
+            </a:pPr>
+            <a:r>
+              <a:t/>
+            </a:r>
+            <a:endParaRPr sz="1050">
+              <a:solidFill>
+                <a:schemeClr val="dk1"/>
+              </a:solidFill>
+              <a:latin typeface="Courier New"/>
+              <a:ea typeface="Courier New"/>
+              <a:cs typeface="Courier New"/>
+              <a:sym typeface="Courier New"/>
+            </a:endParaRPr>
+          </a:p>
+          <a:p>
+            <a:pPr indent="0" lvl="0" marL="0" rtl="0" algn="l">
+              <a:lnSpc>
+                <a:spcPct val="135714"/>
+              </a:lnSpc>
+              <a:spcBef>
+                <a:spcPts val="0"/>
+              </a:spcBef>
+              <a:spcAft>
+                <a:spcPts val="0"/>
+              </a:spcAft>
+              <a:buClr>
+                <a:schemeClr val="dk1"/>
+              </a:buClr>
+              <a:buSzPts val="1100"/>
+              <a:buFont typeface="Arial"/>
+              <a:buNone/>
+            </a:pPr>
+            <a:r>
+              <a:rPr lang="es" sz="1050">
+                <a:solidFill>
+                  <a:schemeClr val="dk1"/>
+                </a:solidFill>
+                <a:latin typeface="Courier New"/>
+                <a:ea typeface="Courier New"/>
+                <a:cs typeface="Courier New"/>
+                <a:sym typeface="Courier New"/>
+              </a:rPr>
+              <a:t> if (event is ResetEvent) {</a:t>
+            </a:r>
+            <a:endParaRPr sz="1050">
+              <a:solidFill>
+                <a:schemeClr val="dk1"/>
+              </a:solidFill>
+              <a:latin typeface="Courier New"/>
+              <a:ea typeface="Courier New"/>
+              <a:cs typeface="Courier New"/>
+              <a:sym typeface="Courier New"/>
+            </a:endParaRPr>
+          </a:p>
+          <a:p>
+            <a:pPr indent="0" lvl="0" marL="0" rtl="0" algn="l">
+              <a:lnSpc>
+                <a:spcPct val="135714"/>
+              </a:lnSpc>
+              <a:spcBef>
+                <a:spcPts val="0"/>
+              </a:spcBef>
+              <a:spcAft>
+                <a:spcPts val="0"/>
+              </a:spcAft>
+              <a:buClr>
+                <a:schemeClr val="dk1"/>
+              </a:buClr>
+              <a:buSzPts val="1100"/>
+              <a:buFont typeface="Arial"/>
+              <a:buNone/>
+            </a:pPr>
+            <a:r>
+              <a:rPr lang="es" sz="1050">
+                <a:solidFill>
+                  <a:schemeClr val="dk1"/>
+                </a:solidFill>
+                <a:latin typeface="Courier New"/>
+                <a:ea typeface="Courier New"/>
+                <a:cs typeface="Courier New"/>
+                <a:sym typeface="Courier New"/>
+              </a:rPr>
+              <a:t>   _binary = "0";</a:t>
+            </a:r>
+            <a:endParaRPr sz="1050">
+              <a:solidFill>
+                <a:schemeClr val="dk1"/>
+              </a:solidFill>
+              <a:latin typeface="Courier New"/>
+              <a:ea typeface="Courier New"/>
+              <a:cs typeface="Courier New"/>
+              <a:sym typeface="Courier New"/>
+            </a:endParaRPr>
+          </a:p>
+          <a:p>
+            <a:pPr indent="0" lvl="0" marL="0" rtl="0" algn="l">
+              <a:lnSpc>
+                <a:spcPct val="135714"/>
+              </a:lnSpc>
+              <a:spcBef>
+                <a:spcPts val="0"/>
+              </a:spcBef>
+              <a:spcAft>
+                <a:spcPts val="0"/>
+              </a:spcAft>
+              <a:buClr>
+                <a:schemeClr val="dk1"/>
+              </a:buClr>
+              <a:buSzPts val="1100"/>
+              <a:buFont typeface="Arial"/>
+              <a:buNone/>
+            </a:pPr>
+            <a:r>
+              <a:rPr lang="es" sz="1050">
+                <a:solidFill>
+                  <a:schemeClr val="dk1"/>
+                </a:solidFill>
+                <a:latin typeface="Courier New"/>
+                <a:ea typeface="Courier New"/>
+                <a:cs typeface="Courier New"/>
+                <a:sym typeface="Courier New"/>
+              </a:rPr>
+              <a:t>   _decimal = "0";</a:t>
+            </a:r>
+            <a:endParaRPr sz="1050">
+              <a:solidFill>
+                <a:schemeClr val="dk1"/>
+              </a:solidFill>
+              <a:latin typeface="Courier New"/>
+              <a:ea typeface="Courier New"/>
+              <a:cs typeface="Courier New"/>
+              <a:sym typeface="Courier New"/>
+            </a:endParaRPr>
+          </a:p>
+          <a:p>
+            <a:pPr indent="0" lvl="0" marL="0" rtl="0" algn="l">
+              <a:lnSpc>
+                <a:spcPct val="135714"/>
+              </a:lnSpc>
+              <a:spcBef>
+                <a:spcPts val="0"/>
+              </a:spcBef>
+              <a:spcAft>
+                <a:spcPts val="0"/>
+              </a:spcAft>
+              <a:buClr>
+                <a:schemeClr val="dk1"/>
+              </a:buClr>
+              <a:buSzPts val="1100"/>
+              <a:buFont typeface="Arial"/>
+              <a:buNone/>
+            </a:pPr>
+            <a:r>
+              <a:t/>
+            </a:r>
+            <a:endParaRPr sz="1050">
+              <a:solidFill>
+                <a:schemeClr val="dk1"/>
+              </a:solidFill>
+              <a:latin typeface="Courier New"/>
+              <a:ea typeface="Courier New"/>
+              <a:cs typeface="Courier New"/>
+              <a:sym typeface="Courier New"/>
+            </a:endParaRPr>
+          </a:p>
+          <a:p>
+            <a:pPr indent="0" lvl="0" marL="0" rtl="0" algn="l">
+              <a:lnSpc>
+                <a:spcPct val="135714"/>
+              </a:lnSpc>
+              <a:spcBef>
+                <a:spcPts val="0"/>
+              </a:spcBef>
+              <a:spcAft>
+                <a:spcPts val="0"/>
+              </a:spcAft>
+              <a:buClr>
+                <a:schemeClr val="dk1"/>
+              </a:buClr>
+              <a:buSzPts val="1100"/>
+              <a:buFont typeface="Arial"/>
+              <a:buNone/>
+            </a:pPr>
+            <a:r>
+              <a:rPr lang="es" sz="1050">
+                <a:solidFill>
+                  <a:schemeClr val="dk1"/>
+                </a:solidFill>
+                <a:latin typeface="Courier New"/>
+                <a:ea typeface="Courier New"/>
+                <a:cs typeface="Courier New"/>
+                <a:sym typeface="Courier New"/>
+              </a:rPr>
+              <a:t>   yield ConverterState(</a:t>
+            </a:r>
+            <a:endParaRPr sz="1050">
+              <a:solidFill>
+                <a:schemeClr val="dk1"/>
+              </a:solidFill>
+              <a:latin typeface="Courier New"/>
+              <a:ea typeface="Courier New"/>
+              <a:cs typeface="Courier New"/>
+              <a:sym typeface="Courier New"/>
+            </a:endParaRPr>
+          </a:p>
+          <a:p>
+            <a:pPr indent="0" lvl="0" marL="0" rtl="0" algn="l">
+              <a:lnSpc>
+                <a:spcPct val="135714"/>
+              </a:lnSpc>
+              <a:spcBef>
+                <a:spcPts val="0"/>
+              </a:spcBef>
+              <a:spcAft>
+                <a:spcPts val="0"/>
+              </a:spcAft>
+              <a:buClr>
+                <a:schemeClr val="dk1"/>
+              </a:buClr>
+              <a:buSzPts val="1100"/>
+              <a:buFont typeface="Arial"/>
+              <a:buNone/>
+            </a:pPr>
+            <a:r>
+              <a:rPr lang="es" sz="1050">
+                <a:solidFill>
+                  <a:schemeClr val="dk1"/>
+                </a:solidFill>
+                <a:latin typeface="Courier New"/>
+                <a:ea typeface="Courier New"/>
+                <a:cs typeface="Courier New"/>
+                <a:sym typeface="Courier New"/>
+              </a:rPr>
+              <a:t>     _decimal,</a:t>
+            </a:r>
+            <a:endParaRPr sz="1050">
+              <a:solidFill>
+                <a:schemeClr val="dk1"/>
+              </a:solidFill>
+              <a:latin typeface="Courier New"/>
+              <a:ea typeface="Courier New"/>
+              <a:cs typeface="Courier New"/>
+              <a:sym typeface="Courier New"/>
+            </a:endParaRPr>
+          </a:p>
+          <a:p>
+            <a:pPr indent="0" lvl="0" marL="0" rtl="0" algn="l">
+              <a:lnSpc>
+                <a:spcPct val="135714"/>
+              </a:lnSpc>
+              <a:spcBef>
+                <a:spcPts val="0"/>
+              </a:spcBef>
+              <a:spcAft>
+                <a:spcPts val="0"/>
+              </a:spcAft>
+              <a:buClr>
+                <a:schemeClr val="dk1"/>
+              </a:buClr>
+              <a:buSzPts val="1100"/>
+              <a:buFont typeface="Arial"/>
+              <a:buNone/>
+            </a:pPr>
+            <a:r>
+              <a:rPr lang="es" sz="1050">
+                <a:solidFill>
+                  <a:schemeClr val="dk1"/>
+                </a:solidFill>
+                <a:latin typeface="Courier New"/>
+                <a:ea typeface="Courier New"/>
+                <a:cs typeface="Courier New"/>
+                <a:sym typeface="Courier New"/>
+              </a:rPr>
+              <a:t>     _binary,</a:t>
+            </a:r>
+            <a:endParaRPr sz="1050">
+              <a:solidFill>
+                <a:schemeClr val="dk1"/>
+              </a:solidFill>
+              <a:latin typeface="Courier New"/>
+              <a:ea typeface="Courier New"/>
+              <a:cs typeface="Courier New"/>
+              <a:sym typeface="Courier New"/>
+            </a:endParaRPr>
+          </a:p>
+          <a:p>
+            <a:pPr indent="0" lvl="0" marL="0" rtl="0" algn="l">
+              <a:lnSpc>
+                <a:spcPct val="135714"/>
+              </a:lnSpc>
+              <a:spcBef>
+                <a:spcPts val="0"/>
+              </a:spcBef>
+              <a:spcAft>
+                <a:spcPts val="0"/>
+              </a:spcAft>
+              <a:buClr>
+                <a:schemeClr val="dk1"/>
+              </a:buClr>
+              <a:buSzPts val="1100"/>
+              <a:buFont typeface="Arial"/>
+              <a:buNone/>
+            </a:pPr>
+            <a:r>
+              <a:rPr lang="es" sz="1050">
+                <a:solidFill>
+                  <a:schemeClr val="dk1"/>
+                </a:solidFill>
+                <a:latin typeface="Courier New"/>
+                <a:ea typeface="Courier New"/>
+                <a:cs typeface="Courier New"/>
+                <a:sym typeface="Courier New"/>
+              </a:rPr>
+              <a:t>   );</a:t>
+            </a:r>
+            <a:endParaRPr sz="1050">
+              <a:solidFill>
+                <a:schemeClr val="dk1"/>
+              </a:solidFill>
+              <a:latin typeface="Courier New"/>
+              <a:ea typeface="Courier New"/>
+              <a:cs typeface="Courier New"/>
+              <a:sym typeface="Courier New"/>
+            </a:endParaRPr>
+          </a:p>
+          <a:p>
+            <a:pPr indent="0" lvl="0" marL="0" rtl="0" algn="l">
+              <a:lnSpc>
+                <a:spcPct val="135714"/>
+              </a:lnSpc>
+              <a:spcBef>
+                <a:spcPts val="0"/>
+              </a:spcBef>
+              <a:spcAft>
+                <a:spcPts val="0"/>
+              </a:spcAft>
+              <a:buClr>
+                <a:schemeClr val="dk1"/>
+              </a:buClr>
+              <a:buSzPts val="1100"/>
+              <a:buFont typeface="Arial"/>
+              <a:buNone/>
+            </a:pPr>
+            <a:r>
+              <a:rPr lang="es" sz="1050">
+                <a:solidFill>
+                  <a:schemeClr val="dk1"/>
+                </a:solidFill>
+                <a:latin typeface="Courier New"/>
+                <a:ea typeface="Courier New"/>
+                <a:cs typeface="Courier New"/>
+                <a:sym typeface="Courier New"/>
+              </a:rPr>
+              <a:t> }</a:t>
+            </a:r>
+            <a:endParaRPr sz="1050">
+              <a:solidFill>
+                <a:schemeClr val="dk1"/>
+              </a:solidFill>
+              <a:latin typeface="Courier New"/>
+              <a:ea typeface="Courier New"/>
+              <a:cs typeface="Courier New"/>
+              <a:sym typeface="Courier New"/>
+            </a:endParaRPr>
+          </a:p>
+          <a:p>
+            <a:pPr indent="0" lvl="0" marL="0" rtl="0" algn="l">
+              <a:lnSpc>
+                <a:spcPct val="135714"/>
+              </a:lnSpc>
+              <a:spcBef>
+                <a:spcPts val="0"/>
+              </a:spcBef>
+              <a:spcAft>
+                <a:spcPts val="0"/>
+              </a:spcAft>
+              <a:buClr>
+                <a:schemeClr val="dk1"/>
+              </a:buClr>
+              <a:buSzPts val="1100"/>
+              <a:buFont typeface="Arial"/>
+              <a:buNone/>
+            </a:pPr>
+            <a:r>
+              <a:rPr lang="es" sz="1050">
+                <a:solidFill>
+                  <a:schemeClr val="dk1"/>
+                </a:solidFill>
+                <a:latin typeface="Courier New"/>
+                <a:ea typeface="Courier New"/>
+                <a:cs typeface="Courier New"/>
+                <a:sym typeface="Courier New"/>
+              </a:rPr>
+              <a:t>}</a:t>
+            </a:r>
+            <a:endParaRPr sz="1050">
+              <a:solidFill>
+                <a:schemeClr val="dk1"/>
+              </a:solidFill>
+              <a:latin typeface="Courier New"/>
+              <a:ea typeface="Courier New"/>
+              <a:cs typeface="Courier New"/>
+              <a:sym typeface="Courier New"/>
+            </a:endParaRPr>
+          </a:p>
+          <a:p>
+            <a:pPr indent="0" lvl="0" marL="0" rtl="0" algn="l">
+              <a:lnSpc>
+                <a:spcPct val="100000"/>
+              </a:lnSpc>
+              <a:spcBef>
+                <a:spcPts val="0"/>
+              </a:spcBef>
+              <a:spcAft>
+                <a:spcPts val="0"/>
+              </a:spcAft>
+              <a:buSzPts val="1100"/>
+              <a:buNone/>
+            </a:pPr>
+            <a:r>
+              <a:t/>
+            </a:r>
+            <a:endParaRPr>
+              <a:solidFill>
+                <a:schemeClr val="dk1"/>
+              </a:solidFill>
+            </a:endParaRPr>
           </a:p>
         </p:txBody>
       </p:sp>
@@ -1494,21 +5563,1073 @@
           <a:p>
             <a:pPr indent="0" lvl="0" marL="0" rtl="0" algn="l">
               <a:lnSpc>
-                <a:spcPct val="100000"/>
-              </a:lnSpc>
-              <a:spcBef>
-                <a:spcPts val="0"/>
-              </a:spcBef>
-              <a:spcAft>
-                <a:spcPts val="0"/>
-              </a:spcAft>
+                <a:spcPct val="135714"/>
+              </a:lnSpc>
+              <a:spcBef>
+                <a:spcPts val="0"/>
+              </a:spcBef>
+              <a:spcAft>
+                <a:spcPts val="0"/>
+              </a:spcAft>
+              <a:buClr>
+                <a:schemeClr val="dk1"/>
+              </a:buClr>
               <a:buSzPts val="1100"/>
+              <a:buFont typeface="Arial"/>
+              <a:buNone/>
+            </a:pPr>
+            <a:r>
+              <a:rPr lang="es" sz="1050">
+                <a:solidFill>
+                  <a:schemeClr val="dk1"/>
+                </a:solidFill>
+                <a:latin typeface="Courier New"/>
+                <a:ea typeface="Courier New"/>
+                <a:cs typeface="Courier New"/>
+                <a:sym typeface="Courier New"/>
+              </a:rPr>
+              <a:t>import 'package:equatable/equatable.dart';</a:t>
+            </a:r>
+            <a:endParaRPr sz="1050">
+              <a:solidFill>
+                <a:schemeClr val="dk1"/>
+              </a:solidFill>
+              <a:latin typeface="Courier New"/>
+              <a:ea typeface="Courier New"/>
+              <a:cs typeface="Courier New"/>
+              <a:sym typeface="Courier New"/>
+            </a:endParaRPr>
+          </a:p>
+          <a:p>
+            <a:pPr indent="0" lvl="0" marL="0" rtl="0" algn="l">
+              <a:lnSpc>
+                <a:spcPct val="135714"/>
+              </a:lnSpc>
+              <a:spcBef>
+                <a:spcPts val="0"/>
+              </a:spcBef>
+              <a:spcAft>
+                <a:spcPts val="0"/>
+              </a:spcAft>
+              <a:buClr>
+                <a:schemeClr val="dk1"/>
+              </a:buClr>
+              <a:buSzPts val="1100"/>
+              <a:buFont typeface="Arial"/>
               <a:buNone/>
             </a:pPr>
             <a:r>
               <a:t/>
             </a:r>
-            <a:endParaRPr/>
+            <a:endParaRPr sz="1050">
+              <a:solidFill>
+                <a:schemeClr val="dk1"/>
+              </a:solidFill>
+              <a:latin typeface="Courier New"/>
+              <a:ea typeface="Courier New"/>
+              <a:cs typeface="Courier New"/>
+              <a:sym typeface="Courier New"/>
+            </a:endParaRPr>
+          </a:p>
+          <a:p>
+            <a:pPr indent="0" lvl="0" marL="0" rtl="0" algn="l">
+              <a:lnSpc>
+                <a:spcPct val="135714"/>
+              </a:lnSpc>
+              <a:spcBef>
+                <a:spcPts val="0"/>
+              </a:spcBef>
+              <a:spcAft>
+                <a:spcPts val="0"/>
+              </a:spcAft>
+              <a:buClr>
+                <a:schemeClr val="dk1"/>
+              </a:buClr>
+              <a:buSzPts val="1100"/>
+              <a:buFont typeface="Arial"/>
+              <a:buNone/>
+            </a:pPr>
+            <a:r>
+              <a:rPr lang="es" sz="1050">
+                <a:solidFill>
+                  <a:schemeClr val="dk1"/>
+                </a:solidFill>
+                <a:latin typeface="Courier New"/>
+                <a:ea typeface="Courier New"/>
+                <a:cs typeface="Courier New"/>
+                <a:sym typeface="Courier New"/>
+              </a:rPr>
+              <a:t>abstract class ConvertionEvent extends Equatable {</a:t>
+            </a:r>
+            <a:endParaRPr sz="1050">
+              <a:solidFill>
+                <a:schemeClr val="dk1"/>
+              </a:solidFill>
+              <a:latin typeface="Courier New"/>
+              <a:ea typeface="Courier New"/>
+              <a:cs typeface="Courier New"/>
+              <a:sym typeface="Courier New"/>
+            </a:endParaRPr>
+          </a:p>
+          <a:p>
+            <a:pPr indent="0" lvl="0" marL="0" rtl="0" algn="l">
+              <a:lnSpc>
+                <a:spcPct val="135714"/>
+              </a:lnSpc>
+              <a:spcBef>
+                <a:spcPts val="0"/>
+              </a:spcBef>
+              <a:spcAft>
+                <a:spcPts val="0"/>
+              </a:spcAft>
+              <a:buClr>
+                <a:schemeClr val="dk1"/>
+              </a:buClr>
+              <a:buSzPts val="1100"/>
+              <a:buFont typeface="Arial"/>
+              <a:buNone/>
+            </a:pPr>
+            <a:r>
+              <a:rPr lang="es" sz="1050">
+                <a:solidFill>
+                  <a:schemeClr val="dk1"/>
+                </a:solidFill>
+                <a:latin typeface="Courier New"/>
+                <a:ea typeface="Courier New"/>
+                <a:cs typeface="Courier New"/>
+                <a:sym typeface="Courier New"/>
+              </a:rPr>
+              <a:t> const ConvertionEvent();</a:t>
+            </a:r>
+            <a:endParaRPr sz="1050">
+              <a:solidFill>
+                <a:schemeClr val="dk1"/>
+              </a:solidFill>
+              <a:latin typeface="Courier New"/>
+              <a:ea typeface="Courier New"/>
+              <a:cs typeface="Courier New"/>
+              <a:sym typeface="Courier New"/>
+            </a:endParaRPr>
+          </a:p>
+          <a:p>
+            <a:pPr indent="0" lvl="0" marL="0" rtl="0" algn="l">
+              <a:lnSpc>
+                <a:spcPct val="135714"/>
+              </a:lnSpc>
+              <a:spcBef>
+                <a:spcPts val="0"/>
+              </a:spcBef>
+              <a:spcAft>
+                <a:spcPts val="0"/>
+              </a:spcAft>
+              <a:buClr>
+                <a:schemeClr val="dk1"/>
+              </a:buClr>
+              <a:buSzPts val="1100"/>
+              <a:buFont typeface="Arial"/>
+              <a:buNone/>
+            </a:pPr>
+            <a:r>
+              <a:rPr lang="es" sz="1050">
+                <a:solidFill>
+                  <a:schemeClr val="dk1"/>
+                </a:solidFill>
+                <a:latin typeface="Courier New"/>
+                <a:ea typeface="Courier New"/>
+                <a:cs typeface="Courier New"/>
+                <a:sym typeface="Courier New"/>
+              </a:rPr>
+              <a:t>}</a:t>
+            </a:r>
+            <a:endParaRPr sz="1050">
+              <a:solidFill>
+                <a:schemeClr val="dk1"/>
+              </a:solidFill>
+              <a:latin typeface="Courier New"/>
+              <a:ea typeface="Courier New"/>
+              <a:cs typeface="Courier New"/>
+              <a:sym typeface="Courier New"/>
+            </a:endParaRPr>
+          </a:p>
+          <a:p>
+            <a:pPr indent="0" lvl="0" marL="0" rtl="0" algn="l">
+              <a:lnSpc>
+                <a:spcPct val="135714"/>
+              </a:lnSpc>
+              <a:spcBef>
+                <a:spcPts val="0"/>
+              </a:spcBef>
+              <a:spcAft>
+                <a:spcPts val="0"/>
+              </a:spcAft>
+              <a:buClr>
+                <a:schemeClr val="dk1"/>
+              </a:buClr>
+              <a:buSzPts val="1100"/>
+              <a:buFont typeface="Arial"/>
+              <a:buNone/>
+            </a:pPr>
+            <a:r>
+              <a:t/>
+            </a:r>
+            <a:endParaRPr sz="1050">
+              <a:solidFill>
+                <a:schemeClr val="dk1"/>
+              </a:solidFill>
+              <a:latin typeface="Courier New"/>
+              <a:ea typeface="Courier New"/>
+              <a:cs typeface="Courier New"/>
+              <a:sym typeface="Courier New"/>
+            </a:endParaRPr>
+          </a:p>
+          <a:p>
+            <a:pPr indent="0" lvl="0" marL="0" rtl="0" algn="l">
+              <a:lnSpc>
+                <a:spcPct val="135714"/>
+              </a:lnSpc>
+              <a:spcBef>
+                <a:spcPts val="0"/>
+              </a:spcBef>
+              <a:spcAft>
+                <a:spcPts val="0"/>
+              </a:spcAft>
+              <a:buClr>
+                <a:schemeClr val="dk1"/>
+              </a:buClr>
+              <a:buSzPts val="1100"/>
+              <a:buFont typeface="Arial"/>
+              <a:buNone/>
+            </a:pPr>
+            <a:r>
+              <a:rPr lang="es" sz="1050">
+                <a:solidFill>
+                  <a:schemeClr val="dk1"/>
+                </a:solidFill>
+                <a:latin typeface="Courier New"/>
+                <a:ea typeface="Courier New"/>
+                <a:cs typeface="Courier New"/>
+                <a:sym typeface="Courier New"/>
+              </a:rPr>
+              <a:t>class UpdateDecimalEvent extends ConvertionEvent {</a:t>
+            </a:r>
+            <a:endParaRPr sz="1050">
+              <a:solidFill>
+                <a:schemeClr val="dk1"/>
+              </a:solidFill>
+              <a:latin typeface="Courier New"/>
+              <a:ea typeface="Courier New"/>
+              <a:cs typeface="Courier New"/>
+              <a:sym typeface="Courier New"/>
+            </a:endParaRPr>
+          </a:p>
+          <a:p>
+            <a:pPr indent="0" lvl="0" marL="0" rtl="0" algn="l">
+              <a:lnSpc>
+                <a:spcPct val="135714"/>
+              </a:lnSpc>
+              <a:spcBef>
+                <a:spcPts val="0"/>
+              </a:spcBef>
+              <a:spcAft>
+                <a:spcPts val="0"/>
+              </a:spcAft>
+              <a:buClr>
+                <a:schemeClr val="dk1"/>
+              </a:buClr>
+              <a:buSzPts val="1100"/>
+              <a:buFont typeface="Arial"/>
+              <a:buNone/>
+            </a:pPr>
+            <a:r>
+              <a:rPr lang="es" sz="1050">
+                <a:solidFill>
+                  <a:schemeClr val="dk1"/>
+                </a:solidFill>
+                <a:latin typeface="Courier New"/>
+                <a:ea typeface="Courier New"/>
+                <a:cs typeface="Courier New"/>
+                <a:sym typeface="Courier New"/>
+              </a:rPr>
+              <a:t> final int digit;</a:t>
+            </a:r>
+            <a:endParaRPr sz="1050">
+              <a:solidFill>
+                <a:schemeClr val="dk1"/>
+              </a:solidFill>
+              <a:latin typeface="Courier New"/>
+              <a:ea typeface="Courier New"/>
+              <a:cs typeface="Courier New"/>
+              <a:sym typeface="Courier New"/>
+            </a:endParaRPr>
+          </a:p>
+          <a:p>
+            <a:pPr indent="0" lvl="0" marL="0" rtl="0" algn="l">
+              <a:lnSpc>
+                <a:spcPct val="135714"/>
+              </a:lnSpc>
+              <a:spcBef>
+                <a:spcPts val="0"/>
+              </a:spcBef>
+              <a:spcAft>
+                <a:spcPts val="0"/>
+              </a:spcAft>
+              <a:buClr>
+                <a:schemeClr val="dk1"/>
+              </a:buClr>
+              <a:buSzPts val="1100"/>
+              <a:buFont typeface="Arial"/>
+              <a:buNone/>
+            </a:pPr>
+            <a:r>
+              <a:t/>
+            </a:r>
+            <a:endParaRPr sz="1050">
+              <a:solidFill>
+                <a:schemeClr val="dk1"/>
+              </a:solidFill>
+              <a:latin typeface="Courier New"/>
+              <a:ea typeface="Courier New"/>
+              <a:cs typeface="Courier New"/>
+              <a:sym typeface="Courier New"/>
+            </a:endParaRPr>
+          </a:p>
+          <a:p>
+            <a:pPr indent="0" lvl="0" marL="0" rtl="0" algn="l">
+              <a:lnSpc>
+                <a:spcPct val="135714"/>
+              </a:lnSpc>
+              <a:spcBef>
+                <a:spcPts val="0"/>
+              </a:spcBef>
+              <a:spcAft>
+                <a:spcPts val="0"/>
+              </a:spcAft>
+              <a:buClr>
+                <a:schemeClr val="dk1"/>
+              </a:buClr>
+              <a:buSzPts val="1100"/>
+              <a:buFont typeface="Arial"/>
+              <a:buNone/>
+            </a:pPr>
+            <a:r>
+              <a:rPr lang="es" sz="1050">
+                <a:solidFill>
+                  <a:schemeClr val="dk1"/>
+                </a:solidFill>
+                <a:latin typeface="Courier New"/>
+                <a:ea typeface="Courier New"/>
+                <a:cs typeface="Courier New"/>
+                <a:sym typeface="Courier New"/>
+              </a:rPr>
+              <a:t> UpdateDecimalEvent(this.digit);</a:t>
+            </a:r>
+            <a:endParaRPr sz="1050">
+              <a:solidFill>
+                <a:schemeClr val="dk1"/>
+              </a:solidFill>
+              <a:latin typeface="Courier New"/>
+              <a:ea typeface="Courier New"/>
+              <a:cs typeface="Courier New"/>
+              <a:sym typeface="Courier New"/>
+            </a:endParaRPr>
+          </a:p>
+          <a:p>
+            <a:pPr indent="0" lvl="0" marL="0" rtl="0" algn="l">
+              <a:lnSpc>
+                <a:spcPct val="135714"/>
+              </a:lnSpc>
+              <a:spcBef>
+                <a:spcPts val="0"/>
+              </a:spcBef>
+              <a:spcAft>
+                <a:spcPts val="0"/>
+              </a:spcAft>
+              <a:buClr>
+                <a:schemeClr val="dk1"/>
+              </a:buClr>
+              <a:buSzPts val="1100"/>
+              <a:buFont typeface="Arial"/>
+              <a:buNone/>
+            </a:pPr>
+            <a:r>
+              <a:t/>
+            </a:r>
+            <a:endParaRPr sz="1050">
+              <a:solidFill>
+                <a:schemeClr val="dk1"/>
+              </a:solidFill>
+              <a:latin typeface="Courier New"/>
+              <a:ea typeface="Courier New"/>
+              <a:cs typeface="Courier New"/>
+              <a:sym typeface="Courier New"/>
+            </a:endParaRPr>
+          </a:p>
+          <a:p>
+            <a:pPr indent="0" lvl="0" marL="0" rtl="0" algn="l">
+              <a:lnSpc>
+                <a:spcPct val="135714"/>
+              </a:lnSpc>
+              <a:spcBef>
+                <a:spcPts val="0"/>
+              </a:spcBef>
+              <a:spcAft>
+                <a:spcPts val="0"/>
+              </a:spcAft>
+              <a:buClr>
+                <a:schemeClr val="dk1"/>
+              </a:buClr>
+              <a:buSzPts val="1100"/>
+              <a:buFont typeface="Arial"/>
+              <a:buNone/>
+            </a:pPr>
+            <a:r>
+              <a:rPr lang="es" sz="1050">
+                <a:solidFill>
+                  <a:schemeClr val="dk1"/>
+                </a:solidFill>
+                <a:latin typeface="Courier New"/>
+                <a:ea typeface="Courier New"/>
+                <a:cs typeface="Courier New"/>
+                <a:sym typeface="Courier New"/>
+              </a:rPr>
+              <a:t> @override</a:t>
+            </a:r>
+            <a:endParaRPr sz="1050">
+              <a:solidFill>
+                <a:schemeClr val="dk1"/>
+              </a:solidFill>
+              <a:latin typeface="Courier New"/>
+              <a:ea typeface="Courier New"/>
+              <a:cs typeface="Courier New"/>
+              <a:sym typeface="Courier New"/>
+            </a:endParaRPr>
+          </a:p>
+          <a:p>
+            <a:pPr indent="0" lvl="0" marL="0" rtl="0" algn="l">
+              <a:lnSpc>
+                <a:spcPct val="135714"/>
+              </a:lnSpc>
+              <a:spcBef>
+                <a:spcPts val="0"/>
+              </a:spcBef>
+              <a:spcAft>
+                <a:spcPts val="0"/>
+              </a:spcAft>
+              <a:buClr>
+                <a:schemeClr val="dk1"/>
+              </a:buClr>
+              <a:buSzPts val="1100"/>
+              <a:buFont typeface="Arial"/>
+              <a:buNone/>
+            </a:pPr>
+            <a:r>
+              <a:rPr lang="es" sz="1050">
+                <a:solidFill>
+                  <a:schemeClr val="dk1"/>
+                </a:solidFill>
+                <a:latin typeface="Courier New"/>
+                <a:ea typeface="Courier New"/>
+                <a:cs typeface="Courier New"/>
+                <a:sym typeface="Courier New"/>
+              </a:rPr>
+              <a:t> List&lt;Object&gt; get props =&gt; [digit];</a:t>
+            </a:r>
+            <a:endParaRPr sz="1050">
+              <a:solidFill>
+                <a:schemeClr val="dk1"/>
+              </a:solidFill>
+              <a:latin typeface="Courier New"/>
+              <a:ea typeface="Courier New"/>
+              <a:cs typeface="Courier New"/>
+              <a:sym typeface="Courier New"/>
+            </a:endParaRPr>
+          </a:p>
+          <a:p>
+            <a:pPr indent="0" lvl="0" marL="0" rtl="0" algn="l">
+              <a:lnSpc>
+                <a:spcPct val="135714"/>
+              </a:lnSpc>
+              <a:spcBef>
+                <a:spcPts val="0"/>
+              </a:spcBef>
+              <a:spcAft>
+                <a:spcPts val="0"/>
+              </a:spcAft>
+              <a:buClr>
+                <a:schemeClr val="dk1"/>
+              </a:buClr>
+              <a:buSzPts val="1100"/>
+              <a:buFont typeface="Arial"/>
+              <a:buNone/>
+            </a:pPr>
+            <a:r>
+              <a:rPr lang="es" sz="1050">
+                <a:solidFill>
+                  <a:schemeClr val="dk1"/>
+                </a:solidFill>
+                <a:latin typeface="Courier New"/>
+                <a:ea typeface="Courier New"/>
+                <a:cs typeface="Courier New"/>
+                <a:sym typeface="Courier New"/>
+              </a:rPr>
+              <a:t>}</a:t>
+            </a:r>
+            <a:endParaRPr sz="1050">
+              <a:solidFill>
+                <a:schemeClr val="dk1"/>
+              </a:solidFill>
+              <a:latin typeface="Courier New"/>
+              <a:ea typeface="Courier New"/>
+              <a:cs typeface="Courier New"/>
+              <a:sym typeface="Courier New"/>
+            </a:endParaRPr>
+          </a:p>
+          <a:p>
+            <a:pPr indent="0" lvl="0" marL="0" rtl="0" algn="l">
+              <a:lnSpc>
+                <a:spcPct val="135714"/>
+              </a:lnSpc>
+              <a:spcBef>
+                <a:spcPts val="0"/>
+              </a:spcBef>
+              <a:spcAft>
+                <a:spcPts val="0"/>
+              </a:spcAft>
+              <a:buClr>
+                <a:schemeClr val="dk1"/>
+              </a:buClr>
+              <a:buSzPts val="1100"/>
+              <a:buFont typeface="Arial"/>
+              <a:buNone/>
+            </a:pPr>
+            <a:r>
+              <a:t/>
+            </a:r>
+            <a:endParaRPr sz="1050">
+              <a:solidFill>
+                <a:schemeClr val="dk1"/>
+              </a:solidFill>
+              <a:latin typeface="Courier New"/>
+              <a:ea typeface="Courier New"/>
+              <a:cs typeface="Courier New"/>
+              <a:sym typeface="Courier New"/>
+            </a:endParaRPr>
+          </a:p>
+          <a:p>
+            <a:pPr indent="0" lvl="0" marL="0" rtl="0" algn="l">
+              <a:lnSpc>
+                <a:spcPct val="135714"/>
+              </a:lnSpc>
+              <a:spcBef>
+                <a:spcPts val="0"/>
+              </a:spcBef>
+              <a:spcAft>
+                <a:spcPts val="0"/>
+              </a:spcAft>
+              <a:buClr>
+                <a:schemeClr val="dk1"/>
+              </a:buClr>
+              <a:buSzPts val="1100"/>
+              <a:buFont typeface="Arial"/>
+              <a:buNone/>
+            </a:pPr>
+            <a:r>
+              <a:rPr lang="es" sz="1050">
+                <a:solidFill>
+                  <a:schemeClr val="dk1"/>
+                </a:solidFill>
+                <a:latin typeface="Courier New"/>
+                <a:ea typeface="Courier New"/>
+                <a:cs typeface="Courier New"/>
+                <a:sym typeface="Courier New"/>
+              </a:rPr>
+              <a:t>class UpdateBinaryEvent extends ConvertionEvent {</a:t>
+            </a:r>
+            <a:endParaRPr sz="1050">
+              <a:solidFill>
+                <a:schemeClr val="dk1"/>
+              </a:solidFill>
+              <a:latin typeface="Courier New"/>
+              <a:ea typeface="Courier New"/>
+              <a:cs typeface="Courier New"/>
+              <a:sym typeface="Courier New"/>
+            </a:endParaRPr>
+          </a:p>
+          <a:p>
+            <a:pPr indent="0" lvl="0" marL="0" rtl="0" algn="l">
+              <a:lnSpc>
+                <a:spcPct val="135714"/>
+              </a:lnSpc>
+              <a:spcBef>
+                <a:spcPts val="0"/>
+              </a:spcBef>
+              <a:spcAft>
+                <a:spcPts val="0"/>
+              </a:spcAft>
+              <a:buClr>
+                <a:schemeClr val="dk1"/>
+              </a:buClr>
+              <a:buSzPts val="1100"/>
+              <a:buFont typeface="Arial"/>
+              <a:buNone/>
+            </a:pPr>
+            <a:r>
+              <a:rPr lang="es" sz="1050">
+                <a:solidFill>
+                  <a:schemeClr val="dk1"/>
+                </a:solidFill>
+                <a:latin typeface="Courier New"/>
+                <a:ea typeface="Courier New"/>
+                <a:cs typeface="Courier New"/>
+                <a:sym typeface="Courier New"/>
+              </a:rPr>
+              <a:t> final int digit;</a:t>
+            </a:r>
+            <a:endParaRPr sz="1050">
+              <a:solidFill>
+                <a:schemeClr val="dk1"/>
+              </a:solidFill>
+              <a:latin typeface="Courier New"/>
+              <a:ea typeface="Courier New"/>
+              <a:cs typeface="Courier New"/>
+              <a:sym typeface="Courier New"/>
+            </a:endParaRPr>
+          </a:p>
+          <a:p>
+            <a:pPr indent="0" lvl="0" marL="0" rtl="0" algn="l">
+              <a:lnSpc>
+                <a:spcPct val="135714"/>
+              </a:lnSpc>
+              <a:spcBef>
+                <a:spcPts val="0"/>
+              </a:spcBef>
+              <a:spcAft>
+                <a:spcPts val="0"/>
+              </a:spcAft>
+              <a:buClr>
+                <a:schemeClr val="dk1"/>
+              </a:buClr>
+              <a:buSzPts val="1100"/>
+              <a:buFont typeface="Arial"/>
+              <a:buNone/>
+            </a:pPr>
+            <a:r>
+              <a:t/>
+            </a:r>
+            <a:endParaRPr sz="1050">
+              <a:solidFill>
+                <a:schemeClr val="dk1"/>
+              </a:solidFill>
+              <a:latin typeface="Courier New"/>
+              <a:ea typeface="Courier New"/>
+              <a:cs typeface="Courier New"/>
+              <a:sym typeface="Courier New"/>
+            </a:endParaRPr>
+          </a:p>
+          <a:p>
+            <a:pPr indent="0" lvl="0" marL="0" rtl="0" algn="l">
+              <a:lnSpc>
+                <a:spcPct val="135714"/>
+              </a:lnSpc>
+              <a:spcBef>
+                <a:spcPts val="0"/>
+              </a:spcBef>
+              <a:spcAft>
+                <a:spcPts val="0"/>
+              </a:spcAft>
+              <a:buClr>
+                <a:schemeClr val="dk1"/>
+              </a:buClr>
+              <a:buSzPts val="1100"/>
+              <a:buFont typeface="Arial"/>
+              <a:buNone/>
+            </a:pPr>
+            <a:r>
+              <a:rPr lang="es" sz="1050">
+                <a:solidFill>
+                  <a:schemeClr val="dk1"/>
+                </a:solidFill>
+                <a:latin typeface="Courier New"/>
+                <a:ea typeface="Courier New"/>
+                <a:cs typeface="Courier New"/>
+                <a:sym typeface="Courier New"/>
+              </a:rPr>
+              <a:t> UpdateBinaryEvent(this.digit);</a:t>
+            </a:r>
+            <a:endParaRPr sz="1050">
+              <a:solidFill>
+                <a:schemeClr val="dk1"/>
+              </a:solidFill>
+              <a:latin typeface="Courier New"/>
+              <a:ea typeface="Courier New"/>
+              <a:cs typeface="Courier New"/>
+              <a:sym typeface="Courier New"/>
+            </a:endParaRPr>
+          </a:p>
+          <a:p>
+            <a:pPr indent="0" lvl="0" marL="0" rtl="0" algn="l">
+              <a:lnSpc>
+                <a:spcPct val="135714"/>
+              </a:lnSpc>
+              <a:spcBef>
+                <a:spcPts val="0"/>
+              </a:spcBef>
+              <a:spcAft>
+                <a:spcPts val="0"/>
+              </a:spcAft>
+              <a:buClr>
+                <a:schemeClr val="dk1"/>
+              </a:buClr>
+              <a:buSzPts val="1100"/>
+              <a:buFont typeface="Arial"/>
+              <a:buNone/>
+            </a:pPr>
+            <a:r>
+              <a:t/>
+            </a:r>
+            <a:endParaRPr sz="1050">
+              <a:solidFill>
+                <a:schemeClr val="dk1"/>
+              </a:solidFill>
+              <a:latin typeface="Courier New"/>
+              <a:ea typeface="Courier New"/>
+              <a:cs typeface="Courier New"/>
+              <a:sym typeface="Courier New"/>
+            </a:endParaRPr>
+          </a:p>
+          <a:p>
+            <a:pPr indent="0" lvl="0" marL="0" rtl="0" algn="l">
+              <a:lnSpc>
+                <a:spcPct val="135714"/>
+              </a:lnSpc>
+              <a:spcBef>
+                <a:spcPts val="0"/>
+              </a:spcBef>
+              <a:spcAft>
+                <a:spcPts val="0"/>
+              </a:spcAft>
+              <a:buClr>
+                <a:schemeClr val="dk1"/>
+              </a:buClr>
+              <a:buSzPts val="1100"/>
+              <a:buFont typeface="Arial"/>
+              <a:buNone/>
+            </a:pPr>
+            <a:r>
+              <a:rPr lang="es" sz="1050">
+                <a:solidFill>
+                  <a:schemeClr val="dk1"/>
+                </a:solidFill>
+                <a:latin typeface="Courier New"/>
+                <a:ea typeface="Courier New"/>
+                <a:cs typeface="Courier New"/>
+                <a:sym typeface="Courier New"/>
+              </a:rPr>
+              <a:t> @override</a:t>
+            </a:r>
+            <a:endParaRPr sz="1050">
+              <a:solidFill>
+                <a:schemeClr val="dk1"/>
+              </a:solidFill>
+              <a:latin typeface="Courier New"/>
+              <a:ea typeface="Courier New"/>
+              <a:cs typeface="Courier New"/>
+              <a:sym typeface="Courier New"/>
+            </a:endParaRPr>
+          </a:p>
+          <a:p>
+            <a:pPr indent="0" lvl="0" marL="0" rtl="0" algn="l">
+              <a:lnSpc>
+                <a:spcPct val="135714"/>
+              </a:lnSpc>
+              <a:spcBef>
+                <a:spcPts val="0"/>
+              </a:spcBef>
+              <a:spcAft>
+                <a:spcPts val="0"/>
+              </a:spcAft>
+              <a:buClr>
+                <a:schemeClr val="dk1"/>
+              </a:buClr>
+              <a:buSzPts val="1100"/>
+              <a:buFont typeface="Arial"/>
+              <a:buNone/>
+            </a:pPr>
+            <a:r>
+              <a:rPr lang="es" sz="1050">
+                <a:solidFill>
+                  <a:schemeClr val="dk1"/>
+                </a:solidFill>
+                <a:latin typeface="Courier New"/>
+                <a:ea typeface="Courier New"/>
+                <a:cs typeface="Courier New"/>
+                <a:sym typeface="Courier New"/>
+              </a:rPr>
+              <a:t> List&lt;Object&gt; get props =&gt; [digit];</a:t>
+            </a:r>
+            <a:endParaRPr sz="1050">
+              <a:solidFill>
+                <a:schemeClr val="dk1"/>
+              </a:solidFill>
+              <a:latin typeface="Courier New"/>
+              <a:ea typeface="Courier New"/>
+              <a:cs typeface="Courier New"/>
+              <a:sym typeface="Courier New"/>
+            </a:endParaRPr>
+          </a:p>
+          <a:p>
+            <a:pPr indent="0" lvl="0" marL="0" rtl="0" algn="l">
+              <a:lnSpc>
+                <a:spcPct val="135714"/>
+              </a:lnSpc>
+              <a:spcBef>
+                <a:spcPts val="0"/>
+              </a:spcBef>
+              <a:spcAft>
+                <a:spcPts val="0"/>
+              </a:spcAft>
+              <a:buClr>
+                <a:schemeClr val="dk1"/>
+              </a:buClr>
+              <a:buSzPts val="1100"/>
+              <a:buFont typeface="Arial"/>
+              <a:buNone/>
+            </a:pPr>
+            <a:r>
+              <a:rPr lang="es" sz="1050">
+                <a:solidFill>
+                  <a:schemeClr val="dk1"/>
+                </a:solidFill>
+                <a:latin typeface="Courier New"/>
+                <a:ea typeface="Courier New"/>
+                <a:cs typeface="Courier New"/>
+                <a:sym typeface="Courier New"/>
+              </a:rPr>
+              <a:t>}</a:t>
+            </a:r>
+            <a:endParaRPr sz="1050">
+              <a:solidFill>
+                <a:schemeClr val="dk1"/>
+              </a:solidFill>
+              <a:latin typeface="Courier New"/>
+              <a:ea typeface="Courier New"/>
+              <a:cs typeface="Courier New"/>
+              <a:sym typeface="Courier New"/>
+            </a:endParaRPr>
+          </a:p>
+          <a:p>
+            <a:pPr indent="0" lvl="0" marL="0" rtl="0" algn="l">
+              <a:lnSpc>
+                <a:spcPct val="135714"/>
+              </a:lnSpc>
+              <a:spcBef>
+                <a:spcPts val="0"/>
+              </a:spcBef>
+              <a:spcAft>
+                <a:spcPts val="0"/>
+              </a:spcAft>
+              <a:buClr>
+                <a:schemeClr val="dk1"/>
+              </a:buClr>
+              <a:buSzPts val="1100"/>
+              <a:buFont typeface="Arial"/>
+              <a:buNone/>
+            </a:pPr>
+            <a:r>
+              <a:t/>
+            </a:r>
+            <a:endParaRPr sz="1050">
+              <a:solidFill>
+                <a:schemeClr val="dk1"/>
+              </a:solidFill>
+              <a:latin typeface="Courier New"/>
+              <a:ea typeface="Courier New"/>
+              <a:cs typeface="Courier New"/>
+              <a:sym typeface="Courier New"/>
+            </a:endParaRPr>
+          </a:p>
+          <a:p>
+            <a:pPr indent="0" lvl="0" marL="0" rtl="0" algn="l">
+              <a:lnSpc>
+                <a:spcPct val="135714"/>
+              </a:lnSpc>
+              <a:spcBef>
+                <a:spcPts val="0"/>
+              </a:spcBef>
+              <a:spcAft>
+                <a:spcPts val="0"/>
+              </a:spcAft>
+              <a:buClr>
+                <a:schemeClr val="dk1"/>
+              </a:buClr>
+              <a:buSzPts val="1100"/>
+              <a:buFont typeface="Arial"/>
+              <a:buNone/>
+            </a:pPr>
+            <a:r>
+              <a:rPr lang="es" sz="1050">
+                <a:solidFill>
+                  <a:schemeClr val="dk1"/>
+                </a:solidFill>
+                <a:latin typeface="Courier New"/>
+                <a:ea typeface="Courier New"/>
+                <a:cs typeface="Courier New"/>
+                <a:sym typeface="Courier New"/>
+              </a:rPr>
+              <a:t>class ResendEvent extends ConvertionEvent {</a:t>
+            </a:r>
+            <a:endParaRPr sz="1050">
+              <a:solidFill>
+                <a:schemeClr val="dk1"/>
+              </a:solidFill>
+              <a:latin typeface="Courier New"/>
+              <a:ea typeface="Courier New"/>
+              <a:cs typeface="Courier New"/>
+              <a:sym typeface="Courier New"/>
+            </a:endParaRPr>
+          </a:p>
+          <a:p>
+            <a:pPr indent="0" lvl="0" marL="0" rtl="0" algn="l">
+              <a:lnSpc>
+                <a:spcPct val="135714"/>
+              </a:lnSpc>
+              <a:spcBef>
+                <a:spcPts val="0"/>
+              </a:spcBef>
+              <a:spcAft>
+                <a:spcPts val="0"/>
+              </a:spcAft>
+              <a:buClr>
+                <a:schemeClr val="dk1"/>
+              </a:buClr>
+              <a:buSzPts val="1100"/>
+              <a:buFont typeface="Arial"/>
+              <a:buNone/>
+            </a:pPr>
+            <a:r>
+              <a:rPr lang="es" sz="1050">
+                <a:solidFill>
+                  <a:schemeClr val="dk1"/>
+                </a:solidFill>
+                <a:latin typeface="Courier New"/>
+                <a:ea typeface="Courier New"/>
+                <a:cs typeface="Courier New"/>
+                <a:sym typeface="Courier New"/>
+              </a:rPr>
+              <a:t> @override</a:t>
+            </a:r>
+            <a:endParaRPr sz="1050">
+              <a:solidFill>
+                <a:schemeClr val="dk1"/>
+              </a:solidFill>
+              <a:latin typeface="Courier New"/>
+              <a:ea typeface="Courier New"/>
+              <a:cs typeface="Courier New"/>
+              <a:sym typeface="Courier New"/>
+            </a:endParaRPr>
+          </a:p>
+          <a:p>
+            <a:pPr indent="0" lvl="0" marL="0" rtl="0" algn="l">
+              <a:lnSpc>
+                <a:spcPct val="135714"/>
+              </a:lnSpc>
+              <a:spcBef>
+                <a:spcPts val="0"/>
+              </a:spcBef>
+              <a:spcAft>
+                <a:spcPts val="0"/>
+              </a:spcAft>
+              <a:buClr>
+                <a:schemeClr val="dk1"/>
+              </a:buClr>
+              <a:buSzPts val="1100"/>
+              <a:buFont typeface="Arial"/>
+              <a:buNone/>
+            </a:pPr>
+            <a:r>
+              <a:rPr lang="es" sz="1050">
+                <a:solidFill>
+                  <a:schemeClr val="dk1"/>
+                </a:solidFill>
+                <a:latin typeface="Courier New"/>
+                <a:ea typeface="Courier New"/>
+                <a:cs typeface="Courier New"/>
+                <a:sym typeface="Courier New"/>
+              </a:rPr>
+              <a:t> List&lt;Object&gt; get props =&gt; [];</a:t>
+            </a:r>
+            <a:endParaRPr sz="1050">
+              <a:solidFill>
+                <a:schemeClr val="dk1"/>
+              </a:solidFill>
+              <a:latin typeface="Courier New"/>
+              <a:ea typeface="Courier New"/>
+              <a:cs typeface="Courier New"/>
+              <a:sym typeface="Courier New"/>
+            </a:endParaRPr>
+          </a:p>
+          <a:p>
+            <a:pPr indent="0" lvl="0" marL="0" rtl="0" algn="l">
+              <a:lnSpc>
+                <a:spcPct val="135714"/>
+              </a:lnSpc>
+              <a:spcBef>
+                <a:spcPts val="0"/>
+              </a:spcBef>
+              <a:spcAft>
+                <a:spcPts val="0"/>
+              </a:spcAft>
+              <a:buClr>
+                <a:schemeClr val="dk1"/>
+              </a:buClr>
+              <a:buSzPts val="1100"/>
+              <a:buFont typeface="Arial"/>
+              <a:buNone/>
+            </a:pPr>
+            <a:r>
+              <a:rPr lang="es" sz="1050">
+                <a:solidFill>
+                  <a:schemeClr val="dk1"/>
+                </a:solidFill>
+                <a:latin typeface="Courier New"/>
+                <a:ea typeface="Courier New"/>
+                <a:cs typeface="Courier New"/>
+                <a:sym typeface="Courier New"/>
+              </a:rPr>
+              <a:t>}</a:t>
+            </a:r>
+            <a:endParaRPr sz="1050">
+              <a:solidFill>
+                <a:schemeClr val="dk1"/>
+              </a:solidFill>
+              <a:latin typeface="Courier New"/>
+              <a:ea typeface="Courier New"/>
+              <a:cs typeface="Courier New"/>
+              <a:sym typeface="Courier New"/>
+            </a:endParaRPr>
+          </a:p>
+          <a:p>
+            <a:pPr indent="0" lvl="0" marL="0" rtl="0" algn="l">
+              <a:lnSpc>
+                <a:spcPct val="100000"/>
+              </a:lnSpc>
+              <a:spcBef>
+                <a:spcPts val="0"/>
+              </a:spcBef>
+              <a:spcAft>
+                <a:spcPts val="0"/>
+              </a:spcAft>
+              <a:buSzPts val="1100"/>
+              <a:buNone/>
+            </a:pPr>
+            <a:r>
+              <a:t/>
+            </a:r>
+            <a:endParaRPr>
+              <a:solidFill>
+                <a:schemeClr val="dk1"/>
+              </a:solidFill>
+            </a:endParaRPr>
           </a:p>
         </p:txBody>
       </p:sp>
@@ -1611,21 +6732,700 @@
           <a:p>
             <a:pPr indent="0" lvl="0" marL="0" rtl="0" algn="l">
               <a:lnSpc>
-                <a:spcPct val="100000"/>
-              </a:lnSpc>
-              <a:spcBef>
-                <a:spcPts val="0"/>
-              </a:spcBef>
-              <a:spcAft>
-                <a:spcPts val="0"/>
-              </a:spcAft>
+                <a:spcPct val="135714"/>
+              </a:lnSpc>
+              <a:spcBef>
+                <a:spcPts val="0"/>
+              </a:spcBef>
+              <a:spcAft>
+                <a:spcPts val="0"/>
+              </a:spcAft>
+              <a:buClr>
+                <a:schemeClr val="dk1"/>
+              </a:buClr>
               <a:buSzPts val="1100"/>
+              <a:buFont typeface="Arial"/>
+              <a:buNone/>
+            </a:pPr>
+            <a:r>
+              <a:rPr lang="es" sz="1050">
+                <a:solidFill>
+                  <a:schemeClr val="dk1"/>
+                </a:solidFill>
+                <a:latin typeface="Courier New"/>
+                <a:ea typeface="Courier New"/>
+                <a:cs typeface="Courier New"/>
+                <a:sym typeface="Courier New"/>
+              </a:rPr>
+              <a:t>import 'package:equatable/equatable.dart';</a:t>
+            </a:r>
+            <a:endParaRPr sz="1050">
+              <a:solidFill>
+                <a:schemeClr val="dk1"/>
+              </a:solidFill>
+              <a:latin typeface="Courier New"/>
+              <a:ea typeface="Courier New"/>
+              <a:cs typeface="Courier New"/>
+              <a:sym typeface="Courier New"/>
+            </a:endParaRPr>
+          </a:p>
+          <a:p>
+            <a:pPr indent="0" lvl="0" marL="0" rtl="0" algn="l">
+              <a:lnSpc>
+                <a:spcPct val="135714"/>
+              </a:lnSpc>
+              <a:spcBef>
+                <a:spcPts val="0"/>
+              </a:spcBef>
+              <a:spcAft>
+                <a:spcPts val="0"/>
+              </a:spcAft>
+              <a:buClr>
+                <a:schemeClr val="dk1"/>
+              </a:buClr>
+              <a:buSzPts val="1100"/>
+              <a:buFont typeface="Arial"/>
               <a:buNone/>
             </a:pPr>
             <a:r>
               <a:t/>
             </a:r>
-            <a:endParaRPr/>
+            <a:endParaRPr sz="1050">
+              <a:solidFill>
+                <a:schemeClr val="dk1"/>
+              </a:solidFill>
+              <a:latin typeface="Courier New"/>
+              <a:ea typeface="Courier New"/>
+              <a:cs typeface="Courier New"/>
+              <a:sym typeface="Courier New"/>
+            </a:endParaRPr>
+          </a:p>
+          <a:p>
+            <a:pPr indent="0" lvl="0" marL="0" rtl="0" algn="l">
+              <a:lnSpc>
+                <a:spcPct val="135714"/>
+              </a:lnSpc>
+              <a:spcBef>
+                <a:spcPts val="0"/>
+              </a:spcBef>
+              <a:spcAft>
+                <a:spcPts val="0"/>
+              </a:spcAft>
+              <a:buClr>
+                <a:schemeClr val="dk1"/>
+              </a:buClr>
+              <a:buSzPts val="1100"/>
+              <a:buFont typeface="Arial"/>
+              <a:buNone/>
+            </a:pPr>
+            <a:r>
+              <a:rPr lang="es" sz="1050">
+                <a:solidFill>
+                  <a:schemeClr val="dk1"/>
+                </a:solidFill>
+                <a:latin typeface="Courier New"/>
+                <a:ea typeface="Courier New"/>
+                <a:cs typeface="Courier New"/>
+                <a:sym typeface="Courier New"/>
+              </a:rPr>
+              <a:t>abstract class AbstractConverterState extends Equatable {</a:t>
+            </a:r>
+            <a:endParaRPr sz="1050">
+              <a:solidFill>
+                <a:schemeClr val="dk1"/>
+              </a:solidFill>
+              <a:latin typeface="Courier New"/>
+              <a:ea typeface="Courier New"/>
+              <a:cs typeface="Courier New"/>
+              <a:sym typeface="Courier New"/>
+            </a:endParaRPr>
+          </a:p>
+          <a:p>
+            <a:pPr indent="0" lvl="0" marL="0" rtl="0" algn="l">
+              <a:lnSpc>
+                <a:spcPct val="135714"/>
+              </a:lnSpc>
+              <a:spcBef>
+                <a:spcPts val="0"/>
+              </a:spcBef>
+              <a:spcAft>
+                <a:spcPts val="0"/>
+              </a:spcAft>
+              <a:buClr>
+                <a:schemeClr val="dk1"/>
+              </a:buClr>
+              <a:buSzPts val="1100"/>
+              <a:buFont typeface="Arial"/>
+              <a:buNone/>
+            </a:pPr>
+            <a:r>
+              <a:rPr lang="es" sz="1050">
+                <a:solidFill>
+                  <a:schemeClr val="dk1"/>
+                </a:solidFill>
+                <a:latin typeface="Courier New"/>
+                <a:ea typeface="Courier New"/>
+                <a:cs typeface="Courier New"/>
+                <a:sym typeface="Courier New"/>
+              </a:rPr>
+              <a:t> const AbstractConverterState();</a:t>
+            </a:r>
+            <a:endParaRPr sz="1050">
+              <a:solidFill>
+                <a:schemeClr val="dk1"/>
+              </a:solidFill>
+              <a:latin typeface="Courier New"/>
+              <a:ea typeface="Courier New"/>
+              <a:cs typeface="Courier New"/>
+              <a:sym typeface="Courier New"/>
+            </a:endParaRPr>
+          </a:p>
+          <a:p>
+            <a:pPr indent="0" lvl="0" marL="0" rtl="0" algn="l">
+              <a:lnSpc>
+                <a:spcPct val="135714"/>
+              </a:lnSpc>
+              <a:spcBef>
+                <a:spcPts val="0"/>
+              </a:spcBef>
+              <a:spcAft>
+                <a:spcPts val="0"/>
+              </a:spcAft>
+              <a:buClr>
+                <a:schemeClr val="dk1"/>
+              </a:buClr>
+              <a:buSzPts val="1100"/>
+              <a:buFont typeface="Arial"/>
+              <a:buNone/>
+            </a:pPr>
+            <a:r>
+              <a:t/>
+            </a:r>
+            <a:endParaRPr sz="1050">
+              <a:solidFill>
+                <a:schemeClr val="dk1"/>
+              </a:solidFill>
+              <a:latin typeface="Courier New"/>
+              <a:ea typeface="Courier New"/>
+              <a:cs typeface="Courier New"/>
+              <a:sym typeface="Courier New"/>
+            </a:endParaRPr>
+          </a:p>
+          <a:p>
+            <a:pPr indent="0" lvl="0" marL="0" rtl="0" algn="l">
+              <a:lnSpc>
+                <a:spcPct val="135714"/>
+              </a:lnSpc>
+              <a:spcBef>
+                <a:spcPts val="0"/>
+              </a:spcBef>
+              <a:spcAft>
+                <a:spcPts val="0"/>
+              </a:spcAft>
+              <a:buClr>
+                <a:schemeClr val="dk1"/>
+              </a:buClr>
+              <a:buSzPts val="1100"/>
+              <a:buFont typeface="Arial"/>
+              <a:buNone/>
+            </a:pPr>
+            <a:r>
+              <a:rPr lang="es" sz="1050">
+                <a:solidFill>
+                  <a:schemeClr val="dk1"/>
+                </a:solidFill>
+                <a:latin typeface="Courier New"/>
+                <a:ea typeface="Courier New"/>
+                <a:cs typeface="Courier New"/>
+                <a:sym typeface="Courier New"/>
+              </a:rPr>
+              <a:t> @override</a:t>
+            </a:r>
+            <a:endParaRPr sz="1050">
+              <a:solidFill>
+                <a:schemeClr val="dk1"/>
+              </a:solidFill>
+              <a:latin typeface="Courier New"/>
+              <a:ea typeface="Courier New"/>
+              <a:cs typeface="Courier New"/>
+              <a:sym typeface="Courier New"/>
+            </a:endParaRPr>
+          </a:p>
+          <a:p>
+            <a:pPr indent="0" lvl="0" marL="0" rtl="0" algn="l">
+              <a:lnSpc>
+                <a:spcPct val="135714"/>
+              </a:lnSpc>
+              <a:spcBef>
+                <a:spcPts val="0"/>
+              </a:spcBef>
+              <a:spcAft>
+                <a:spcPts val="0"/>
+              </a:spcAft>
+              <a:buClr>
+                <a:schemeClr val="dk1"/>
+              </a:buClr>
+              <a:buSzPts val="1100"/>
+              <a:buFont typeface="Arial"/>
+              <a:buNone/>
+            </a:pPr>
+            <a:r>
+              <a:rPr lang="es" sz="1050">
+                <a:solidFill>
+                  <a:schemeClr val="dk1"/>
+                </a:solidFill>
+                <a:latin typeface="Courier New"/>
+                <a:ea typeface="Courier New"/>
+                <a:cs typeface="Courier New"/>
+                <a:sym typeface="Courier New"/>
+              </a:rPr>
+              <a:t> List&lt;Object&gt; get props =&gt; [];</a:t>
+            </a:r>
+            <a:endParaRPr sz="1050">
+              <a:solidFill>
+                <a:schemeClr val="dk1"/>
+              </a:solidFill>
+              <a:latin typeface="Courier New"/>
+              <a:ea typeface="Courier New"/>
+              <a:cs typeface="Courier New"/>
+              <a:sym typeface="Courier New"/>
+            </a:endParaRPr>
+          </a:p>
+          <a:p>
+            <a:pPr indent="0" lvl="0" marL="0" rtl="0" algn="l">
+              <a:lnSpc>
+                <a:spcPct val="135714"/>
+              </a:lnSpc>
+              <a:spcBef>
+                <a:spcPts val="0"/>
+              </a:spcBef>
+              <a:spcAft>
+                <a:spcPts val="0"/>
+              </a:spcAft>
+              <a:buClr>
+                <a:schemeClr val="dk1"/>
+              </a:buClr>
+              <a:buSzPts val="1100"/>
+              <a:buFont typeface="Arial"/>
+              <a:buNone/>
+            </a:pPr>
+            <a:r>
+              <a:rPr lang="es" sz="1050">
+                <a:solidFill>
+                  <a:schemeClr val="dk1"/>
+                </a:solidFill>
+                <a:latin typeface="Courier New"/>
+                <a:ea typeface="Courier New"/>
+                <a:cs typeface="Courier New"/>
+                <a:sym typeface="Courier New"/>
+              </a:rPr>
+              <a:t>}</a:t>
+            </a:r>
+            <a:endParaRPr sz="1050">
+              <a:solidFill>
+                <a:schemeClr val="dk1"/>
+              </a:solidFill>
+              <a:latin typeface="Courier New"/>
+              <a:ea typeface="Courier New"/>
+              <a:cs typeface="Courier New"/>
+              <a:sym typeface="Courier New"/>
+            </a:endParaRPr>
+          </a:p>
+          <a:p>
+            <a:pPr indent="0" lvl="0" marL="0" rtl="0" algn="l">
+              <a:lnSpc>
+                <a:spcPct val="135714"/>
+              </a:lnSpc>
+              <a:spcBef>
+                <a:spcPts val="0"/>
+              </a:spcBef>
+              <a:spcAft>
+                <a:spcPts val="0"/>
+              </a:spcAft>
+              <a:buClr>
+                <a:schemeClr val="dk1"/>
+              </a:buClr>
+              <a:buSzPts val="1100"/>
+              <a:buFont typeface="Arial"/>
+              <a:buNone/>
+            </a:pPr>
+            <a:r>
+              <a:t/>
+            </a:r>
+            <a:endParaRPr sz="1050">
+              <a:solidFill>
+                <a:schemeClr val="dk1"/>
+              </a:solidFill>
+              <a:latin typeface="Courier New"/>
+              <a:ea typeface="Courier New"/>
+              <a:cs typeface="Courier New"/>
+              <a:sym typeface="Courier New"/>
+            </a:endParaRPr>
+          </a:p>
+          <a:p>
+            <a:pPr indent="0" lvl="0" marL="0" rtl="0" algn="l">
+              <a:lnSpc>
+                <a:spcPct val="135714"/>
+              </a:lnSpc>
+              <a:spcBef>
+                <a:spcPts val="0"/>
+              </a:spcBef>
+              <a:spcAft>
+                <a:spcPts val="0"/>
+              </a:spcAft>
+              <a:buClr>
+                <a:schemeClr val="dk1"/>
+              </a:buClr>
+              <a:buSzPts val="1100"/>
+              <a:buFont typeface="Arial"/>
+              <a:buNone/>
+            </a:pPr>
+            <a:r>
+              <a:rPr lang="es" sz="1050">
+                <a:solidFill>
+                  <a:schemeClr val="dk1"/>
+                </a:solidFill>
+                <a:latin typeface="Courier New"/>
+                <a:ea typeface="Courier New"/>
+                <a:cs typeface="Courier New"/>
+                <a:sym typeface="Courier New"/>
+              </a:rPr>
+              <a:t>class ConverterState extends AbstractConverterState {</a:t>
+            </a:r>
+            <a:endParaRPr sz="1050">
+              <a:solidFill>
+                <a:schemeClr val="dk1"/>
+              </a:solidFill>
+              <a:latin typeface="Courier New"/>
+              <a:ea typeface="Courier New"/>
+              <a:cs typeface="Courier New"/>
+              <a:sym typeface="Courier New"/>
+            </a:endParaRPr>
+          </a:p>
+          <a:p>
+            <a:pPr indent="0" lvl="0" marL="0" rtl="0" algn="l">
+              <a:lnSpc>
+                <a:spcPct val="135714"/>
+              </a:lnSpc>
+              <a:spcBef>
+                <a:spcPts val="0"/>
+              </a:spcBef>
+              <a:spcAft>
+                <a:spcPts val="0"/>
+              </a:spcAft>
+              <a:buClr>
+                <a:schemeClr val="dk1"/>
+              </a:buClr>
+              <a:buSzPts val="1100"/>
+              <a:buFont typeface="Arial"/>
+              <a:buNone/>
+            </a:pPr>
+            <a:r>
+              <a:rPr lang="es" sz="1050">
+                <a:solidFill>
+                  <a:schemeClr val="dk1"/>
+                </a:solidFill>
+                <a:latin typeface="Courier New"/>
+                <a:ea typeface="Courier New"/>
+                <a:cs typeface="Courier New"/>
+                <a:sym typeface="Courier New"/>
+              </a:rPr>
+              <a:t> final String decimal;</a:t>
+            </a:r>
+            <a:endParaRPr sz="1050">
+              <a:solidFill>
+                <a:schemeClr val="dk1"/>
+              </a:solidFill>
+              <a:latin typeface="Courier New"/>
+              <a:ea typeface="Courier New"/>
+              <a:cs typeface="Courier New"/>
+              <a:sym typeface="Courier New"/>
+            </a:endParaRPr>
+          </a:p>
+          <a:p>
+            <a:pPr indent="0" lvl="0" marL="0" rtl="0" algn="l">
+              <a:lnSpc>
+                <a:spcPct val="135714"/>
+              </a:lnSpc>
+              <a:spcBef>
+                <a:spcPts val="0"/>
+              </a:spcBef>
+              <a:spcAft>
+                <a:spcPts val="0"/>
+              </a:spcAft>
+              <a:buClr>
+                <a:schemeClr val="dk1"/>
+              </a:buClr>
+              <a:buSzPts val="1100"/>
+              <a:buFont typeface="Arial"/>
+              <a:buNone/>
+            </a:pPr>
+            <a:r>
+              <a:rPr lang="es" sz="1050">
+                <a:solidFill>
+                  <a:schemeClr val="dk1"/>
+                </a:solidFill>
+                <a:latin typeface="Courier New"/>
+                <a:ea typeface="Courier New"/>
+                <a:cs typeface="Courier New"/>
+                <a:sym typeface="Courier New"/>
+              </a:rPr>
+              <a:t> final String binary;</a:t>
+            </a:r>
+            <a:endParaRPr sz="1050">
+              <a:solidFill>
+                <a:schemeClr val="dk1"/>
+              </a:solidFill>
+              <a:latin typeface="Courier New"/>
+              <a:ea typeface="Courier New"/>
+              <a:cs typeface="Courier New"/>
+              <a:sym typeface="Courier New"/>
+            </a:endParaRPr>
+          </a:p>
+          <a:p>
+            <a:pPr indent="0" lvl="0" marL="0" rtl="0" algn="l">
+              <a:lnSpc>
+                <a:spcPct val="135714"/>
+              </a:lnSpc>
+              <a:spcBef>
+                <a:spcPts val="0"/>
+              </a:spcBef>
+              <a:spcAft>
+                <a:spcPts val="0"/>
+              </a:spcAft>
+              <a:buClr>
+                <a:schemeClr val="dk1"/>
+              </a:buClr>
+              <a:buSzPts val="1100"/>
+              <a:buFont typeface="Arial"/>
+              <a:buNone/>
+            </a:pPr>
+            <a:r>
+              <a:t/>
+            </a:r>
+            <a:endParaRPr sz="1050">
+              <a:solidFill>
+                <a:schemeClr val="dk1"/>
+              </a:solidFill>
+              <a:latin typeface="Courier New"/>
+              <a:ea typeface="Courier New"/>
+              <a:cs typeface="Courier New"/>
+              <a:sym typeface="Courier New"/>
+            </a:endParaRPr>
+          </a:p>
+          <a:p>
+            <a:pPr indent="0" lvl="0" marL="0" rtl="0" algn="l">
+              <a:lnSpc>
+                <a:spcPct val="135714"/>
+              </a:lnSpc>
+              <a:spcBef>
+                <a:spcPts val="0"/>
+              </a:spcBef>
+              <a:spcAft>
+                <a:spcPts val="0"/>
+              </a:spcAft>
+              <a:buClr>
+                <a:schemeClr val="dk1"/>
+              </a:buClr>
+              <a:buSzPts val="1100"/>
+              <a:buFont typeface="Arial"/>
+              <a:buNone/>
+            </a:pPr>
+            <a:r>
+              <a:rPr lang="es" sz="1050">
+                <a:solidFill>
+                  <a:schemeClr val="dk1"/>
+                </a:solidFill>
+                <a:latin typeface="Courier New"/>
+                <a:ea typeface="Courier New"/>
+                <a:cs typeface="Courier New"/>
+                <a:sym typeface="Courier New"/>
+              </a:rPr>
+              <a:t> ConverterState(thi.decimal, this.binary);</a:t>
+            </a:r>
+            <a:endParaRPr sz="1050">
+              <a:solidFill>
+                <a:schemeClr val="dk1"/>
+              </a:solidFill>
+              <a:latin typeface="Courier New"/>
+              <a:ea typeface="Courier New"/>
+              <a:cs typeface="Courier New"/>
+              <a:sym typeface="Courier New"/>
+            </a:endParaRPr>
+          </a:p>
+          <a:p>
+            <a:pPr indent="0" lvl="0" marL="0" rtl="0" algn="l">
+              <a:lnSpc>
+                <a:spcPct val="135714"/>
+              </a:lnSpc>
+              <a:spcBef>
+                <a:spcPts val="0"/>
+              </a:spcBef>
+              <a:spcAft>
+                <a:spcPts val="0"/>
+              </a:spcAft>
+              <a:buClr>
+                <a:schemeClr val="dk1"/>
+              </a:buClr>
+              <a:buSzPts val="1100"/>
+              <a:buFont typeface="Arial"/>
+              <a:buNone/>
+            </a:pPr>
+            <a:r>
+              <a:t/>
+            </a:r>
+            <a:endParaRPr sz="1050">
+              <a:solidFill>
+                <a:schemeClr val="dk1"/>
+              </a:solidFill>
+              <a:latin typeface="Courier New"/>
+              <a:ea typeface="Courier New"/>
+              <a:cs typeface="Courier New"/>
+              <a:sym typeface="Courier New"/>
+            </a:endParaRPr>
+          </a:p>
+          <a:p>
+            <a:pPr indent="0" lvl="0" marL="0" rtl="0" algn="l">
+              <a:lnSpc>
+                <a:spcPct val="135714"/>
+              </a:lnSpc>
+              <a:spcBef>
+                <a:spcPts val="0"/>
+              </a:spcBef>
+              <a:spcAft>
+                <a:spcPts val="0"/>
+              </a:spcAft>
+              <a:buClr>
+                <a:schemeClr val="dk1"/>
+              </a:buClr>
+              <a:buSzPts val="1100"/>
+              <a:buFont typeface="Arial"/>
+              <a:buNone/>
+            </a:pPr>
+            <a:r>
+              <a:rPr lang="es" sz="1050">
+                <a:solidFill>
+                  <a:schemeClr val="dk1"/>
+                </a:solidFill>
+                <a:latin typeface="Courier New"/>
+                <a:ea typeface="Courier New"/>
+                <a:cs typeface="Courier New"/>
+                <a:sym typeface="Courier New"/>
+              </a:rPr>
+              <a:t> @override</a:t>
+            </a:r>
+            <a:endParaRPr sz="1050">
+              <a:solidFill>
+                <a:schemeClr val="dk1"/>
+              </a:solidFill>
+              <a:latin typeface="Courier New"/>
+              <a:ea typeface="Courier New"/>
+              <a:cs typeface="Courier New"/>
+              <a:sym typeface="Courier New"/>
+            </a:endParaRPr>
+          </a:p>
+          <a:p>
+            <a:pPr indent="0" lvl="0" marL="0" rtl="0" algn="l">
+              <a:lnSpc>
+                <a:spcPct val="135714"/>
+              </a:lnSpc>
+              <a:spcBef>
+                <a:spcPts val="0"/>
+              </a:spcBef>
+              <a:spcAft>
+                <a:spcPts val="0"/>
+              </a:spcAft>
+              <a:buClr>
+                <a:schemeClr val="dk1"/>
+              </a:buClr>
+              <a:buSzPts val="1100"/>
+              <a:buFont typeface="Arial"/>
+              <a:buNone/>
+            </a:pPr>
+            <a:r>
+              <a:rPr lang="es" sz="1050">
+                <a:solidFill>
+                  <a:schemeClr val="dk1"/>
+                </a:solidFill>
+                <a:latin typeface="Courier New"/>
+                <a:ea typeface="Courier New"/>
+                <a:cs typeface="Courier New"/>
+                <a:sym typeface="Courier New"/>
+              </a:rPr>
+              <a:t> List&lt;Object&gt; get props =&gt; [decimal, binary];</a:t>
+            </a:r>
+            <a:endParaRPr sz="1050">
+              <a:solidFill>
+                <a:schemeClr val="dk1"/>
+              </a:solidFill>
+              <a:latin typeface="Courier New"/>
+              <a:ea typeface="Courier New"/>
+              <a:cs typeface="Courier New"/>
+              <a:sym typeface="Courier New"/>
+            </a:endParaRPr>
+          </a:p>
+          <a:p>
+            <a:pPr indent="0" lvl="0" marL="0" rtl="0" algn="l">
+              <a:lnSpc>
+                <a:spcPct val="135714"/>
+              </a:lnSpc>
+              <a:spcBef>
+                <a:spcPts val="0"/>
+              </a:spcBef>
+              <a:spcAft>
+                <a:spcPts val="0"/>
+              </a:spcAft>
+              <a:buClr>
+                <a:schemeClr val="dk1"/>
+              </a:buClr>
+              <a:buSzPts val="1100"/>
+              <a:buFont typeface="Arial"/>
+              <a:buNone/>
+            </a:pPr>
+            <a:r>
+              <a:rPr lang="es" sz="1050">
+                <a:solidFill>
+                  <a:schemeClr val="dk1"/>
+                </a:solidFill>
+                <a:latin typeface="Courier New"/>
+                <a:ea typeface="Courier New"/>
+                <a:cs typeface="Courier New"/>
+                <a:sym typeface="Courier New"/>
+              </a:rPr>
+              <a:t>}</a:t>
+            </a:r>
+            <a:endParaRPr sz="1050">
+              <a:solidFill>
+                <a:schemeClr val="dk1"/>
+              </a:solidFill>
+              <a:latin typeface="Courier New"/>
+              <a:ea typeface="Courier New"/>
+              <a:cs typeface="Courier New"/>
+              <a:sym typeface="Courier New"/>
+            </a:endParaRPr>
+          </a:p>
+          <a:p>
+            <a:pPr indent="0" lvl="0" marL="0" rtl="0" algn="l">
+              <a:lnSpc>
+                <a:spcPct val="100000"/>
+              </a:lnSpc>
+              <a:spcBef>
+                <a:spcPts val="0"/>
+              </a:spcBef>
+              <a:spcAft>
+                <a:spcPts val="0"/>
+              </a:spcAft>
+              <a:buSzPts val="1100"/>
+              <a:buNone/>
+            </a:pPr>
+            <a:r>
+              <a:t/>
+            </a:r>
+            <a:endParaRPr>
+              <a:solidFill>
+                <a:schemeClr val="dk1"/>
+              </a:solidFill>
+            </a:endParaRPr>
           </a:p>
         </p:txBody>
       </p:sp>
@@ -17503,7 +23303,7 @@
     <p:bg>
       <p:bgPr>
         <a:blipFill>
-          <a:blip r:embed="rId4">
+          <a:blip r:embed="rId3">
             <a:alphaModFix/>
           </a:blip>
           <a:stretch>
@@ -17599,7 +23399,7 @@
           <p:nvPr/>
         </p:nvPicPr>
         <p:blipFill>
-          <a:blip r:embed="rId5">
+          <a:blip r:embed="rId4">
             <a:alphaModFix/>
           </a:blip>
           <a:stretch>
@@ -19396,25 +25196,17 @@
               <a:buNone/>
             </a:pPr>
             <a:r>
-              <a:rPr lang="es">
+              <a:rPr b="1" lang="es">
                 <a:solidFill>
                   <a:srgbClr val="E83464"/>
                 </a:solidFill>
-                <a:latin typeface="Arial"/>
-                <a:ea typeface="Arial"/>
-                <a:cs typeface="Arial"/>
-                <a:sym typeface="Arial"/>
               </a:rPr>
               <a:t>Objetivos de la sesión</a:t>
             </a:r>
-            <a:endParaRPr>
+            <a:endParaRPr b="1">
               <a:solidFill>
                 <a:srgbClr val="E83464"/>
               </a:solidFill>
-              <a:latin typeface="Arial"/>
-              <a:ea typeface="Arial"/>
-              <a:cs typeface="Arial"/>
-              <a:sym typeface="Arial"/>
             </a:endParaRPr>
           </a:p>
         </p:txBody>
@@ -20364,14 +26156,6 @@
                   <a:srgbClr val="E83464"/>
                 </a:solidFill>
               </a:rPr>
-              <a:t>BLoC:</a:t>
-            </a:r>
-            <a:r>
-              <a:rPr b="1" lang="es" sz="2700">
-                <a:solidFill>
-                  <a:srgbClr val="E83464"/>
-                </a:solidFill>
-              </a:rPr>
               <a:t>Creación</a:t>
             </a:r>
             <a:r>
@@ -21518,14 +27302,6 @@
                   <a:srgbClr val="E83464"/>
                 </a:solidFill>
               </a:rPr>
-              <a:t>BLoC: </a:t>
-            </a:r>
-            <a:r>
-              <a:rPr b="1" lang="es" sz="3000">
-                <a:solidFill>
-                  <a:srgbClr val="E83464"/>
-                </a:solidFill>
-              </a:rPr>
               <a:t>Enumerar los eventos.</a:t>
             </a:r>
             <a:endParaRPr b="1" sz="3000" u="none" cap="none" strike="noStrike">
@@ -22181,14 +27957,6 @@
                   <a:srgbClr val="E83464"/>
                 </a:solidFill>
               </a:rPr>
-              <a:t>BLoC: </a:t>
-            </a:r>
-            <a:r>
-              <a:rPr b="1" lang="es" sz="3000">
-                <a:solidFill>
-                  <a:srgbClr val="E83464"/>
-                </a:solidFill>
-              </a:rPr>
               <a:t>Enumerar los estados</a:t>
             </a:r>
             <a:endParaRPr b="1" i="0" sz="3000" u="none" cap="none" strike="noStrike">
@@ -22207,8 +27975,8 @@
         </p:nvSpPr>
         <p:spPr>
           <a:xfrm>
-            <a:off x="386925" y="1416900"/>
-            <a:ext cx="7618500" cy="3095400"/>
+            <a:off x="386925" y="1836125"/>
+            <a:ext cx="7618500" cy="2676300"/>
           </a:xfrm>
           <a:prstGeom prst="rect">
             <a:avLst/>
@@ -22751,7 +28519,7 @@
                   <a:srgbClr val="E83464"/>
                 </a:solidFill>
               </a:rPr>
-              <a:t>BLoC: </a:t>
+              <a:t>C</a:t>
             </a:r>
             <a:r>
               <a:rPr b="1" lang="es" sz="3000">
@@ -22759,7 +28527,7 @@
                   <a:srgbClr val="E83464"/>
                 </a:solidFill>
               </a:rPr>
-              <a:t>Construir el bloc</a:t>
+              <a:t>onstruir el BLoC</a:t>
             </a:r>
             <a:endParaRPr b="1" i="0" sz="3000" u="none" cap="none" strike="noStrike">
               <a:solidFill>
@@ -22777,8 +28545,8 @@
         </p:nvSpPr>
         <p:spPr>
           <a:xfrm>
-            <a:off x="386925" y="1416900"/>
-            <a:ext cx="7618500" cy="3095400"/>
+            <a:off x="386925" y="1659575"/>
+            <a:ext cx="7618500" cy="2852700"/>
           </a:xfrm>
           <a:prstGeom prst="rect">
             <a:avLst/>
@@ -23298,6 +29066,285 @@
 </file>
 
 <file path=ppt/theme/theme1.xml><?xml version="1.0" encoding="utf-8"?>
+<a:theme xmlns:a="http://schemas.openxmlformats.org/drawingml/2006/main" xmlns:r="http://schemas.openxmlformats.org/officeDocument/2006/relationships">
+  <a:themeElements>
+    <a:clrScheme name="Default">
+      <a:dk1>
+        <a:srgbClr val="000000"/>
+      </a:dk1>
+      <a:lt1>
+        <a:srgbClr val="FFFFFF"/>
+      </a:lt1>
+      <a:dk2>
+        <a:srgbClr val="158158"/>
+      </a:dk2>
+      <a:lt2>
+        <a:srgbClr val="F3F3F3"/>
+      </a:lt2>
+      <a:accent1>
+        <a:srgbClr val="058DC7"/>
+      </a:accent1>
+      <a:accent2>
+        <a:srgbClr val="50B432"/>
+      </a:accent2>
+      <a:accent3>
+        <a:srgbClr val="ED561B"/>
+      </a:accent3>
+      <a:accent4>
+        <a:srgbClr val="EDEF00"/>
+      </a:accent4>
+      <a:accent5>
+        <a:srgbClr val="24CBE5"/>
+      </a:accent5>
+      <a:accent6>
+        <a:srgbClr val="64E572"/>
+      </a:accent6>
+      <a:hlink>
+        <a:srgbClr val="2200CC"/>
+      </a:hlink>
+      <a:folHlink>
+        <a:srgbClr val="551A8B"/>
+      </a:folHlink>
+    </a:clrScheme>
+    <a:fontScheme name="Office">
+      <a:majorFont>
+        <a:latin typeface="Arial"/>
+        <a:ea typeface=""/>
+        <a:cs typeface=""/>
+        <a:font script="Jpan" typeface="ＭＳ Ｐゴシック"/>
+        <a:font script="Hang" typeface="맑은 고딕"/>
+        <a:font script="Hans" typeface="宋体"/>
+        <a:font script="Hant" typeface="新細明體"/>
+        <a:font script="Arab" typeface="Times New Roman"/>
+        <a:font script="Hebr" typeface="Times New Roman"/>
+        <a:font script="Thai" typeface="Angsana New"/>
+        <a:font script="Ethi" typeface="Nyala"/>
+        <a:font script="Beng" typeface="Vrinda"/>
+        <a:font script="Gujr" typeface="Shruti"/>
+        <a:font script="Khmr" typeface="MoolBoran"/>
+        <a:font script="Knda" typeface="Tunga"/>
+        <a:font script="Guru" typeface="Raavi"/>
+        <a:font script="Cans" typeface="Euphemia"/>
+        <a:font script="Cher" typeface="Plantagenet Cherokee"/>
+        <a:font script="Yiii" typeface="Microsoft Yi Baiti"/>
+        <a:font script="Tibt" typeface="Microsoft Himalaya"/>
+        <a:font script="Thaa" typeface="MV Boli"/>
+        <a:font script="Deva" typeface="Mangal"/>
+        <a:font script="Telu" typeface="Gautami"/>
+        <a:font script="Taml" typeface="Latha"/>
+        <a:font script="Syrc" typeface="Estrangelo Edessa"/>
+        <a:font script="Orya" typeface="Kalinga"/>
+        <a:font script="Mlym" typeface="Kartika"/>
+        <a:font script="Laoo" typeface="DokChampa"/>
+        <a:font script="Sinh" typeface="Iskoola Pota"/>
+        <a:font script="Mong" typeface="Mongolian Baiti"/>
+        <a:font script="Viet" typeface="Times New Roman"/>
+        <a:font script="Uigh" typeface="Microsoft Uighur"/>
+        <a:font script="Geor" typeface="Sylfaen"/>
+      </a:majorFont>
+      <a:minorFont>
+        <a:latin typeface="Arial"/>
+        <a:ea typeface=""/>
+        <a:cs typeface=""/>
+        <a:font script="Jpan" typeface="ＭＳ Ｐゴシック"/>
+        <a:font script="Hang" typeface="맑은 고딕"/>
+        <a:font script="Hans" typeface="宋体"/>
+        <a:font script="Hant" typeface="新細明體"/>
+        <a:font script="Arab" typeface="Arial"/>
+        <a:font script="Hebr" typeface="Arial"/>
+        <a:font script="Thai" typeface="Cordia New"/>
+        <a:font script="Ethi" typeface="Nyala"/>
+        <a:font script="Beng" typeface="Vrinda"/>
+        <a:font script="Gujr" typeface="Shruti"/>
+        <a:font script="Khmr" typeface="DaunPenh"/>
+        <a:font script="Knda" typeface="Tunga"/>
+        <a:font script="Guru" typeface="Raavi"/>
+        <a:font script="Cans" typeface="Euphemia"/>
+        <a:font script="Cher" typeface="Plantagenet Cherokee"/>
+        <a:font script="Yiii" typeface="Microsoft Yi Baiti"/>
+        <a:font script="Tibt" typeface="Microsoft Himalaya"/>
+        <a:font script="Thaa" typeface="MV Boli"/>
+        <a:font script="Deva" typeface="Mangal"/>
+        <a:font script="Telu" typeface="Gautami"/>
+        <a:font script="Taml" typeface="Latha"/>
+        <a:font script="Syrc" typeface="Estrangelo Edessa"/>
+        <a:font script="Orya" typeface="Kalinga"/>
+        <a:font script="Mlym" typeface="Kartika"/>
+        <a:font script="Laoo" typeface="DokChampa"/>
+        <a:font script="Sinh" typeface="Iskoola Pota"/>
+        <a:font script="Mong" typeface="Mongolian Baiti"/>
+        <a:font script="Viet" typeface="Arial"/>
+        <a:font script="Uigh" typeface="Microsoft Uighur"/>
+        <a:font script="Geor" typeface="Sylfaen"/>
+      </a:minorFont>
+    </a:fontScheme>
+    <a:fmtScheme name="Office">
+      <a:fillStyleLst>
+        <a:solidFill>
+          <a:schemeClr val="phClr"/>
+        </a:solidFill>
+        <a:gradFill rotWithShape="1">
+          <a:gsLst>
+            <a:gs pos="0">
+              <a:schemeClr val="phClr">
+                <a:tint val="50000"/>
+                <a:satMod val="300000"/>
+              </a:schemeClr>
+            </a:gs>
+            <a:gs pos="35000">
+              <a:schemeClr val="phClr">
+                <a:tint val="37000"/>
+                <a:satMod val="300000"/>
+              </a:schemeClr>
+            </a:gs>
+            <a:gs pos="100000">
+              <a:schemeClr val="phClr">
+                <a:tint val="15000"/>
+                <a:satMod val="350000"/>
+              </a:schemeClr>
+            </a:gs>
+          </a:gsLst>
+          <a:lin ang="16200000" scaled="1"/>
+        </a:gradFill>
+        <a:gradFill rotWithShape="1">
+          <a:gsLst>
+            <a:gs pos="0">
+              <a:schemeClr val="phClr">
+                <a:tint val="100000"/>
+                <a:shade val="100000"/>
+                <a:satMod val="130000"/>
+              </a:schemeClr>
+            </a:gs>
+            <a:gs pos="100000">
+              <a:schemeClr val="phClr">
+                <a:tint val="50000"/>
+                <a:shade val="100000"/>
+                <a:satMod val="350000"/>
+              </a:schemeClr>
+            </a:gs>
+          </a:gsLst>
+          <a:lin ang="16200000" scaled="0"/>
+        </a:gradFill>
+      </a:fillStyleLst>
+      <a:lnStyleLst>
+        <a:ln w="9525" cap="flat" cmpd="sng" algn="ctr">
+          <a:solidFill>
+            <a:schemeClr val="phClr">
+              <a:shade val="95000"/>
+              <a:satMod val="105000"/>
+            </a:schemeClr>
+          </a:solidFill>
+          <a:prstDash val="solid"/>
+        </a:ln>
+        <a:ln w="25400" cap="flat" cmpd="sng" algn="ctr">
+          <a:solidFill>
+            <a:schemeClr val="phClr"/>
+          </a:solidFill>
+          <a:prstDash val="solid"/>
+        </a:ln>
+        <a:ln w="38100" cap="flat" cmpd="sng" algn="ctr">
+          <a:solidFill>
+            <a:schemeClr val="phClr"/>
+          </a:solidFill>
+          <a:prstDash val="solid"/>
+        </a:ln>
+      </a:lnStyleLst>
+      <a:effectStyleLst>
+        <a:effectStyle>
+          <a:effectLst>
+            <a:outerShdw blurRad="40000" dist="20000" dir="5400000" rotWithShape="0">
+              <a:srgbClr val="000000">
+                <a:alpha val="38000"/>
+              </a:srgbClr>
+            </a:outerShdw>
+          </a:effectLst>
+        </a:effectStyle>
+        <a:effectStyle>
+          <a:effectLst>
+            <a:outerShdw blurRad="40000" dist="23000" dir="5400000" rotWithShape="0">
+              <a:srgbClr val="000000">
+                <a:alpha val="35000"/>
+              </a:srgbClr>
+            </a:outerShdw>
+          </a:effectLst>
+        </a:effectStyle>
+        <a:effectStyle>
+          <a:effectLst>
+            <a:outerShdw blurRad="40000" dist="23000" dir="5400000" rotWithShape="0">
+              <a:srgbClr val="000000">
+                <a:alpha val="35000"/>
+              </a:srgbClr>
+            </a:outerShdw>
+          </a:effectLst>
+          <a:scene3d>
+            <a:camera prst="orthographicFront">
+              <a:rot lat="0" lon="0" rev="0"/>
+            </a:camera>
+            <a:lightRig rig="threePt" dir="t">
+              <a:rot lat="0" lon="0" rev="1200000"/>
+            </a:lightRig>
+          </a:scene3d>
+          <a:sp3d>
+            <a:bevelT w="63500" h="25400"/>
+          </a:sp3d>
+        </a:effectStyle>
+      </a:effectStyleLst>
+      <a:bgFillStyleLst>
+        <a:solidFill>
+          <a:schemeClr val="phClr"/>
+        </a:solidFill>
+        <a:gradFill rotWithShape="1">
+          <a:gsLst>
+            <a:gs pos="0">
+              <a:schemeClr val="phClr">
+                <a:tint val="40000"/>
+                <a:satMod val="350000"/>
+              </a:schemeClr>
+            </a:gs>
+            <a:gs pos="40000">
+              <a:schemeClr val="phClr">
+                <a:tint val="45000"/>
+                <a:shade val="99000"/>
+                <a:satMod val="350000"/>
+              </a:schemeClr>
+            </a:gs>
+            <a:gs pos="100000">
+              <a:schemeClr val="phClr">
+                <a:shade val="20000"/>
+                <a:satMod val="255000"/>
+              </a:schemeClr>
+            </a:gs>
+          </a:gsLst>
+          <a:path path="circle">
+            <a:fillToRect l="50000" t="-80000" r="50000" b="180000"/>
+          </a:path>
+        </a:gradFill>
+        <a:gradFill rotWithShape="1">
+          <a:gsLst>
+            <a:gs pos="0">
+              <a:schemeClr val="phClr">
+                <a:tint val="80000"/>
+                <a:satMod val="300000"/>
+              </a:schemeClr>
+            </a:gs>
+            <a:gs pos="100000">
+              <a:schemeClr val="phClr">
+                <a:shade val="30000"/>
+                <a:satMod val="200000"/>
+              </a:schemeClr>
+            </a:gs>
+          </a:gsLst>
+          <a:path path="circle">
+            <a:fillToRect l="50000" t="50000" r="50000" b="50000"/>
+          </a:path>
+        </a:gradFill>
+      </a:bgFillStyleLst>
+    </a:fmtScheme>
+  </a:themeElements>
+</a:theme>
+</file>
+
+<file path=ppt/theme/theme2.xml><?xml version="1.0" encoding="utf-8"?>
 <a:theme xmlns:a="http://schemas.openxmlformats.org/drawingml/2006/main" xmlns:r="http://schemas.openxmlformats.org/officeDocument/2006/relationships" name="Shift">
   <a:themeElements>
     <a:clrScheme name="Shift">
@@ -23574,283 +29621,4 @@
     </a:fmtScheme>
   </a:themeElements>
 </a:theme>
-</file>
-
-<file path=ppt/theme/theme2.xml><?xml version="1.0" encoding="utf-8"?>
-<a:theme xmlns:a="http://schemas.openxmlformats.org/drawingml/2006/main" xmlns:r="http://schemas.openxmlformats.org/officeDocument/2006/relationships">
-  <a:themeElements>
-    <a:clrScheme name="Default">
-      <a:dk1>
-        <a:srgbClr val="000000"/>
-      </a:dk1>
-      <a:lt1>
-        <a:srgbClr val="FFFFFF"/>
-      </a:lt1>
-      <a:dk2>
-        <a:srgbClr val="158158"/>
-      </a:dk2>
-      <a:lt2>
-        <a:srgbClr val="F3F3F3"/>
-      </a:lt2>
-      <a:accent1>
-        <a:srgbClr val="058DC7"/>
-      </a:accent1>
-      <a:accent2>
-        <a:srgbClr val="50B432"/>
-      </a:accent2>
-      <a:accent3>
-        <a:srgbClr val="ED561B"/>
-      </a:accent3>
-      <a:accent4>
-        <a:srgbClr val="EDEF00"/>
-      </a:accent4>
-      <a:accent5>
-        <a:srgbClr val="24CBE5"/>
-      </a:accent5>
-      <a:accent6>
-        <a:srgbClr val="64E572"/>
-      </a:accent6>
-      <a:hlink>
-        <a:srgbClr val="2200CC"/>
-      </a:hlink>
-      <a:folHlink>
-        <a:srgbClr val="551A8B"/>
-      </a:folHlink>
-    </a:clrScheme>
-    <a:fontScheme name="Office">
-      <a:majorFont>
-        <a:latin typeface="Arial"/>
-        <a:ea typeface=""/>
-        <a:cs typeface=""/>
-        <a:font script="Jpan" typeface="ＭＳ Ｐゴシック"/>
-        <a:font script="Hang" typeface="맑은 고딕"/>
-        <a:font script="Hans" typeface="宋体"/>
-        <a:font script="Hant" typeface="新細明體"/>
-        <a:font script="Arab" typeface="Times New Roman"/>
-        <a:font script="Hebr" typeface="Times New Roman"/>
-        <a:font script="Thai" typeface="Angsana New"/>
-        <a:font script="Ethi" typeface="Nyala"/>
-        <a:font script="Beng" typeface="Vrinda"/>
-        <a:font script="Gujr" typeface="Shruti"/>
-        <a:font script="Khmr" typeface="MoolBoran"/>
-        <a:font script="Knda" typeface="Tunga"/>
-        <a:font script="Guru" typeface="Raavi"/>
-        <a:font script="Cans" typeface="Euphemia"/>
-        <a:font script="Cher" typeface="Plantagenet Cherokee"/>
-        <a:font script="Yiii" typeface="Microsoft Yi Baiti"/>
-        <a:font script="Tibt" typeface="Microsoft Himalaya"/>
-        <a:font script="Thaa" typeface="MV Boli"/>
-        <a:font script="Deva" typeface="Mangal"/>
-        <a:font script="Telu" typeface="Gautami"/>
-        <a:font script="Taml" typeface="Latha"/>
-        <a:font script="Syrc" typeface="Estrangelo Edessa"/>
-        <a:font script="Orya" typeface="Kalinga"/>
-        <a:font script="Mlym" typeface="Kartika"/>
-        <a:font script="Laoo" typeface="DokChampa"/>
-        <a:font script="Sinh" typeface="Iskoola Pota"/>
-        <a:font script="Mong" typeface="Mongolian Baiti"/>
-        <a:font script="Viet" typeface="Times New Roman"/>
-        <a:font script="Uigh" typeface="Microsoft Uighur"/>
-        <a:font script="Geor" typeface="Sylfaen"/>
-      </a:majorFont>
-      <a:minorFont>
-        <a:latin typeface="Arial"/>
-        <a:ea typeface=""/>
-        <a:cs typeface=""/>
-        <a:font script="Jpan" typeface="ＭＳ Ｐゴシック"/>
-        <a:font script="Hang" typeface="맑은 고딕"/>
-        <a:font script="Hans" typeface="宋体"/>
-        <a:font script="Hant" typeface="新細明體"/>
-        <a:font script="Arab" typeface="Arial"/>
-        <a:font script="Hebr" typeface="Arial"/>
-        <a:font script="Thai" typeface="Cordia New"/>
-        <a:font script="Ethi" typeface="Nyala"/>
-        <a:font script="Beng" typeface="Vrinda"/>
-        <a:font script="Gujr" typeface="Shruti"/>
-        <a:font script="Khmr" typeface="DaunPenh"/>
-        <a:font script="Knda" typeface="Tunga"/>
-        <a:font script="Guru" typeface="Raavi"/>
-        <a:font script="Cans" typeface="Euphemia"/>
-        <a:font script="Cher" typeface="Plantagenet Cherokee"/>
-        <a:font script="Yiii" typeface="Microsoft Yi Baiti"/>
-        <a:font script="Tibt" typeface="Microsoft Himalaya"/>
-        <a:font script="Thaa" typeface="MV Boli"/>
-        <a:font script="Deva" typeface="Mangal"/>
-        <a:font script="Telu" typeface="Gautami"/>
-        <a:font script="Taml" typeface="Latha"/>
-        <a:font script="Syrc" typeface="Estrangelo Edessa"/>
-        <a:font script="Orya" typeface="Kalinga"/>
-        <a:font script="Mlym" typeface="Kartika"/>
-        <a:font script="Laoo" typeface="DokChampa"/>
-        <a:font script="Sinh" typeface="Iskoola Pota"/>
-        <a:font script="Mong" typeface="Mongolian Baiti"/>
-        <a:font script="Viet" typeface="Arial"/>
-        <a:font script="Uigh" typeface="Microsoft Uighur"/>
-        <a:font script="Geor" typeface="Sylfaen"/>
-      </a:minorFont>
-    </a:fontScheme>
-    <a:fmtScheme name="Office">
-      <a:fillStyleLst>
-        <a:solidFill>
-          <a:schemeClr val="phClr"/>
-        </a:solidFill>
-        <a:gradFill rotWithShape="1">
-          <a:gsLst>
-            <a:gs pos="0">
-              <a:schemeClr val="phClr">
-                <a:tint val="50000"/>
-                <a:satMod val="300000"/>
-              </a:schemeClr>
-            </a:gs>
-            <a:gs pos="35000">
-              <a:schemeClr val="phClr">
-                <a:tint val="37000"/>
-                <a:satMod val="300000"/>
-              </a:schemeClr>
-            </a:gs>
-            <a:gs pos="100000">
-              <a:schemeClr val="phClr">
-                <a:tint val="15000"/>
-                <a:satMod val="350000"/>
-              </a:schemeClr>
-            </a:gs>
-          </a:gsLst>
-          <a:lin ang="16200000" scaled="1"/>
-        </a:gradFill>
-        <a:gradFill rotWithShape="1">
-          <a:gsLst>
-            <a:gs pos="0">
-              <a:schemeClr val="phClr">
-                <a:tint val="100000"/>
-                <a:shade val="100000"/>
-                <a:satMod val="130000"/>
-              </a:schemeClr>
-            </a:gs>
-            <a:gs pos="100000">
-              <a:schemeClr val="phClr">
-                <a:tint val="50000"/>
-                <a:shade val="100000"/>
-                <a:satMod val="350000"/>
-              </a:schemeClr>
-            </a:gs>
-          </a:gsLst>
-          <a:lin ang="16200000" scaled="0"/>
-        </a:gradFill>
-      </a:fillStyleLst>
-      <a:lnStyleLst>
-        <a:ln w="9525" cap="flat" cmpd="sng" algn="ctr">
-          <a:solidFill>
-            <a:schemeClr val="phClr">
-              <a:shade val="95000"/>
-              <a:satMod val="105000"/>
-            </a:schemeClr>
-          </a:solidFill>
-          <a:prstDash val="solid"/>
-        </a:ln>
-        <a:ln w="25400" cap="flat" cmpd="sng" algn="ctr">
-          <a:solidFill>
-            <a:schemeClr val="phClr"/>
-          </a:solidFill>
-          <a:prstDash val="solid"/>
-        </a:ln>
-        <a:ln w="38100" cap="flat" cmpd="sng" algn="ctr">
-          <a:solidFill>
-            <a:schemeClr val="phClr"/>
-          </a:solidFill>
-          <a:prstDash val="solid"/>
-        </a:ln>
-      </a:lnStyleLst>
-      <a:effectStyleLst>
-        <a:effectStyle>
-          <a:effectLst>
-            <a:outerShdw blurRad="40000" dist="20000" dir="5400000" rotWithShape="0">
-              <a:srgbClr val="000000">
-                <a:alpha val="38000"/>
-              </a:srgbClr>
-            </a:outerShdw>
-          </a:effectLst>
-        </a:effectStyle>
-        <a:effectStyle>
-          <a:effectLst>
-            <a:outerShdw blurRad="40000" dist="23000" dir="5400000" rotWithShape="0">
-              <a:srgbClr val="000000">
-                <a:alpha val="35000"/>
-              </a:srgbClr>
-            </a:outerShdw>
-          </a:effectLst>
-        </a:effectStyle>
-        <a:effectStyle>
-          <a:effectLst>
-            <a:outerShdw blurRad="40000" dist="23000" dir="5400000" rotWithShape="0">
-              <a:srgbClr val="000000">
-                <a:alpha val="35000"/>
-              </a:srgbClr>
-            </a:outerShdw>
-          </a:effectLst>
-          <a:scene3d>
-            <a:camera prst="orthographicFront">
-              <a:rot lat="0" lon="0" rev="0"/>
-            </a:camera>
-            <a:lightRig rig="threePt" dir="t">
-              <a:rot lat="0" lon="0" rev="1200000"/>
-            </a:lightRig>
-          </a:scene3d>
-          <a:sp3d>
-            <a:bevelT w="63500" h="25400"/>
-          </a:sp3d>
-        </a:effectStyle>
-      </a:effectStyleLst>
-      <a:bgFillStyleLst>
-        <a:solidFill>
-          <a:schemeClr val="phClr"/>
-        </a:solidFill>
-        <a:gradFill rotWithShape="1">
-          <a:gsLst>
-            <a:gs pos="0">
-              <a:schemeClr val="phClr">
-                <a:tint val="40000"/>
-                <a:satMod val="350000"/>
-              </a:schemeClr>
-            </a:gs>
-            <a:gs pos="40000">
-              <a:schemeClr val="phClr">
-                <a:tint val="45000"/>
-                <a:shade val="99000"/>
-                <a:satMod val="350000"/>
-              </a:schemeClr>
-            </a:gs>
-            <a:gs pos="100000">
-              <a:schemeClr val="phClr">
-                <a:shade val="20000"/>
-                <a:satMod val="255000"/>
-              </a:schemeClr>
-            </a:gs>
-          </a:gsLst>
-          <a:path path="circle">
-            <a:fillToRect l="50000" t="-80000" r="50000" b="180000"/>
-          </a:path>
-        </a:gradFill>
-        <a:gradFill rotWithShape="1">
-          <a:gsLst>
-            <a:gs pos="0">
-              <a:schemeClr val="phClr">
-                <a:tint val="80000"/>
-                <a:satMod val="300000"/>
-              </a:schemeClr>
-            </a:gs>
-            <a:gs pos="100000">
-              <a:schemeClr val="phClr">
-                <a:shade val="30000"/>
-                <a:satMod val="200000"/>
-              </a:schemeClr>
-            </a:gs>
-          </a:gsLst>
-          <a:path path="circle">
-            <a:fillToRect l="50000" t="50000" r="50000" b="50000"/>
-          </a:path>
-        </a:gradFill>
-      </a:bgFillStyleLst>
-    </a:fmtScheme>
-  </a:themeElements>
-</a:theme>
 </file>